--- a/src/img/meros-graphical-abstract.pptx
+++ b/src/img/meros-graphical-abstract.pptx
@@ -243,7 +243,7 @@
           <a:p>
             <a:fld id="{758523DB-1EDD-4A73-9803-D008E5CAF974}" type="datetimeFigureOut">
               <a:rPr lang="pl-PL" smtClean="0"/>
-              <a:t>2023-08-01</a:t>
+              <a:t>2024-01-30</a:t>
             </a:fld>
             <a:endParaRPr lang="pl-PL"/>
           </a:p>
@@ -413,7 +413,7 @@
           <a:p>
             <a:fld id="{758523DB-1EDD-4A73-9803-D008E5CAF974}" type="datetimeFigureOut">
               <a:rPr lang="pl-PL" smtClean="0"/>
-              <a:t>2023-08-01</a:t>
+              <a:t>2024-01-30</a:t>
             </a:fld>
             <a:endParaRPr lang="pl-PL"/>
           </a:p>
@@ -593,7 +593,7 @@
           <a:p>
             <a:fld id="{758523DB-1EDD-4A73-9803-D008E5CAF974}" type="datetimeFigureOut">
               <a:rPr lang="pl-PL" smtClean="0"/>
-              <a:t>2023-08-01</a:t>
+              <a:t>2024-01-30</a:t>
             </a:fld>
             <a:endParaRPr lang="pl-PL"/>
           </a:p>
@@ -763,7 +763,7 @@
           <a:p>
             <a:fld id="{758523DB-1EDD-4A73-9803-D008E5CAF974}" type="datetimeFigureOut">
               <a:rPr lang="pl-PL" smtClean="0"/>
-              <a:t>2023-08-01</a:t>
+              <a:t>2024-01-30</a:t>
             </a:fld>
             <a:endParaRPr lang="pl-PL"/>
           </a:p>
@@ -1007,7 +1007,7 @@
           <a:p>
             <a:fld id="{758523DB-1EDD-4A73-9803-D008E5CAF974}" type="datetimeFigureOut">
               <a:rPr lang="pl-PL" smtClean="0"/>
-              <a:t>2023-08-01</a:t>
+              <a:t>2024-01-30</a:t>
             </a:fld>
             <a:endParaRPr lang="pl-PL"/>
           </a:p>
@@ -1239,7 +1239,7 @@
           <a:p>
             <a:fld id="{758523DB-1EDD-4A73-9803-D008E5CAF974}" type="datetimeFigureOut">
               <a:rPr lang="pl-PL" smtClean="0"/>
-              <a:t>2023-08-01</a:t>
+              <a:t>2024-01-30</a:t>
             </a:fld>
             <a:endParaRPr lang="pl-PL"/>
           </a:p>
@@ -1606,7 +1606,7 @@
           <a:p>
             <a:fld id="{758523DB-1EDD-4A73-9803-D008E5CAF974}" type="datetimeFigureOut">
               <a:rPr lang="pl-PL" smtClean="0"/>
-              <a:t>2023-08-01</a:t>
+              <a:t>2024-01-30</a:t>
             </a:fld>
             <a:endParaRPr lang="pl-PL"/>
           </a:p>
@@ -1724,7 +1724,7 @@
           <a:p>
             <a:fld id="{758523DB-1EDD-4A73-9803-D008E5CAF974}" type="datetimeFigureOut">
               <a:rPr lang="pl-PL" smtClean="0"/>
-              <a:t>2023-08-01</a:t>
+              <a:t>2024-01-30</a:t>
             </a:fld>
             <a:endParaRPr lang="pl-PL"/>
           </a:p>
@@ -1819,7 +1819,7 @@
           <a:p>
             <a:fld id="{758523DB-1EDD-4A73-9803-D008E5CAF974}" type="datetimeFigureOut">
               <a:rPr lang="pl-PL" smtClean="0"/>
-              <a:t>2023-08-01</a:t>
+              <a:t>2024-01-30</a:t>
             </a:fld>
             <a:endParaRPr lang="pl-PL"/>
           </a:p>
@@ -2096,7 +2096,7 @@
           <a:p>
             <a:fld id="{758523DB-1EDD-4A73-9803-D008E5CAF974}" type="datetimeFigureOut">
               <a:rPr lang="pl-PL" smtClean="0"/>
-              <a:t>2023-08-01</a:t>
+              <a:t>2024-01-30</a:t>
             </a:fld>
             <a:endParaRPr lang="pl-PL"/>
           </a:p>
@@ -2353,7 +2353,7 @@
           <a:p>
             <a:fld id="{758523DB-1EDD-4A73-9803-D008E5CAF974}" type="datetimeFigureOut">
               <a:rPr lang="pl-PL" smtClean="0"/>
-              <a:t>2023-08-01</a:t>
+              <a:t>2024-01-30</a:t>
             </a:fld>
             <a:endParaRPr lang="pl-PL"/>
           </a:p>
@@ -2566,7 +2566,7 @@
           <a:p>
             <a:fld id="{758523DB-1EDD-4A73-9803-D008E5CAF974}" type="datetimeFigureOut">
               <a:rPr lang="pl-PL" smtClean="0"/>
-              <a:t>2023-08-01</a:t>
+              <a:t>2024-01-30</a:t>
             </a:fld>
             <a:endParaRPr lang="pl-PL"/>
           </a:p>
@@ -3961,8 +3961,12 @@
               <a:t>-</a:t>
             </a:r>
             <a:r>
+              <a:rPr lang="pl-PL" sz="1600" b="1" i="1" dirty="0" err="1"/>
+              <a:t>related</a:t>
+            </a:r>
+            <a:r>
               <a:rPr lang="en-US" sz="1600" b="1" i="1" dirty="0"/>
-              <a:t>based Systems</a:t>
+              <a:t> Systems</a:t>
             </a:r>
             <a:endParaRPr lang="pl-PL" sz="1600" b="1" i="1" dirty="0"/>
           </a:p>

--- a/src/img/meros-graphical-abstract.pptx
+++ b/src/img/meros-graphical-abstract.pptx
@@ -243,7 +243,7 @@
           <a:p>
             <a:fld id="{758523DB-1EDD-4A73-9803-D008E5CAF974}" type="datetimeFigureOut">
               <a:rPr lang="pl-PL" smtClean="0"/>
-              <a:t>2024-01-30</a:t>
+              <a:t>12.07.2025</a:t>
             </a:fld>
             <a:endParaRPr lang="pl-PL"/>
           </a:p>
@@ -413,7 +413,7 @@
           <a:p>
             <a:fld id="{758523DB-1EDD-4A73-9803-D008E5CAF974}" type="datetimeFigureOut">
               <a:rPr lang="pl-PL" smtClean="0"/>
-              <a:t>2024-01-30</a:t>
+              <a:t>12.07.2025</a:t>
             </a:fld>
             <a:endParaRPr lang="pl-PL"/>
           </a:p>
@@ -593,7 +593,7 @@
           <a:p>
             <a:fld id="{758523DB-1EDD-4A73-9803-D008E5CAF974}" type="datetimeFigureOut">
               <a:rPr lang="pl-PL" smtClean="0"/>
-              <a:t>2024-01-30</a:t>
+              <a:t>12.07.2025</a:t>
             </a:fld>
             <a:endParaRPr lang="pl-PL"/>
           </a:p>
@@ -763,7 +763,7 @@
           <a:p>
             <a:fld id="{758523DB-1EDD-4A73-9803-D008E5CAF974}" type="datetimeFigureOut">
               <a:rPr lang="pl-PL" smtClean="0"/>
-              <a:t>2024-01-30</a:t>
+              <a:t>12.07.2025</a:t>
             </a:fld>
             <a:endParaRPr lang="pl-PL"/>
           </a:p>
@@ -1007,7 +1007,7 @@
           <a:p>
             <a:fld id="{758523DB-1EDD-4A73-9803-D008E5CAF974}" type="datetimeFigureOut">
               <a:rPr lang="pl-PL" smtClean="0"/>
-              <a:t>2024-01-30</a:t>
+              <a:t>12.07.2025</a:t>
             </a:fld>
             <a:endParaRPr lang="pl-PL"/>
           </a:p>
@@ -1239,7 +1239,7 @@
           <a:p>
             <a:fld id="{758523DB-1EDD-4A73-9803-D008E5CAF974}" type="datetimeFigureOut">
               <a:rPr lang="pl-PL" smtClean="0"/>
-              <a:t>2024-01-30</a:t>
+              <a:t>12.07.2025</a:t>
             </a:fld>
             <a:endParaRPr lang="pl-PL"/>
           </a:p>
@@ -1606,7 +1606,7 @@
           <a:p>
             <a:fld id="{758523DB-1EDD-4A73-9803-D008E5CAF974}" type="datetimeFigureOut">
               <a:rPr lang="pl-PL" smtClean="0"/>
-              <a:t>2024-01-30</a:t>
+              <a:t>12.07.2025</a:t>
             </a:fld>
             <a:endParaRPr lang="pl-PL"/>
           </a:p>
@@ -1724,7 +1724,7 @@
           <a:p>
             <a:fld id="{758523DB-1EDD-4A73-9803-D008E5CAF974}" type="datetimeFigureOut">
               <a:rPr lang="pl-PL" smtClean="0"/>
-              <a:t>2024-01-30</a:t>
+              <a:t>12.07.2025</a:t>
             </a:fld>
             <a:endParaRPr lang="pl-PL"/>
           </a:p>
@@ -1819,7 +1819,7 @@
           <a:p>
             <a:fld id="{758523DB-1EDD-4A73-9803-D008E5CAF974}" type="datetimeFigureOut">
               <a:rPr lang="pl-PL" smtClean="0"/>
-              <a:t>2024-01-30</a:t>
+              <a:t>12.07.2025</a:t>
             </a:fld>
             <a:endParaRPr lang="pl-PL"/>
           </a:p>
@@ -2096,7 +2096,7 @@
           <a:p>
             <a:fld id="{758523DB-1EDD-4A73-9803-D008E5CAF974}" type="datetimeFigureOut">
               <a:rPr lang="pl-PL" smtClean="0"/>
-              <a:t>2024-01-30</a:t>
+              <a:t>12.07.2025</a:t>
             </a:fld>
             <a:endParaRPr lang="pl-PL"/>
           </a:p>
@@ -2353,7 +2353,7 @@
           <a:p>
             <a:fld id="{758523DB-1EDD-4A73-9803-D008E5CAF974}" type="datetimeFigureOut">
               <a:rPr lang="pl-PL" smtClean="0"/>
-              <a:t>2024-01-30</a:t>
+              <a:t>12.07.2025</a:t>
             </a:fld>
             <a:endParaRPr lang="pl-PL"/>
           </a:p>
@@ -2566,7 +2566,7 @@
           <a:p>
             <a:fld id="{758523DB-1EDD-4A73-9803-D008E5CAF974}" type="datetimeFigureOut">
               <a:rPr lang="pl-PL" smtClean="0"/>
-              <a:t>2024-01-30</a:t>
+              <a:t>12.07.2025</a:t>
             </a:fld>
             <a:endParaRPr lang="pl-PL"/>
           </a:p>
@@ -2973,10 +2973,10 @@
       </p:grpSpPr>
       <p:pic>
         <p:nvPicPr>
-          <p:cNvPr id="35" name="Obraz 34" descr="Obraz zawierający tekst, diagram, zrzut ekranu, Czcionka&#10;&#10;Opis wygenerowany automatycznie">
+          <p:cNvPr id="29" name="Obraz 28" descr="Obraz zawierający tekst, zrzut ekranu, Czcionka, linia&#10;&#10;Zawartość wygenerowana przez AI może być niepoprawna.">
             <a:extLst>
               <a:ext uri="{FF2B5EF4-FFF2-40B4-BE49-F238E27FC236}">
-                <a16:creationId xmlns:a16="http://schemas.microsoft.com/office/drawing/2014/main" id="{2CEF6329-B9E9-6749-D250-479A2A393AE0}"/>
+                <a16:creationId xmlns:a16="http://schemas.microsoft.com/office/drawing/2014/main" id="{5D1E34E4-7EB7-A1CF-A2B3-FFDF867BCD68}"/>
               </a:ext>
             </a:extLst>
           </p:cNvPr>
@@ -2999,8 +2999,8 @@
         </p:blipFill>
         <p:spPr>
           <a:xfrm>
-            <a:off x="2504588" y="3519477"/>
-            <a:ext cx="2710715" cy="2486787"/>
+            <a:off x="6520953" y="5028722"/>
+            <a:ext cx="2263082" cy="1036992"/>
           </a:xfrm>
           <a:prstGeom prst="rect">
             <a:avLst/>
@@ -3009,10 +3009,10 @@
       </p:pic>
       <p:pic>
         <p:nvPicPr>
-          <p:cNvPr id="28" name="Obraz 27" descr="Obraz zawierający tekst, zrzut ekranu, diagram, Czcionka&#10;&#10;Opis wygenerowany automatycznie">
+          <p:cNvPr id="26" name="Obraz 25" descr="Obraz zawierający tekst, zrzut ekranu, linia, Czcionka&#10;&#10;Zawartość wygenerowana przez AI może być niepoprawna.">
             <a:extLst>
               <a:ext uri="{FF2B5EF4-FFF2-40B4-BE49-F238E27FC236}">
-                <a16:creationId xmlns:a16="http://schemas.microsoft.com/office/drawing/2014/main" id="{2CB6F0E6-3D1A-9F38-9C44-4551A7B3B0F2}"/>
+                <a16:creationId xmlns:a16="http://schemas.microsoft.com/office/drawing/2014/main" id="{097A6E6A-2247-C0D5-123A-10A1A29C1D99}"/>
               </a:ext>
             </a:extLst>
           </p:cNvPr>
@@ -3035,8 +3035,8 @@
         </p:blipFill>
         <p:spPr>
           <a:xfrm>
-            <a:off x="6340349" y="3542654"/>
-            <a:ext cx="2926240" cy="2696364"/>
+            <a:off x="7067540" y="4385167"/>
+            <a:ext cx="2720406" cy="1780108"/>
           </a:xfrm>
           <a:prstGeom prst="rect">
             <a:avLst/>
@@ -3045,10 +3045,10 @@
       </p:pic>
       <p:pic>
         <p:nvPicPr>
-          <p:cNvPr id="25" name="Obraz 24" descr="Obraz zawierający tekst, zrzut ekranu, wyświetlacz, Czcionka&#10;&#10;Opis wygenerowany automatycznie">
+          <p:cNvPr id="20" name="Obraz 19" descr="Obraz zawierający tekst, zrzut ekranu, wyświetlacz, Czcionka&#10;&#10;Zawartość wygenerowana przez AI może być niepoprawna.">
             <a:extLst>
               <a:ext uri="{FF2B5EF4-FFF2-40B4-BE49-F238E27FC236}">
-                <a16:creationId xmlns:a16="http://schemas.microsoft.com/office/drawing/2014/main" id="{AA21019E-9B73-E063-51C3-A8C03F91F981}"/>
+                <a16:creationId xmlns:a16="http://schemas.microsoft.com/office/drawing/2014/main" id="{E2A23F68-5236-8E5E-262C-F9540D74737F}"/>
               </a:ext>
             </a:extLst>
           </p:cNvPr>
@@ -3071,20 +3071,148 @@
         </p:blipFill>
         <p:spPr>
           <a:xfrm>
-            <a:off x="7353943" y="522494"/>
-            <a:ext cx="2394519" cy="1636833"/>
+            <a:off x="7313161" y="621367"/>
+            <a:ext cx="2425002" cy="1268120"/>
           </a:xfrm>
           <a:prstGeom prst="rect">
             <a:avLst/>
           </a:prstGeom>
         </p:spPr>
       </p:pic>
+      <p:sp>
+        <p:nvSpPr>
+          <p:cNvPr id="4" name="pole tekstowe 3">
+            <a:extLst>
+              <a:ext uri="{FF2B5EF4-FFF2-40B4-BE49-F238E27FC236}">
+                <a16:creationId xmlns:a16="http://schemas.microsoft.com/office/drawing/2014/main" id="{1423C420-AE15-B051-DC03-E263B661F89D}"/>
+              </a:ext>
+            </a:extLst>
+          </p:cNvPr>
+          <p:cNvSpPr txBox="1"/>
+          <p:nvPr/>
+        </p:nvSpPr>
+        <p:spPr>
+          <a:xfrm>
+            <a:off x="7412675" y="121965"/>
+            <a:ext cx="1554272" cy="332720"/>
+          </a:xfrm>
+          <a:prstGeom prst="rect">
+            <a:avLst/>
+          </a:prstGeom>
+          <a:noFill/>
+        </p:spPr>
+        <p:txBody>
+          <a:bodyPr wrap="square" rtlCol="0">
+            <a:spAutoFit/>
+          </a:bodyPr>
+          <a:lstStyle/>
+          <a:p>
+            <a:r>
+              <a:rPr lang="pl-PL" dirty="0" err="1"/>
+              <a:t>Requirements</a:t>
+            </a:r>
+            <a:endParaRPr lang="pl-PL" dirty="0"/>
+          </a:p>
+        </p:txBody>
+      </p:sp>
+      <p:sp>
+        <p:nvSpPr>
+          <p:cNvPr id="5" name="Strzałka: w lewo i w prawo 4">
+            <a:extLst>
+              <a:ext uri="{FF2B5EF4-FFF2-40B4-BE49-F238E27FC236}">
+                <a16:creationId xmlns:a16="http://schemas.microsoft.com/office/drawing/2014/main" id="{401F9E47-F2D8-1E61-7D86-5877995E0CDD}"/>
+              </a:ext>
+            </a:extLst>
+          </p:cNvPr>
+          <p:cNvSpPr/>
+          <p:nvPr/>
+        </p:nvSpPr>
+        <p:spPr>
+          <a:xfrm>
+            <a:off x="5378276" y="4718651"/>
+            <a:ext cx="795989" cy="421019"/>
+          </a:xfrm>
+          <a:prstGeom prst="leftRightArrow">
+            <a:avLst/>
+          </a:prstGeom>
+        </p:spPr>
+        <p:style>
+          <a:lnRef idx="2">
+            <a:schemeClr val="accent1">
+              <a:shade val="50000"/>
+            </a:schemeClr>
+          </a:lnRef>
+          <a:fillRef idx="1">
+            <a:schemeClr val="accent1"/>
+          </a:fillRef>
+          <a:effectRef idx="0">
+            <a:schemeClr val="accent1"/>
+          </a:effectRef>
+          <a:fontRef idx="minor">
+            <a:schemeClr val="lt1"/>
+          </a:fontRef>
+        </p:style>
+        <p:txBody>
+          <a:bodyPr rtlCol="0" anchor="ctr"/>
+          <a:lstStyle/>
+          <a:p>
+            <a:pPr algn="ctr"/>
+            <a:endParaRPr lang="pl-PL"/>
+          </a:p>
+        </p:txBody>
+      </p:sp>
+      <p:sp>
+        <p:nvSpPr>
+          <p:cNvPr id="6" name="Strzałka: w prawo 5">
+            <a:extLst>
+              <a:ext uri="{FF2B5EF4-FFF2-40B4-BE49-F238E27FC236}">
+                <a16:creationId xmlns:a16="http://schemas.microsoft.com/office/drawing/2014/main" id="{25CE99C2-5CC4-F7E1-DED4-D909A37EE522}"/>
+              </a:ext>
+            </a:extLst>
+          </p:cNvPr>
+          <p:cNvSpPr/>
+          <p:nvPr/>
+        </p:nvSpPr>
+        <p:spPr>
+          <a:xfrm>
+            <a:off x="5582573" y="1255427"/>
+            <a:ext cx="537899" cy="512025"/>
+          </a:xfrm>
+          <a:prstGeom prst="rightArrow">
+            <a:avLst/>
+          </a:prstGeom>
+        </p:spPr>
+        <p:style>
+          <a:lnRef idx="2">
+            <a:schemeClr val="accent1">
+              <a:shade val="50000"/>
+            </a:schemeClr>
+          </a:lnRef>
+          <a:fillRef idx="1">
+            <a:schemeClr val="accent1"/>
+          </a:fillRef>
+          <a:effectRef idx="0">
+            <a:schemeClr val="accent1"/>
+          </a:effectRef>
+          <a:fontRef idx="minor">
+            <a:schemeClr val="lt1"/>
+          </a:fontRef>
+        </p:style>
+        <p:txBody>
+          <a:bodyPr rtlCol="0" anchor="ctr"/>
+          <a:lstStyle/>
+          <a:p>
+            <a:pPr algn="ctr"/>
+            <a:endParaRPr lang="pl-PL"/>
+          </a:p>
+        </p:txBody>
+      </p:sp>
       <p:pic>
         <p:nvPicPr>
-          <p:cNvPr id="23" name="Obraz 22" descr="Obraz zawierający tekst, zrzut ekranu, Czcionka, wyświetlacz&#10;&#10;Opis wygenerowany automatycznie">
+          <p:cNvPr id="10" name="Obraz 9">
             <a:extLst>
               <a:ext uri="{FF2B5EF4-FFF2-40B4-BE49-F238E27FC236}">
-                <a16:creationId xmlns:a16="http://schemas.microsoft.com/office/drawing/2014/main" id="{6AA34C7C-A944-1642-3F03-62DEF2720F57}"/>
+                <a16:creationId xmlns:a16="http://schemas.microsoft.com/office/drawing/2014/main" id="{FFA5803F-746E-E5B4-9560-86A77F41A02C}"/>
               </a:ext>
             </a:extLst>
           </p:cNvPr>
@@ -3107,8 +3235,8 @@
         </p:blipFill>
         <p:spPr>
           <a:xfrm>
-            <a:off x="7130430" y="982085"/>
-            <a:ext cx="2707162" cy="1732100"/>
+            <a:off x="309235" y="1612663"/>
+            <a:ext cx="2381644" cy="1329679"/>
           </a:xfrm>
           <a:prstGeom prst="rect">
             <a:avLst/>
@@ -3117,10 +3245,10 @@
       </p:pic>
       <p:sp>
         <p:nvSpPr>
-          <p:cNvPr id="4" name="pole tekstowe 3">
+          <p:cNvPr id="11" name="pole tekstowe 10">
             <a:extLst>
               <a:ext uri="{FF2B5EF4-FFF2-40B4-BE49-F238E27FC236}">
-                <a16:creationId xmlns:a16="http://schemas.microsoft.com/office/drawing/2014/main" id="{1423C420-AE15-B051-DC03-E263B661F89D}"/>
+                <a16:creationId xmlns:a16="http://schemas.microsoft.com/office/drawing/2014/main" id="{A30E853E-3AFF-2023-E771-1402788AD3B9}"/>
               </a:ext>
             </a:extLst>
           </p:cNvPr>
@@ -3129,8 +3257,8 @@
         </p:nvSpPr>
         <p:spPr>
           <a:xfrm>
-            <a:off x="7412675" y="121965"/>
-            <a:ext cx="1554272" cy="332720"/>
+            <a:off x="7412675" y="3173776"/>
+            <a:ext cx="1349547" cy="332720"/>
           </a:xfrm>
           <a:prstGeom prst="rect">
             <a:avLst/>
@@ -3144,19 +3272,18 @@
           <a:lstStyle/>
           <a:p>
             <a:r>
-              <a:rPr lang="pl-PL" dirty="0" err="1"/>
-              <a:t>Requirements</a:t>
-            </a:r>
-            <a:endParaRPr lang="pl-PL" dirty="0"/>
-          </a:p>
-        </p:txBody>
-      </p:sp>
-      <p:sp>
-        <p:nvSpPr>
-          <p:cNvPr id="5" name="Strzałka: w lewo i w prawo 4">
+              <a:rPr lang="pl-PL" dirty="0"/>
+              <a:t>Metamodel</a:t>
+            </a:r>
+          </a:p>
+        </p:txBody>
+      </p:sp>
+      <p:sp>
+        <p:nvSpPr>
+          <p:cNvPr id="12" name="Strzałka: w lewo i w prawo 11">
             <a:extLst>
               <a:ext uri="{FF2B5EF4-FFF2-40B4-BE49-F238E27FC236}">
-                <a16:creationId xmlns:a16="http://schemas.microsoft.com/office/drawing/2014/main" id="{401F9E47-F2D8-1E61-7D86-5877995E0CDD}"/>
+                <a16:creationId xmlns:a16="http://schemas.microsoft.com/office/drawing/2014/main" id="{4D064296-B148-8BD6-61BF-84B2B5E075BA}"/>
               </a:ext>
             </a:extLst>
           </p:cNvPr>
@@ -3164,9 +3291,9 @@
           <p:nvPr/>
         </p:nvSpPr>
         <p:spPr>
-          <a:xfrm>
-            <a:off x="5435669" y="4719979"/>
-            <a:ext cx="795989" cy="421019"/>
+          <a:xfrm rot="5400000">
+            <a:off x="8633780" y="2924190"/>
+            <a:ext cx="714297" cy="413787"/>
           </a:xfrm>
           <a:prstGeom prst="leftRightArrow">
             <a:avLst/>
@@ -3199,169 +3326,6 @@
       </p:sp>
       <p:sp>
         <p:nvSpPr>
-          <p:cNvPr id="6" name="Strzałka: w prawo 5">
-            <a:extLst>
-              <a:ext uri="{FF2B5EF4-FFF2-40B4-BE49-F238E27FC236}">
-                <a16:creationId xmlns:a16="http://schemas.microsoft.com/office/drawing/2014/main" id="{25CE99C2-5CC4-F7E1-DED4-D909A37EE522}"/>
-              </a:ext>
-            </a:extLst>
-          </p:cNvPr>
-          <p:cNvSpPr/>
-          <p:nvPr/>
-        </p:nvSpPr>
-        <p:spPr>
-          <a:xfrm>
-            <a:off x="5582573" y="1255427"/>
-            <a:ext cx="537899" cy="512025"/>
-          </a:xfrm>
-          <a:prstGeom prst="rightArrow">
-            <a:avLst/>
-          </a:prstGeom>
-        </p:spPr>
-        <p:style>
-          <a:lnRef idx="2">
-            <a:schemeClr val="accent1">
-              <a:shade val="50000"/>
-            </a:schemeClr>
-          </a:lnRef>
-          <a:fillRef idx="1">
-            <a:schemeClr val="accent1"/>
-          </a:fillRef>
-          <a:effectRef idx="0">
-            <a:schemeClr val="accent1"/>
-          </a:effectRef>
-          <a:fontRef idx="minor">
-            <a:schemeClr val="lt1"/>
-          </a:fontRef>
-        </p:style>
-        <p:txBody>
-          <a:bodyPr rtlCol="0" anchor="ctr"/>
-          <a:lstStyle/>
-          <a:p>
-            <a:pPr algn="ctr"/>
-            <a:endParaRPr lang="pl-PL"/>
-          </a:p>
-        </p:txBody>
-      </p:sp>
-      <p:pic>
-        <p:nvPicPr>
-          <p:cNvPr id="10" name="Obraz 9">
-            <a:extLst>
-              <a:ext uri="{FF2B5EF4-FFF2-40B4-BE49-F238E27FC236}">
-                <a16:creationId xmlns:a16="http://schemas.microsoft.com/office/drawing/2014/main" id="{FFA5803F-746E-E5B4-9560-86A77F41A02C}"/>
-              </a:ext>
-            </a:extLst>
-          </p:cNvPr>
-          <p:cNvPicPr>
-            <a:picLocks noChangeAspect="1"/>
-          </p:cNvPicPr>
-          <p:nvPr/>
-        </p:nvPicPr>
-        <p:blipFill>
-          <a:blip r:embed="rId6">
-            <a:extLst>
-              <a:ext uri="{28A0092B-C50C-407E-A947-70E740481C1C}">
-                <a14:useLocalDpi xmlns:a14="http://schemas.microsoft.com/office/drawing/2010/main" val="0"/>
-              </a:ext>
-            </a:extLst>
-          </a:blip>
-          <a:stretch>
-            <a:fillRect/>
-          </a:stretch>
-        </p:blipFill>
-        <p:spPr>
-          <a:xfrm>
-            <a:off x="309235" y="1612663"/>
-            <a:ext cx="2381644" cy="1329679"/>
-          </a:xfrm>
-          <a:prstGeom prst="rect">
-            <a:avLst/>
-          </a:prstGeom>
-        </p:spPr>
-      </p:pic>
-      <p:sp>
-        <p:nvSpPr>
-          <p:cNvPr id="11" name="pole tekstowe 10">
-            <a:extLst>
-              <a:ext uri="{FF2B5EF4-FFF2-40B4-BE49-F238E27FC236}">
-                <a16:creationId xmlns:a16="http://schemas.microsoft.com/office/drawing/2014/main" id="{A30E853E-3AFF-2023-E771-1402788AD3B9}"/>
-              </a:ext>
-            </a:extLst>
-          </p:cNvPr>
-          <p:cNvSpPr txBox="1"/>
-          <p:nvPr/>
-        </p:nvSpPr>
-        <p:spPr>
-          <a:xfrm>
-            <a:off x="7412675" y="3173776"/>
-            <a:ext cx="1349547" cy="332720"/>
-          </a:xfrm>
-          <a:prstGeom prst="rect">
-            <a:avLst/>
-          </a:prstGeom>
-          <a:noFill/>
-        </p:spPr>
-        <p:txBody>
-          <a:bodyPr wrap="square" rtlCol="0">
-            <a:spAutoFit/>
-          </a:bodyPr>
-          <a:lstStyle/>
-          <a:p>
-            <a:r>
-              <a:rPr lang="pl-PL" dirty="0"/>
-              <a:t>Metamodel</a:t>
-            </a:r>
-          </a:p>
-        </p:txBody>
-      </p:sp>
-      <p:sp>
-        <p:nvSpPr>
-          <p:cNvPr id="12" name="Strzałka: w lewo i w prawo 11">
-            <a:extLst>
-              <a:ext uri="{FF2B5EF4-FFF2-40B4-BE49-F238E27FC236}">
-                <a16:creationId xmlns:a16="http://schemas.microsoft.com/office/drawing/2014/main" id="{4D064296-B148-8BD6-61BF-84B2B5E075BA}"/>
-              </a:ext>
-            </a:extLst>
-          </p:cNvPr>
-          <p:cNvSpPr/>
-          <p:nvPr/>
-        </p:nvSpPr>
-        <p:spPr>
-          <a:xfrm rot="5400000">
-            <a:off x="8633780" y="2924190"/>
-            <a:ext cx="714297" cy="413787"/>
-          </a:xfrm>
-          <a:prstGeom prst="leftRightArrow">
-            <a:avLst/>
-          </a:prstGeom>
-        </p:spPr>
-        <p:style>
-          <a:lnRef idx="2">
-            <a:schemeClr val="accent1">
-              <a:shade val="50000"/>
-            </a:schemeClr>
-          </a:lnRef>
-          <a:fillRef idx="1">
-            <a:schemeClr val="accent1"/>
-          </a:fillRef>
-          <a:effectRef idx="0">
-            <a:schemeClr val="accent1"/>
-          </a:effectRef>
-          <a:fontRef idx="minor">
-            <a:schemeClr val="lt1"/>
-          </a:fontRef>
-        </p:style>
-        <p:txBody>
-          <a:bodyPr rtlCol="0" anchor="ctr"/>
-          <a:lstStyle/>
-          <a:p>
-            <a:pPr algn="ctr"/>
-            <a:endParaRPr lang="pl-PL"/>
-          </a:p>
-        </p:txBody>
-      </p:sp>
-      <p:sp>
-        <p:nvSpPr>
           <p:cNvPr id="13" name="pole tekstowe 12">
             <a:extLst>
               <a:ext uri="{FF2B5EF4-FFF2-40B4-BE49-F238E27FC236}">
@@ -3395,42 +3359,6 @@
           </a:p>
         </p:txBody>
       </p:sp>
-      <p:pic>
-        <p:nvPicPr>
-          <p:cNvPr id="19" name="Obraz 18" descr="Obraz zawierający osoba, podłoże, ściana, wewnątrz&#10;&#10;Opis wygenerowany automatycznie">
-            <a:extLst>
-              <a:ext uri="{FF2B5EF4-FFF2-40B4-BE49-F238E27FC236}">
-                <a16:creationId xmlns:a16="http://schemas.microsoft.com/office/drawing/2014/main" id="{B52DD0D2-3899-D32A-3369-82537395BDAF}"/>
-              </a:ext>
-            </a:extLst>
-          </p:cNvPr>
-          <p:cNvPicPr>
-            <a:picLocks noChangeAspect="1"/>
-          </p:cNvPicPr>
-          <p:nvPr/>
-        </p:nvPicPr>
-        <p:blipFill>
-          <a:blip r:embed="rId7">
-            <a:extLst>
-              <a:ext uri="{28A0092B-C50C-407E-A947-70E740481C1C}">
-                <a14:useLocalDpi xmlns:a14="http://schemas.microsoft.com/office/drawing/2010/main" val="0"/>
-              </a:ext>
-            </a:extLst>
-          </a:blip>
-          <a:stretch>
-            <a:fillRect/>
-          </a:stretch>
-        </p:blipFill>
-        <p:spPr>
-          <a:xfrm>
-            <a:off x="268392" y="3621961"/>
-            <a:ext cx="2038115" cy="2617056"/>
-          </a:xfrm>
-          <a:prstGeom prst="rect">
-            <a:avLst/>
-          </a:prstGeom>
-        </p:spPr>
-      </p:pic>
       <p:pic>
         <p:nvPicPr>
           <p:cNvPr id="8" name="Obraz 7" descr="Obraz zawierający tekst, clipart&#10;&#10;Opis wygenerowany automatycznie">
@@ -3446,7 +3374,7 @@
           <p:nvPr/>
         </p:nvPicPr>
         <p:blipFill>
-          <a:blip r:embed="rId8">
+          <a:blip r:embed="rId6">
             <a:extLst>
               <a:ext uri="{28A0092B-C50C-407E-A947-70E740481C1C}">
                 <a14:useLocalDpi xmlns:a14="http://schemas.microsoft.com/office/drawing/2010/main" val="0"/>
@@ -3706,10 +3634,82 @@
       </p:sp>
       <p:pic>
         <p:nvPicPr>
-          <p:cNvPr id="18" name="Obraz 17" descr="Obraz zawierający tekst, zrzut ekranu, Czcionka, diagram&#10;&#10;Opis wygenerowany automatycznie">
+          <p:cNvPr id="7" name="Obraz 6" descr="Obraz zawierający wzór, piksel, design&#10;&#10;Opis wygenerowany automatycznie">
             <a:extLst>
               <a:ext uri="{FF2B5EF4-FFF2-40B4-BE49-F238E27FC236}">
-                <a16:creationId xmlns:a16="http://schemas.microsoft.com/office/drawing/2014/main" id="{64C258FF-24FB-7F7F-2BF6-CDBA94B27FCA}"/>
+                <a16:creationId xmlns:a16="http://schemas.microsoft.com/office/drawing/2014/main" id="{4499A418-2B08-D4C1-876B-DC7CDAFA49AC}"/>
+              </a:ext>
+            </a:extLst>
+          </p:cNvPr>
+          <p:cNvPicPr>
+            <a:picLocks noChangeAspect="1"/>
+          </p:cNvPicPr>
+          <p:nvPr/>
+        </p:nvPicPr>
+        <p:blipFill>
+          <a:blip r:embed="rId7">
+            <a:extLst>
+              <a:ext uri="{28A0092B-C50C-407E-A947-70E740481C1C}">
+                <a14:useLocalDpi xmlns:a14="http://schemas.microsoft.com/office/drawing/2010/main" val="0"/>
+              </a:ext>
+            </a:extLst>
+          </a:blip>
+          <a:stretch>
+            <a:fillRect/>
+          </a:stretch>
+        </p:blipFill>
+        <p:spPr>
+          <a:xfrm>
+            <a:off x="2988291" y="2309792"/>
+            <a:ext cx="878222" cy="878222"/>
+          </a:xfrm>
+          <a:prstGeom prst="rect">
+            <a:avLst/>
+          </a:prstGeom>
+        </p:spPr>
+      </p:pic>
+      <p:pic>
+        <p:nvPicPr>
+          <p:cNvPr id="16" name="Obraz 15" descr="Obraz zawierający tekst, zrzut ekranu, Czcionka, numer&#10;&#10;Zawartość wygenerowana przez AI może być niepoprawna.">
+            <a:extLst>
+              <a:ext uri="{FF2B5EF4-FFF2-40B4-BE49-F238E27FC236}">
+                <a16:creationId xmlns:a16="http://schemas.microsoft.com/office/drawing/2014/main" id="{A34FD1DC-EC46-1D44-15C5-80945E2436CE}"/>
+              </a:ext>
+            </a:extLst>
+          </p:cNvPr>
+          <p:cNvPicPr>
+            <a:picLocks noChangeAspect="1"/>
+          </p:cNvPicPr>
+          <p:nvPr/>
+        </p:nvPicPr>
+        <p:blipFill>
+          <a:blip r:embed="rId8">
+            <a:extLst>
+              <a:ext uri="{28A0092B-C50C-407E-A947-70E740481C1C}">
+                <a14:useLocalDpi xmlns:a14="http://schemas.microsoft.com/office/drawing/2010/main" val="0"/>
+              </a:ext>
+            </a:extLst>
+          </a:blip>
+          <a:stretch>
+            <a:fillRect/>
+          </a:stretch>
+        </p:blipFill>
+        <p:spPr>
+          <a:xfrm>
+            <a:off x="7220157" y="1536949"/>
+            <a:ext cx="2560103" cy="958251"/>
+          </a:xfrm>
+          <a:prstGeom prst="rect">
+            <a:avLst/>
+          </a:prstGeom>
+        </p:spPr>
+      </p:pic>
+      <p:pic>
+        <p:nvPicPr>
+          <p:cNvPr id="9" name="Obraz 8" descr="Obraz zawierający tekst, zrzut ekranu, Czcionka, Równolegle&#10;&#10;Zawartość wygenerowana przez AI może być niepoprawna.">
+            <a:extLst>
+              <a:ext uri="{FF2B5EF4-FFF2-40B4-BE49-F238E27FC236}">
+                <a16:creationId xmlns:a16="http://schemas.microsoft.com/office/drawing/2014/main" id="{9D09CB3A-6908-54E1-C231-3251496B7EDF}"/>
               </a:ext>
             </a:extLst>
           </p:cNvPr>
@@ -3732,8 +3732,8 @@
         </p:blipFill>
         <p:spPr>
           <a:xfrm>
-            <a:off x="6340350" y="425055"/>
-            <a:ext cx="2347326" cy="2114663"/>
+            <a:off x="6423467" y="661290"/>
+            <a:ext cx="2338755" cy="1429016"/>
           </a:xfrm>
           <a:prstGeom prst="rect">
             <a:avLst/>
@@ -3742,10 +3742,10 @@
       </p:pic>
       <p:pic>
         <p:nvPicPr>
-          <p:cNvPr id="33" name="Obraz 32" descr="Obraz zawierający tekst, zrzut ekranu, diagram, Czcionka&#10;&#10;Opis wygenerowany automatycznie">
+          <p:cNvPr id="22" name="Obraz 21" descr="Obraz zawierający tekst, zrzut ekranu, Czcionka, linia&#10;&#10;Zawartość wygenerowana przez AI może być niepoprawna.">
             <a:extLst>
               <a:ext uri="{FF2B5EF4-FFF2-40B4-BE49-F238E27FC236}">
-                <a16:creationId xmlns:a16="http://schemas.microsoft.com/office/drawing/2014/main" id="{560A4A2C-402D-F30B-4979-222C5ED25010}"/>
+                <a16:creationId xmlns:a16="http://schemas.microsoft.com/office/drawing/2014/main" id="{2DC698F0-3A11-6970-CD60-729FEC7032EA}"/>
               </a:ext>
             </a:extLst>
           </p:cNvPr>
@@ -3768,20 +3768,115 @@
         </p:blipFill>
         <p:spPr>
           <a:xfrm>
-            <a:off x="7168164" y="3807993"/>
-            <a:ext cx="2663741" cy="2312035"/>
+            <a:off x="6520953" y="3608099"/>
+            <a:ext cx="2722349" cy="1321062"/>
           </a:xfrm>
           <a:prstGeom prst="rect">
             <a:avLst/>
           </a:prstGeom>
         </p:spPr>
       </p:pic>
+      <p:sp>
+        <p:nvSpPr>
+          <p:cNvPr id="14" name="pole tekstowe 13">
+            <a:extLst>
+              <a:ext uri="{FF2B5EF4-FFF2-40B4-BE49-F238E27FC236}">
+                <a16:creationId xmlns:a16="http://schemas.microsoft.com/office/drawing/2014/main" id="{60CCD33A-B796-DE81-D471-9B381C465410}"/>
+              </a:ext>
+            </a:extLst>
+          </p:cNvPr>
+          <p:cNvSpPr txBox="1"/>
+          <p:nvPr/>
+        </p:nvSpPr>
+        <p:spPr>
+          <a:xfrm>
+            <a:off x="3774048" y="2060379"/>
+            <a:ext cx="3536941" cy="1815753"/>
+          </a:xfrm>
+          <a:prstGeom prst="rect">
+            <a:avLst/>
+          </a:prstGeom>
+          <a:noFill/>
+        </p:spPr>
+        <p:txBody>
+          <a:bodyPr wrap="square" rtlCol="0">
+            <a:spAutoFit/>
+          </a:bodyPr>
+          <a:lstStyle/>
+          <a:p>
+            <a:pPr algn="ctr"/>
+            <a:r>
+              <a:rPr lang="pl-PL" sz="7999" dirty="0" err="1">
+                <a:solidFill>
+                  <a:srgbClr val="0070C0"/>
+                </a:solidFill>
+              </a:rPr>
+              <a:t>Me</a:t>
+            </a:r>
+            <a:r>
+              <a:rPr lang="pl-PL" sz="7999" dirty="0" err="1">
+                <a:solidFill>
+                  <a:srgbClr val="00B050"/>
+                </a:solidFill>
+              </a:rPr>
+              <a:t>ROS</a:t>
+            </a:r>
+            <a:br>
+              <a:rPr lang="pl-PL" sz="7999" dirty="0">
+                <a:solidFill>
+                  <a:srgbClr val="00B050"/>
+                </a:solidFill>
+              </a:rPr>
+            </a:br>
+            <a:r>
+              <a:rPr lang="en-US" sz="1600" b="1" i="1" dirty="0">
+                <a:solidFill>
+                  <a:srgbClr val="0070C0"/>
+                </a:solidFill>
+              </a:rPr>
+              <a:t>Me</a:t>
+            </a:r>
+            <a:r>
+              <a:rPr lang="en-US" sz="1600" b="1" i="1" dirty="0"/>
+              <a:t>tamodel for </a:t>
+            </a:r>
+            <a:r>
+              <a:rPr lang="en-US" sz="1600" b="1" i="1" dirty="0">
+                <a:solidFill>
+                  <a:srgbClr val="00B050"/>
+                </a:solidFill>
+              </a:rPr>
+              <a:t>ROS</a:t>
+            </a:r>
+            <a:r>
+              <a:rPr lang="pl-PL" sz="1600" b="1" i="1" dirty="0"/>
+              <a:t>-</a:t>
+            </a:r>
+            <a:r>
+              <a:rPr lang="pl-PL" sz="1600" b="1" i="1" dirty="0" err="1"/>
+              <a:t>related</a:t>
+            </a:r>
+            <a:r>
+              <a:rPr lang="en-US" sz="1600" b="1" i="1" dirty="0"/>
+              <a:t> Systems</a:t>
+            </a:r>
+            <a:endParaRPr lang="pl-PL" sz="1600" b="1" i="1" dirty="0"/>
+          </a:p>
+          <a:p>
+            <a:pPr algn="ctr"/>
+            <a:r>
+              <a:rPr lang="pl-PL" sz="1600" b="1" dirty="0"/>
+              <a:t>https://github.com/twiniars/MeROS</a:t>
+            </a:r>
+          </a:p>
+        </p:txBody>
+      </p:sp>
       <p:pic>
         <p:nvPicPr>
-          <p:cNvPr id="39" name="Obraz 38" descr="Obraz zawierający tekst, zrzut ekranu, Czcionka, numer&#10;&#10;Opis wygenerowany automatycznie">
+          <p:cNvPr id="34" name="Obraz 33" descr="Obraz zawierający tekst, zrzut ekranu, Czcionka, linia&#10;&#10;Zawartość wygenerowana przez AI może być niepoprawna.">
             <a:extLst>
               <a:ext uri="{FF2B5EF4-FFF2-40B4-BE49-F238E27FC236}">
-                <a16:creationId xmlns:a16="http://schemas.microsoft.com/office/drawing/2014/main" id="{049FDB88-1E6D-8C73-68BA-2E10A64F2512}"/>
+                <a16:creationId xmlns:a16="http://schemas.microsoft.com/office/drawing/2014/main" id="{0ED64B37-775D-7D50-9377-E0712A687009}"/>
               </a:ext>
             </a:extLst>
           </p:cNvPr>
@@ -3804,8 +3899,8 @@
         </p:blipFill>
         <p:spPr>
           <a:xfrm>
-            <a:off x="2504581" y="4527040"/>
-            <a:ext cx="2281240" cy="1644235"/>
+            <a:off x="2226100" y="3965319"/>
+            <a:ext cx="2734509" cy="1429773"/>
           </a:xfrm>
           <a:prstGeom prst="rect">
             <a:avLst/>
@@ -3814,10 +3909,10 @@
       </p:pic>
       <p:pic>
         <p:nvPicPr>
-          <p:cNvPr id="37" name="Obraz 36" descr="Obraz zawierający tekst, zrzut ekranu, numer, Czcionka&#10;&#10;Opis wygenerowany automatycznie">
+          <p:cNvPr id="38" name="Obraz 37" descr="Obraz zawierający tekst, zrzut ekranu, Czcionka, linia&#10;&#10;Zawartość wygenerowana przez AI może być niepoprawna.">
             <a:extLst>
               <a:ext uri="{FF2B5EF4-FFF2-40B4-BE49-F238E27FC236}">
-                <a16:creationId xmlns:a16="http://schemas.microsoft.com/office/drawing/2014/main" id="{991C02D8-B314-2904-9E1A-E0453C64817D}"/>
+                <a16:creationId xmlns:a16="http://schemas.microsoft.com/office/drawing/2014/main" id="{3201480E-09FB-7690-1DB4-C754E0925266}"/>
               </a:ext>
             </a:extLst>
           </p:cNvPr>
@@ -3840,8 +3935,8 @@
         </p:blipFill>
         <p:spPr>
           <a:xfrm>
-            <a:off x="3590499" y="3972104"/>
-            <a:ext cx="1769579" cy="2266912"/>
+            <a:off x="1332825" y="5109831"/>
+            <a:ext cx="2981514" cy="1146737"/>
           </a:xfrm>
           <a:prstGeom prst="rect">
             <a:avLst/>
@@ -3850,10 +3945,10 @@
       </p:pic>
       <p:pic>
         <p:nvPicPr>
-          <p:cNvPr id="41" name="Obraz 40" descr="Obraz zawierający tekst, zrzut ekranu, diagram, Czcionka&#10;&#10;Opis wygenerowany automatycznie">
+          <p:cNvPr id="31" name="Obraz 30" descr="Obraz zawierający tekst, zrzut ekranu, Czcionka, diagram&#10;&#10;Zawartość wygenerowana przez AI może być niepoprawna.">
             <a:extLst>
               <a:ext uri="{FF2B5EF4-FFF2-40B4-BE49-F238E27FC236}">
-                <a16:creationId xmlns:a16="http://schemas.microsoft.com/office/drawing/2014/main" id="{5582CC21-39FA-F989-497A-D8ABBB0E6BAB}"/>
+                <a16:creationId xmlns:a16="http://schemas.microsoft.com/office/drawing/2014/main" id="{203EC047-D066-B6EB-3B8D-81B5C3DC9A17}"/>
               </a:ext>
             </a:extLst>
           </p:cNvPr>
@@ -3876,139 +3971,8 @@
         </p:blipFill>
         <p:spPr>
           <a:xfrm>
-            <a:off x="7727635" y="3633517"/>
-            <a:ext cx="1954102" cy="1834813"/>
-          </a:xfrm>
-          <a:prstGeom prst="rect">
-            <a:avLst/>
-          </a:prstGeom>
-        </p:spPr>
-      </p:pic>
-      <p:sp>
-        <p:nvSpPr>
-          <p:cNvPr id="14" name="pole tekstowe 13">
-            <a:extLst>
-              <a:ext uri="{FF2B5EF4-FFF2-40B4-BE49-F238E27FC236}">
-                <a16:creationId xmlns:a16="http://schemas.microsoft.com/office/drawing/2014/main" id="{60CCD33A-B796-DE81-D471-9B381C465410}"/>
-              </a:ext>
-            </a:extLst>
-          </p:cNvPr>
-          <p:cNvSpPr txBox="1"/>
-          <p:nvPr/>
-        </p:nvSpPr>
-        <p:spPr>
-          <a:xfrm>
-            <a:off x="3774048" y="2060379"/>
-            <a:ext cx="3536941" cy="1815753"/>
-          </a:xfrm>
-          <a:prstGeom prst="rect">
-            <a:avLst/>
-          </a:prstGeom>
-          <a:noFill/>
-        </p:spPr>
-        <p:txBody>
-          <a:bodyPr wrap="square" rtlCol="0">
-            <a:spAutoFit/>
-          </a:bodyPr>
-          <a:lstStyle/>
-          <a:p>
-            <a:pPr algn="ctr"/>
-            <a:r>
-              <a:rPr lang="pl-PL" sz="7999" dirty="0" err="1">
-                <a:solidFill>
-                  <a:srgbClr val="0070C0"/>
-                </a:solidFill>
-              </a:rPr>
-              <a:t>Me</a:t>
-            </a:r>
-            <a:r>
-              <a:rPr lang="pl-PL" sz="7999" dirty="0" err="1">
-                <a:solidFill>
-                  <a:srgbClr val="00B050"/>
-                </a:solidFill>
-              </a:rPr>
-              <a:t>ROS</a:t>
-            </a:r>
-            <a:br>
-              <a:rPr lang="pl-PL" sz="7999" dirty="0">
-                <a:solidFill>
-                  <a:srgbClr val="00B050"/>
-                </a:solidFill>
-              </a:rPr>
-            </a:br>
-            <a:r>
-              <a:rPr lang="en-US" sz="1600" b="1" i="1" dirty="0">
-                <a:solidFill>
-                  <a:srgbClr val="0070C0"/>
-                </a:solidFill>
-              </a:rPr>
-              <a:t>Me</a:t>
-            </a:r>
-            <a:r>
-              <a:rPr lang="en-US" sz="1600" b="1" i="1" dirty="0"/>
-              <a:t>tamodel for </a:t>
-            </a:r>
-            <a:r>
-              <a:rPr lang="en-US" sz="1600" b="1" i="1" dirty="0">
-                <a:solidFill>
-                  <a:srgbClr val="00B050"/>
-                </a:solidFill>
-              </a:rPr>
-              <a:t>ROS</a:t>
-            </a:r>
-            <a:r>
-              <a:rPr lang="pl-PL" sz="1600" b="1" i="1" dirty="0"/>
-              <a:t>-</a:t>
-            </a:r>
-            <a:r>
-              <a:rPr lang="pl-PL" sz="1600" b="1" i="1" dirty="0" err="1"/>
-              <a:t>related</a:t>
-            </a:r>
-            <a:r>
-              <a:rPr lang="en-US" sz="1600" b="1" i="1" dirty="0"/>
-              <a:t> Systems</a:t>
-            </a:r>
-            <a:endParaRPr lang="pl-PL" sz="1600" b="1" i="1" dirty="0"/>
-          </a:p>
-          <a:p>
-            <a:pPr algn="ctr"/>
-            <a:r>
-              <a:rPr lang="pl-PL" sz="1600" b="1" dirty="0"/>
-              <a:t>https://github.com/twiniars/MeROS</a:t>
-            </a:r>
-          </a:p>
-        </p:txBody>
-      </p:sp>
-      <p:pic>
-        <p:nvPicPr>
-          <p:cNvPr id="7" name="Obraz 6" descr="Obraz zawierający wzór, piksel, design&#10;&#10;Opis wygenerowany automatycznie">
-            <a:extLst>
-              <a:ext uri="{FF2B5EF4-FFF2-40B4-BE49-F238E27FC236}">
-                <a16:creationId xmlns:a16="http://schemas.microsoft.com/office/drawing/2014/main" id="{4499A418-2B08-D4C1-876B-DC7CDAFA49AC}"/>
-              </a:ext>
-            </a:extLst>
-          </p:cNvPr>
-          <p:cNvPicPr>
-            <a:picLocks noChangeAspect="1"/>
-          </p:cNvPicPr>
-          <p:nvPr/>
-        </p:nvPicPr>
-        <p:blipFill>
-          <a:blip r:embed="rId14">
-            <a:extLst>
-              <a:ext uri="{28A0092B-C50C-407E-A947-70E740481C1C}">
-                <a14:useLocalDpi xmlns:a14="http://schemas.microsoft.com/office/drawing/2010/main" val="0"/>
-              </a:ext>
-            </a:extLst>
-          </a:blip>
-          <a:stretch>
-            <a:fillRect/>
-          </a:stretch>
-        </p:blipFill>
-        <p:spPr>
-          <a:xfrm>
-            <a:off x="2988291" y="2309792"/>
-            <a:ext cx="878222" cy="878222"/>
+            <a:off x="410609" y="3709235"/>
+            <a:ext cx="3157043" cy="1941942"/>
           </a:xfrm>
           <a:prstGeom prst="rect">
             <a:avLst/>

--- a/src/img/meros-graphical-abstract.pptx
+++ b/src/img/meros-graphical-abstract.pptx
@@ -2973,10 +2973,10 @@
       </p:grpSpPr>
       <p:pic>
         <p:nvPicPr>
-          <p:cNvPr id="29" name="Obraz 28" descr="Obraz zawierający tekst, zrzut ekranu, Czcionka, linia&#10;&#10;Zawartość wygenerowana przez AI może być niepoprawna.">
+          <p:cNvPr id="18" name="Obraz 17" descr="Obraz zawierający tekst, zrzut ekranu, Czcionka, linia&#10;&#10;Zawartość wygenerowana przez AI może być niepoprawna.">
             <a:extLst>
               <a:ext uri="{FF2B5EF4-FFF2-40B4-BE49-F238E27FC236}">
-                <a16:creationId xmlns:a16="http://schemas.microsoft.com/office/drawing/2014/main" id="{5D1E34E4-7EB7-A1CF-A2B3-FFDF867BCD68}"/>
+                <a16:creationId xmlns:a16="http://schemas.microsoft.com/office/drawing/2014/main" id="{F607F429-8B25-4379-03E5-0EBFF2266107}"/>
               </a:ext>
             </a:extLst>
           </p:cNvPr>
@@ -2999,8 +2999,8 @@
         </p:blipFill>
         <p:spPr>
           <a:xfrm>
-            <a:off x="6520953" y="5028722"/>
-            <a:ext cx="2263082" cy="1036992"/>
+            <a:off x="828820" y="4920162"/>
+            <a:ext cx="3604443" cy="1248466"/>
           </a:xfrm>
           <a:prstGeom prst="rect">
             <a:avLst/>
@@ -3009,10 +3009,10 @@
       </p:pic>
       <p:pic>
         <p:nvPicPr>
-          <p:cNvPr id="26" name="Obraz 25" descr="Obraz zawierający tekst, zrzut ekranu, linia, Czcionka&#10;&#10;Zawartość wygenerowana przez AI może być niepoprawna.">
+          <p:cNvPr id="29" name="Obraz 28" descr="Obraz zawierający tekst, zrzut ekranu, Czcionka, linia&#10;&#10;Zawartość wygenerowana przez AI może być niepoprawna.">
             <a:extLst>
               <a:ext uri="{FF2B5EF4-FFF2-40B4-BE49-F238E27FC236}">
-                <a16:creationId xmlns:a16="http://schemas.microsoft.com/office/drawing/2014/main" id="{097A6E6A-2247-C0D5-123A-10A1A29C1D99}"/>
+                <a16:creationId xmlns:a16="http://schemas.microsoft.com/office/drawing/2014/main" id="{5D1E34E4-7EB7-A1CF-A2B3-FFDF867BCD68}"/>
               </a:ext>
             </a:extLst>
           </p:cNvPr>
@@ -3035,8 +3035,8 @@
         </p:blipFill>
         <p:spPr>
           <a:xfrm>
-            <a:off x="7067540" y="4385167"/>
-            <a:ext cx="2720406" cy="1780108"/>
+            <a:off x="6520953" y="5028722"/>
+            <a:ext cx="2263082" cy="1036992"/>
           </a:xfrm>
           <a:prstGeom prst="rect">
             <a:avLst/>
@@ -3045,10 +3045,10 @@
       </p:pic>
       <p:pic>
         <p:nvPicPr>
-          <p:cNvPr id="20" name="Obraz 19" descr="Obraz zawierający tekst, zrzut ekranu, wyświetlacz, Czcionka&#10;&#10;Zawartość wygenerowana przez AI może być niepoprawna.">
+          <p:cNvPr id="26" name="Obraz 25" descr="Obraz zawierający tekst, zrzut ekranu, linia, Czcionka&#10;&#10;Zawartość wygenerowana przez AI może być niepoprawna.">
             <a:extLst>
               <a:ext uri="{FF2B5EF4-FFF2-40B4-BE49-F238E27FC236}">
-                <a16:creationId xmlns:a16="http://schemas.microsoft.com/office/drawing/2014/main" id="{E2A23F68-5236-8E5E-262C-F9540D74737F}"/>
+                <a16:creationId xmlns:a16="http://schemas.microsoft.com/office/drawing/2014/main" id="{097A6E6A-2247-C0D5-123A-10A1A29C1D99}"/>
               </a:ext>
             </a:extLst>
           </p:cNvPr>
@@ -3071,148 +3071,20 @@
         </p:blipFill>
         <p:spPr>
           <a:xfrm>
-            <a:off x="7313161" y="621367"/>
-            <a:ext cx="2425002" cy="1268120"/>
+            <a:off x="7067540" y="4385167"/>
+            <a:ext cx="2720406" cy="1780108"/>
           </a:xfrm>
           <a:prstGeom prst="rect">
             <a:avLst/>
           </a:prstGeom>
         </p:spPr>
       </p:pic>
-      <p:sp>
-        <p:nvSpPr>
-          <p:cNvPr id="4" name="pole tekstowe 3">
+      <p:pic>
+        <p:nvPicPr>
+          <p:cNvPr id="20" name="Obraz 19" descr="Obraz zawierający tekst, zrzut ekranu, wyświetlacz, Czcionka&#10;&#10;Zawartość wygenerowana przez AI może być niepoprawna.">
             <a:extLst>
               <a:ext uri="{FF2B5EF4-FFF2-40B4-BE49-F238E27FC236}">
-                <a16:creationId xmlns:a16="http://schemas.microsoft.com/office/drawing/2014/main" id="{1423C420-AE15-B051-DC03-E263B661F89D}"/>
-              </a:ext>
-            </a:extLst>
-          </p:cNvPr>
-          <p:cNvSpPr txBox="1"/>
-          <p:nvPr/>
-        </p:nvSpPr>
-        <p:spPr>
-          <a:xfrm>
-            <a:off x="7412675" y="121965"/>
-            <a:ext cx="1554272" cy="332720"/>
-          </a:xfrm>
-          <a:prstGeom prst="rect">
-            <a:avLst/>
-          </a:prstGeom>
-          <a:noFill/>
-        </p:spPr>
-        <p:txBody>
-          <a:bodyPr wrap="square" rtlCol="0">
-            <a:spAutoFit/>
-          </a:bodyPr>
-          <a:lstStyle/>
-          <a:p>
-            <a:r>
-              <a:rPr lang="pl-PL" dirty="0" err="1"/>
-              <a:t>Requirements</a:t>
-            </a:r>
-            <a:endParaRPr lang="pl-PL" dirty="0"/>
-          </a:p>
-        </p:txBody>
-      </p:sp>
-      <p:sp>
-        <p:nvSpPr>
-          <p:cNvPr id="5" name="Strzałka: w lewo i w prawo 4">
-            <a:extLst>
-              <a:ext uri="{FF2B5EF4-FFF2-40B4-BE49-F238E27FC236}">
-                <a16:creationId xmlns:a16="http://schemas.microsoft.com/office/drawing/2014/main" id="{401F9E47-F2D8-1E61-7D86-5877995E0CDD}"/>
-              </a:ext>
-            </a:extLst>
-          </p:cNvPr>
-          <p:cNvSpPr/>
-          <p:nvPr/>
-        </p:nvSpPr>
-        <p:spPr>
-          <a:xfrm>
-            <a:off x="5378276" y="4718651"/>
-            <a:ext cx="795989" cy="421019"/>
-          </a:xfrm>
-          <a:prstGeom prst="leftRightArrow">
-            <a:avLst/>
-          </a:prstGeom>
-        </p:spPr>
-        <p:style>
-          <a:lnRef idx="2">
-            <a:schemeClr val="accent1">
-              <a:shade val="50000"/>
-            </a:schemeClr>
-          </a:lnRef>
-          <a:fillRef idx="1">
-            <a:schemeClr val="accent1"/>
-          </a:fillRef>
-          <a:effectRef idx="0">
-            <a:schemeClr val="accent1"/>
-          </a:effectRef>
-          <a:fontRef idx="minor">
-            <a:schemeClr val="lt1"/>
-          </a:fontRef>
-        </p:style>
-        <p:txBody>
-          <a:bodyPr rtlCol="0" anchor="ctr"/>
-          <a:lstStyle/>
-          <a:p>
-            <a:pPr algn="ctr"/>
-            <a:endParaRPr lang="pl-PL"/>
-          </a:p>
-        </p:txBody>
-      </p:sp>
-      <p:sp>
-        <p:nvSpPr>
-          <p:cNvPr id="6" name="Strzałka: w prawo 5">
-            <a:extLst>
-              <a:ext uri="{FF2B5EF4-FFF2-40B4-BE49-F238E27FC236}">
-                <a16:creationId xmlns:a16="http://schemas.microsoft.com/office/drawing/2014/main" id="{25CE99C2-5CC4-F7E1-DED4-D909A37EE522}"/>
-              </a:ext>
-            </a:extLst>
-          </p:cNvPr>
-          <p:cNvSpPr/>
-          <p:nvPr/>
-        </p:nvSpPr>
-        <p:spPr>
-          <a:xfrm>
-            <a:off x="5582573" y="1255427"/>
-            <a:ext cx="537899" cy="512025"/>
-          </a:xfrm>
-          <a:prstGeom prst="rightArrow">
-            <a:avLst/>
-          </a:prstGeom>
-        </p:spPr>
-        <p:style>
-          <a:lnRef idx="2">
-            <a:schemeClr val="accent1">
-              <a:shade val="50000"/>
-            </a:schemeClr>
-          </a:lnRef>
-          <a:fillRef idx="1">
-            <a:schemeClr val="accent1"/>
-          </a:fillRef>
-          <a:effectRef idx="0">
-            <a:schemeClr val="accent1"/>
-          </a:effectRef>
-          <a:fontRef idx="minor">
-            <a:schemeClr val="lt1"/>
-          </a:fontRef>
-        </p:style>
-        <p:txBody>
-          <a:bodyPr rtlCol="0" anchor="ctr"/>
-          <a:lstStyle/>
-          <a:p>
-            <a:pPr algn="ctr"/>
-            <a:endParaRPr lang="pl-PL"/>
-          </a:p>
-        </p:txBody>
-      </p:sp>
-      <p:pic>
-        <p:nvPicPr>
-          <p:cNvPr id="10" name="Obraz 9">
-            <a:extLst>
-              <a:ext uri="{FF2B5EF4-FFF2-40B4-BE49-F238E27FC236}">
-                <a16:creationId xmlns:a16="http://schemas.microsoft.com/office/drawing/2014/main" id="{FFA5803F-746E-E5B4-9560-86A77F41A02C}"/>
+                <a16:creationId xmlns:a16="http://schemas.microsoft.com/office/drawing/2014/main" id="{E2A23F68-5236-8E5E-262C-F9540D74737F}"/>
               </a:ext>
             </a:extLst>
           </p:cNvPr>
@@ -3235,8 +3107,8 @@
         </p:blipFill>
         <p:spPr>
           <a:xfrm>
-            <a:off x="309235" y="1612663"/>
-            <a:ext cx="2381644" cy="1329679"/>
+            <a:off x="7313161" y="621367"/>
+            <a:ext cx="2425002" cy="1268120"/>
           </a:xfrm>
           <a:prstGeom prst="rect">
             <a:avLst/>
@@ -3245,10 +3117,10 @@
       </p:pic>
       <p:sp>
         <p:nvSpPr>
-          <p:cNvPr id="11" name="pole tekstowe 10">
+          <p:cNvPr id="4" name="pole tekstowe 3">
             <a:extLst>
               <a:ext uri="{FF2B5EF4-FFF2-40B4-BE49-F238E27FC236}">
-                <a16:creationId xmlns:a16="http://schemas.microsoft.com/office/drawing/2014/main" id="{A30E853E-3AFF-2023-E771-1402788AD3B9}"/>
+                <a16:creationId xmlns:a16="http://schemas.microsoft.com/office/drawing/2014/main" id="{1423C420-AE15-B051-DC03-E263B661F89D}"/>
               </a:ext>
             </a:extLst>
           </p:cNvPr>
@@ -3257,8 +3129,8 @@
         </p:nvSpPr>
         <p:spPr>
           <a:xfrm>
-            <a:off x="7412675" y="3173776"/>
-            <a:ext cx="1349547" cy="332720"/>
+            <a:off x="7412675" y="121965"/>
+            <a:ext cx="1554272" cy="332720"/>
           </a:xfrm>
           <a:prstGeom prst="rect">
             <a:avLst/>
@@ -3272,18 +3144,19 @@
           <a:lstStyle/>
           <a:p>
             <a:r>
-              <a:rPr lang="pl-PL" dirty="0"/>
-              <a:t>Metamodel</a:t>
-            </a:r>
-          </a:p>
-        </p:txBody>
-      </p:sp>
-      <p:sp>
-        <p:nvSpPr>
-          <p:cNvPr id="12" name="Strzałka: w lewo i w prawo 11">
+              <a:rPr lang="pl-PL" dirty="0" err="1"/>
+              <a:t>Requirements</a:t>
+            </a:r>
+            <a:endParaRPr lang="pl-PL" dirty="0"/>
+          </a:p>
+        </p:txBody>
+      </p:sp>
+      <p:sp>
+        <p:nvSpPr>
+          <p:cNvPr id="5" name="Strzałka: w lewo i w prawo 4">
             <a:extLst>
               <a:ext uri="{FF2B5EF4-FFF2-40B4-BE49-F238E27FC236}">
-                <a16:creationId xmlns:a16="http://schemas.microsoft.com/office/drawing/2014/main" id="{4D064296-B148-8BD6-61BF-84B2B5E075BA}"/>
+                <a16:creationId xmlns:a16="http://schemas.microsoft.com/office/drawing/2014/main" id="{401F9E47-F2D8-1E61-7D86-5877995E0CDD}"/>
               </a:ext>
             </a:extLst>
           </p:cNvPr>
@@ -3291,9 +3164,9 @@
           <p:nvPr/>
         </p:nvSpPr>
         <p:spPr>
-          <a:xfrm rot="5400000">
-            <a:off x="8633780" y="2924190"/>
-            <a:ext cx="714297" cy="413787"/>
+          <a:xfrm>
+            <a:off x="5378276" y="4718651"/>
+            <a:ext cx="795989" cy="421019"/>
           </a:xfrm>
           <a:prstGeom prst="leftRightArrow">
             <a:avLst/>
@@ -3326,6 +3199,169 @@
       </p:sp>
       <p:sp>
         <p:nvSpPr>
+          <p:cNvPr id="6" name="Strzałka: w prawo 5">
+            <a:extLst>
+              <a:ext uri="{FF2B5EF4-FFF2-40B4-BE49-F238E27FC236}">
+                <a16:creationId xmlns:a16="http://schemas.microsoft.com/office/drawing/2014/main" id="{25CE99C2-5CC4-F7E1-DED4-D909A37EE522}"/>
+              </a:ext>
+            </a:extLst>
+          </p:cNvPr>
+          <p:cNvSpPr/>
+          <p:nvPr/>
+        </p:nvSpPr>
+        <p:spPr>
+          <a:xfrm>
+            <a:off x="5582573" y="1255427"/>
+            <a:ext cx="537899" cy="512025"/>
+          </a:xfrm>
+          <a:prstGeom prst="rightArrow">
+            <a:avLst/>
+          </a:prstGeom>
+        </p:spPr>
+        <p:style>
+          <a:lnRef idx="2">
+            <a:schemeClr val="accent1">
+              <a:shade val="50000"/>
+            </a:schemeClr>
+          </a:lnRef>
+          <a:fillRef idx="1">
+            <a:schemeClr val="accent1"/>
+          </a:fillRef>
+          <a:effectRef idx="0">
+            <a:schemeClr val="accent1"/>
+          </a:effectRef>
+          <a:fontRef idx="minor">
+            <a:schemeClr val="lt1"/>
+          </a:fontRef>
+        </p:style>
+        <p:txBody>
+          <a:bodyPr rtlCol="0" anchor="ctr"/>
+          <a:lstStyle/>
+          <a:p>
+            <a:pPr algn="ctr"/>
+            <a:endParaRPr lang="pl-PL"/>
+          </a:p>
+        </p:txBody>
+      </p:sp>
+      <p:pic>
+        <p:nvPicPr>
+          <p:cNvPr id="10" name="Obraz 9">
+            <a:extLst>
+              <a:ext uri="{FF2B5EF4-FFF2-40B4-BE49-F238E27FC236}">
+                <a16:creationId xmlns:a16="http://schemas.microsoft.com/office/drawing/2014/main" id="{FFA5803F-746E-E5B4-9560-86A77F41A02C}"/>
+              </a:ext>
+            </a:extLst>
+          </p:cNvPr>
+          <p:cNvPicPr>
+            <a:picLocks noChangeAspect="1"/>
+          </p:cNvPicPr>
+          <p:nvPr/>
+        </p:nvPicPr>
+        <p:blipFill>
+          <a:blip r:embed="rId6">
+            <a:extLst>
+              <a:ext uri="{28A0092B-C50C-407E-A947-70E740481C1C}">
+                <a14:useLocalDpi xmlns:a14="http://schemas.microsoft.com/office/drawing/2010/main" val="0"/>
+              </a:ext>
+            </a:extLst>
+          </a:blip>
+          <a:stretch>
+            <a:fillRect/>
+          </a:stretch>
+        </p:blipFill>
+        <p:spPr>
+          <a:xfrm>
+            <a:off x="309235" y="1612663"/>
+            <a:ext cx="2381644" cy="1329679"/>
+          </a:xfrm>
+          <a:prstGeom prst="rect">
+            <a:avLst/>
+          </a:prstGeom>
+        </p:spPr>
+      </p:pic>
+      <p:sp>
+        <p:nvSpPr>
+          <p:cNvPr id="11" name="pole tekstowe 10">
+            <a:extLst>
+              <a:ext uri="{FF2B5EF4-FFF2-40B4-BE49-F238E27FC236}">
+                <a16:creationId xmlns:a16="http://schemas.microsoft.com/office/drawing/2014/main" id="{A30E853E-3AFF-2023-E771-1402788AD3B9}"/>
+              </a:ext>
+            </a:extLst>
+          </p:cNvPr>
+          <p:cNvSpPr txBox="1"/>
+          <p:nvPr/>
+        </p:nvSpPr>
+        <p:spPr>
+          <a:xfrm>
+            <a:off x="7412675" y="3173776"/>
+            <a:ext cx="1349547" cy="332720"/>
+          </a:xfrm>
+          <a:prstGeom prst="rect">
+            <a:avLst/>
+          </a:prstGeom>
+          <a:noFill/>
+        </p:spPr>
+        <p:txBody>
+          <a:bodyPr wrap="square" rtlCol="0">
+            <a:spAutoFit/>
+          </a:bodyPr>
+          <a:lstStyle/>
+          <a:p>
+            <a:r>
+              <a:rPr lang="pl-PL" dirty="0"/>
+              <a:t>Metamodel</a:t>
+            </a:r>
+          </a:p>
+        </p:txBody>
+      </p:sp>
+      <p:sp>
+        <p:nvSpPr>
+          <p:cNvPr id="12" name="Strzałka: w lewo i w prawo 11">
+            <a:extLst>
+              <a:ext uri="{FF2B5EF4-FFF2-40B4-BE49-F238E27FC236}">
+                <a16:creationId xmlns:a16="http://schemas.microsoft.com/office/drawing/2014/main" id="{4D064296-B148-8BD6-61BF-84B2B5E075BA}"/>
+              </a:ext>
+            </a:extLst>
+          </p:cNvPr>
+          <p:cNvSpPr/>
+          <p:nvPr/>
+        </p:nvSpPr>
+        <p:spPr>
+          <a:xfrm rot="5400000">
+            <a:off x="8633780" y="2924190"/>
+            <a:ext cx="714297" cy="413787"/>
+          </a:xfrm>
+          <a:prstGeom prst="leftRightArrow">
+            <a:avLst/>
+          </a:prstGeom>
+        </p:spPr>
+        <p:style>
+          <a:lnRef idx="2">
+            <a:schemeClr val="accent1">
+              <a:shade val="50000"/>
+            </a:schemeClr>
+          </a:lnRef>
+          <a:fillRef idx="1">
+            <a:schemeClr val="accent1"/>
+          </a:fillRef>
+          <a:effectRef idx="0">
+            <a:schemeClr val="accent1"/>
+          </a:effectRef>
+          <a:fontRef idx="minor">
+            <a:schemeClr val="lt1"/>
+          </a:fontRef>
+        </p:style>
+        <p:txBody>
+          <a:bodyPr rtlCol="0" anchor="ctr"/>
+          <a:lstStyle/>
+          <a:p>
+            <a:pPr algn="ctr"/>
+            <a:endParaRPr lang="pl-PL"/>
+          </a:p>
+        </p:txBody>
+      </p:sp>
+      <p:sp>
+        <p:nvSpPr>
           <p:cNvPr id="13" name="pole tekstowe 12">
             <a:extLst>
               <a:ext uri="{FF2B5EF4-FFF2-40B4-BE49-F238E27FC236}">
@@ -3374,7 +3410,7 @@
           <p:nvPr/>
         </p:nvPicPr>
         <p:blipFill>
-          <a:blip r:embed="rId6">
+          <a:blip r:embed="rId7">
             <a:extLst>
               <a:ext uri="{28A0092B-C50C-407E-A947-70E740481C1C}">
                 <a14:useLocalDpi xmlns:a14="http://schemas.microsoft.com/office/drawing/2010/main" val="0"/>
@@ -3647,42 +3683,6 @@
           <p:nvPr/>
         </p:nvPicPr>
         <p:blipFill>
-          <a:blip r:embed="rId7">
-            <a:extLst>
-              <a:ext uri="{28A0092B-C50C-407E-A947-70E740481C1C}">
-                <a14:useLocalDpi xmlns:a14="http://schemas.microsoft.com/office/drawing/2010/main" val="0"/>
-              </a:ext>
-            </a:extLst>
-          </a:blip>
-          <a:stretch>
-            <a:fillRect/>
-          </a:stretch>
-        </p:blipFill>
-        <p:spPr>
-          <a:xfrm>
-            <a:off x="2988291" y="2309792"/>
-            <a:ext cx="878222" cy="878222"/>
-          </a:xfrm>
-          <a:prstGeom prst="rect">
-            <a:avLst/>
-          </a:prstGeom>
-        </p:spPr>
-      </p:pic>
-      <p:pic>
-        <p:nvPicPr>
-          <p:cNvPr id="16" name="Obraz 15" descr="Obraz zawierający tekst, zrzut ekranu, Czcionka, numer&#10;&#10;Zawartość wygenerowana przez AI może być niepoprawna.">
-            <a:extLst>
-              <a:ext uri="{FF2B5EF4-FFF2-40B4-BE49-F238E27FC236}">
-                <a16:creationId xmlns:a16="http://schemas.microsoft.com/office/drawing/2014/main" id="{A34FD1DC-EC46-1D44-15C5-80945E2436CE}"/>
-              </a:ext>
-            </a:extLst>
-          </p:cNvPr>
-          <p:cNvPicPr>
-            <a:picLocks noChangeAspect="1"/>
-          </p:cNvPicPr>
-          <p:nvPr/>
-        </p:nvPicPr>
-        <p:blipFill>
           <a:blip r:embed="rId8">
             <a:extLst>
               <a:ext uri="{28A0092B-C50C-407E-A947-70E740481C1C}">
@@ -3696,8 +3696,8 @@
         </p:blipFill>
         <p:spPr>
           <a:xfrm>
-            <a:off x="7220157" y="1536949"/>
-            <a:ext cx="2560103" cy="958251"/>
+            <a:off x="2988291" y="2309792"/>
+            <a:ext cx="878222" cy="878222"/>
           </a:xfrm>
           <a:prstGeom prst="rect">
             <a:avLst/>
@@ -3706,10 +3706,10 @@
       </p:pic>
       <p:pic>
         <p:nvPicPr>
-          <p:cNvPr id="9" name="Obraz 8" descr="Obraz zawierający tekst, zrzut ekranu, Czcionka, Równolegle&#10;&#10;Zawartość wygenerowana przez AI może być niepoprawna.">
+          <p:cNvPr id="16" name="Obraz 15" descr="Obraz zawierający tekst, zrzut ekranu, Czcionka, numer&#10;&#10;Zawartość wygenerowana przez AI może być niepoprawna.">
             <a:extLst>
               <a:ext uri="{FF2B5EF4-FFF2-40B4-BE49-F238E27FC236}">
-                <a16:creationId xmlns:a16="http://schemas.microsoft.com/office/drawing/2014/main" id="{9D09CB3A-6908-54E1-C231-3251496B7EDF}"/>
+                <a16:creationId xmlns:a16="http://schemas.microsoft.com/office/drawing/2014/main" id="{A34FD1DC-EC46-1D44-15C5-80945E2436CE}"/>
               </a:ext>
             </a:extLst>
           </p:cNvPr>
@@ -3732,8 +3732,8 @@
         </p:blipFill>
         <p:spPr>
           <a:xfrm>
-            <a:off x="6423467" y="661290"/>
-            <a:ext cx="2338755" cy="1429016"/>
+            <a:off x="7220157" y="1536949"/>
+            <a:ext cx="2560103" cy="958251"/>
           </a:xfrm>
           <a:prstGeom prst="rect">
             <a:avLst/>
@@ -3742,10 +3742,10 @@
       </p:pic>
       <p:pic>
         <p:nvPicPr>
-          <p:cNvPr id="22" name="Obraz 21" descr="Obraz zawierający tekst, zrzut ekranu, Czcionka, linia&#10;&#10;Zawartość wygenerowana przez AI może być niepoprawna.">
+          <p:cNvPr id="9" name="Obraz 8" descr="Obraz zawierający tekst, zrzut ekranu, Czcionka, Równolegle&#10;&#10;Zawartość wygenerowana przez AI może być niepoprawna.">
             <a:extLst>
               <a:ext uri="{FF2B5EF4-FFF2-40B4-BE49-F238E27FC236}">
-                <a16:creationId xmlns:a16="http://schemas.microsoft.com/office/drawing/2014/main" id="{2DC698F0-3A11-6970-CD60-729FEC7032EA}"/>
+                <a16:creationId xmlns:a16="http://schemas.microsoft.com/office/drawing/2014/main" id="{9D09CB3A-6908-54E1-C231-3251496B7EDF}"/>
               </a:ext>
             </a:extLst>
           </p:cNvPr>
@@ -3768,115 +3768,20 @@
         </p:blipFill>
         <p:spPr>
           <a:xfrm>
-            <a:off x="6520953" y="3608099"/>
-            <a:ext cx="2722349" cy="1321062"/>
+            <a:off x="6423467" y="661290"/>
+            <a:ext cx="2338755" cy="1429016"/>
           </a:xfrm>
           <a:prstGeom prst="rect">
             <a:avLst/>
           </a:prstGeom>
         </p:spPr>
       </p:pic>
-      <p:sp>
-        <p:nvSpPr>
-          <p:cNvPr id="14" name="pole tekstowe 13">
+      <p:pic>
+        <p:nvPicPr>
+          <p:cNvPr id="22" name="Obraz 21" descr="Obraz zawierający tekst, zrzut ekranu, Czcionka, linia&#10;&#10;Zawartość wygenerowana przez AI może być niepoprawna.">
             <a:extLst>
               <a:ext uri="{FF2B5EF4-FFF2-40B4-BE49-F238E27FC236}">
-                <a16:creationId xmlns:a16="http://schemas.microsoft.com/office/drawing/2014/main" id="{60CCD33A-B796-DE81-D471-9B381C465410}"/>
-              </a:ext>
-            </a:extLst>
-          </p:cNvPr>
-          <p:cNvSpPr txBox="1"/>
-          <p:nvPr/>
-        </p:nvSpPr>
-        <p:spPr>
-          <a:xfrm>
-            <a:off x="3774048" y="2060379"/>
-            <a:ext cx="3536941" cy="1815753"/>
-          </a:xfrm>
-          <a:prstGeom prst="rect">
-            <a:avLst/>
-          </a:prstGeom>
-          <a:noFill/>
-        </p:spPr>
-        <p:txBody>
-          <a:bodyPr wrap="square" rtlCol="0">
-            <a:spAutoFit/>
-          </a:bodyPr>
-          <a:lstStyle/>
-          <a:p>
-            <a:pPr algn="ctr"/>
-            <a:r>
-              <a:rPr lang="pl-PL" sz="7999" dirty="0" err="1">
-                <a:solidFill>
-                  <a:srgbClr val="0070C0"/>
-                </a:solidFill>
-              </a:rPr>
-              <a:t>Me</a:t>
-            </a:r>
-            <a:r>
-              <a:rPr lang="pl-PL" sz="7999" dirty="0" err="1">
-                <a:solidFill>
-                  <a:srgbClr val="00B050"/>
-                </a:solidFill>
-              </a:rPr>
-              <a:t>ROS</a:t>
-            </a:r>
-            <a:br>
-              <a:rPr lang="pl-PL" sz="7999" dirty="0">
-                <a:solidFill>
-                  <a:srgbClr val="00B050"/>
-                </a:solidFill>
-              </a:rPr>
-            </a:br>
-            <a:r>
-              <a:rPr lang="en-US" sz="1600" b="1" i="1" dirty="0">
-                <a:solidFill>
-                  <a:srgbClr val="0070C0"/>
-                </a:solidFill>
-              </a:rPr>
-              <a:t>Me</a:t>
-            </a:r>
-            <a:r>
-              <a:rPr lang="en-US" sz="1600" b="1" i="1" dirty="0"/>
-              <a:t>tamodel for </a:t>
-            </a:r>
-            <a:r>
-              <a:rPr lang="en-US" sz="1600" b="1" i="1" dirty="0">
-                <a:solidFill>
-                  <a:srgbClr val="00B050"/>
-                </a:solidFill>
-              </a:rPr>
-              <a:t>ROS</a:t>
-            </a:r>
-            <a:r>
-              <a:rPr lang="pl-PL" sz="1600" b="1" i="1" dirty="0"/>
-              <a:t>-</a:t>
-            </a:r>
-            <a:r>
-              <a:rPr lang="pl-PL" sz="1600" b="1" i="1" dirty="0" err="1"/>
-              <a:t>related</a:t>
-            </a:r>
-            <a:r>
-              <a:rPr lang="en-US" sz="1600" b="1" i="1" dirty="0"/>
-              <a:t> Systems</a:t>
-            </a:r>
-            <a:endParaRPr lang="pl-PL" sz="1600" b="1" i="1" dirty="0"/>
-          </a:p>
-          <a:p>
-            <a:pPr algn="ctr"/>
-            <a:r>
-              <a:rPr lang="pl-PL" sz="1600" b="1" dirty="0"/>
-              <a:t>https://github.com/twiniars/MeROS</a:t>
-            </a:r>
-          </a:p>
-        </p:txBody>
-      </p:sp>
-      <p:pic>
-        <p:nvPicPr>
-          <p:cNvPr id="34" name="Obraz 33" descr="Obraz zawierający tekst, zrzut ekranu, Czcionka, linia&#10;&#10;Zawartość wygenerowana przez AI może być niepoprawna.">
-            <a:extLst>
-              <a:ext uri="{FF2B5EF4-FFF2-40B4-BE49-F238E27FC236}">
-                <a16:creationId xmlns:a16="http://schemas.microsoft.com/office/drawing/2014/main" id="{0ED64B37-775D-7D50-9377-E0712A687009}"/>
+                <a16:creationId xmlns:a16="http://schemas.microsoft.com/office/drawing/2014/main" id="{2DC698F0-3A11-6970-CD60-729FEC7032EA}"/>
               </a:ext>
             </a:extLst>
           </p:cNvPr>
@@ -3899,20 +3804,115 @@
         </p:blipFill>
         <p:spPr>
           <a:xfrm>
-            <a:off x="2226100" y="3965319"/>
-            <a:ext cx="2734509" cy="1429773"/>
+            <a:off x="6520953" y="3608099"/>
+            <a:ext cx="2722349" cy="1321062"/>
           </a:xfrm>
           <a:prstGeom prst="rect">
             <a:avLst/>
           </a:prstGeom>
         </p:spPr>
       </p:pic>
+      <p:sp>
+        <p:nvSpPr>
+          <p:cNvPr id="14" name="pole tekstowe 13">
+            <a:extLst>
+              <a:ext uri="{FF2B5EF4-FFF2-40B4-BE49-F238E27FC236}">
+                <a16:creationId xmlns:a16="http://schemas.microsoft.com/office/drawing/2014/main" id="{60CCD33A-B796-DE81-D471-9B381C465410}"/>
+              </a:ext>
+            </a:extLst>
+          </p:cNvPr>
+          <p:cNvSpPr txBox="1"/>
+          <p:nvPr/>
+        </p:nvSpPr>
+        <p:spPr>
+          <a:xfrm>
+            <a:off x="3774048" y="2060379"/>
+            <a:ext cx="3536941" cy="1815753"/>
+          </a:xfrm>
+          <a:prstGeom prst="rect">
+            <a:avLst/>
+          </a:prstGeom>
+          <a:noFill/>
+        </p:spPr>
+        <p:txBody>
+          <a:bodyPr wrap="square" rtlCol="0">
+            <a:spAutoFit/>
+          </a:bodyPr>
+          <a:lstStyle/>
+          <a:p>
+            <a:pPr algn="ctr"/>
+            <a:r>
+              <a:rPr lang="pl-PL" sz="7999" dirty="0" err="1">
+                <a:solidFill>
+                  <a:srgbClr val="0070C0"/>
+                </a:solidFill>
+              </a:rPr>
+              <a:t>Me</a:t>
+            </a:r>
+            <a:r>
+              <a:rPr lang="pl-PL" sz="7999" dirty="0" err="1">
+                <a:solidFill>
+                  <a:srgbClr val="00B050"/>
+                </a:solidFill>
+              </a:rPr>
+              <a:t>ROS</a:t>
+            </a:r>
+            <a:br>
+              <a:rPr lang="pl-PL" sz="7999" dirty="0">
+                <a:solidFill>
+                  <a:srgbClr val="00B050"/>
+                </a:solidFill>
+              </a:rPr>
+            </a:br>
+            <a:r>
+              <a:rPr lang="en-US" sz="1600" b="1" i="1" dirty="0">
+                <a:solidFill>
+                  <a:srgbClr val="0070C0"/>
+                </a:solidFill>
+              </a:rPr>
+              <a:t>Me</a:t>
+            </a:r>
+            <a:r>
+              <a:rPr lang="en-US" sz="1600" b="1" i="1" dirty="0"/>
+              <a:t>tamodel for </a:t>
+            </a:r>
+            <a:r>
+              <a:rPr lang="en-US" sz="1600" b="1" i="1" dirty="0">
+                <a:solidFill>
+                  <a:srgbClr val="00B050"/>
+                </a:solidFill>
+              </a:rPr>
+              <a:t>ROS</a:t>
+            </a:r>
+            <a:r>
+              <a:rPr lang="pl-PL" sz="1600" b="1" i="1" dirty="0"/>
+              <a:t>-</a:t>
+            </a:r>
+            <a:r>
+              <a:rPr lang="pl-PL" sz="1600" b="1" i="1" dirty="0" err="1"/>
+              <a:t>related</a:t>
+            </a:r>
+            <a:r>
+              <a:rPr lang="en-US" sz="1600" b="1" i="1" dirty="0"/>
+              <a:t> Systems</a:t>
+            </a:r>
+            <a:endParaRPr lang="pl-PL" sz="1600" b="1" i="1" dirty="0"/>
+          </a:p>
+          <a:p>
+            <a:pPr algn="ctr"/>
+            <a:r>
+              <a:rPr lang="pl-PL" sz="1600" b="1" dirty="0"/>
+              <a:t>https://github.com/twiniars/MeROS</a:t>
+            </a:r>
+          </a:p>
+        </p:txBody>
+      </p:sp>
       <p:pic>
         <p:nvPicPr>
-          <p:cNvPr id="38" name="Obraz 37" descr="Obraz zawierający tekst, zrzut ekranu, Czcionka, linia&#10;&#10;Zawartość wygenerowana przez AI może być niepoprawna.">
+          <p:cNvPr id="34" name="Obraz 33" descr="Obraz zawierający tekst, zrzut ekranu, Czcionka, linia&#10;&#10;Zawartość wygenerowana przez AI może być niepoprawna.">
             <a:extLst>
               <a:ext uri="{FF2B5EF4-FFF2-40B4-BE49-F238E27FC236}">
-                <a16:creationId xmlns:a16="http://schemas.microsoft.com/office/drawing/2014/main" id="{3201480E-09FB-7690-1DB4-C754E0925266}"/>
+                <a16:creationId xmlns:a16="http://schemas.microsoft.com/office/drawing/2014/main" id="{0ED64B37-775D-7D50-9377-E0712A687009}"/>
               </a:ext>
             </a:extLst>
           </p:cNvPr>
@@ -3935,8 +3935,8 @@
         </p:blipFill>
         <p:spPr>
           <a:xfrm>
-            <a:off x="1332825" y="5109831"/>
-            <a:ext cx="2981514" cy="1146737"/>
+            <a:off x="2226100" y="3965319"/>
+            <a:ext cx="2734509" cy="1429773"/>
           </a:xfrm>
           <a:prstGeom prst="rect">
             <a:avLst/>
@@ -3945,10 +3945,10 @@
       </p:pic>
       <p:pic>
         <p:nvPicPr>
-          <p:cNvPr id="31" name="Obraz 30" descr="Obraz zawierający tekst, zrzut ekranu, Czcionka, diagram&#10;&#10;Zawartość wygenerowana przez AI może być niepoprawna.">
+          <p:cNvPr id="15" name="Obraz 14" descr="Obraz zawierający tekst, zrzut ekranu, diagram, Czcionka&#10;&#10;Zawartość wygenerowana przez AI może być niepoprawna.">
             <a:extLst>
               <a:ext uri="{FF2B5EF4-FFF2-40B4-BE49-F238E27FC236}">
-                <a16:creationId xmlns:a16="http://schemas.microsoft.com/office/drawing/2014/main" id="{203EC047-D066-B6EB-3B8D-81B5C3DC9A17}"/>
+                <a16:creationId xmlns:a16="http://schemas.microsoft.com/office/drawing/2014/main" id="{66E7E31A-AB5E-DFBD-1D15-FA4B8071DC40}"/>
               </a:ext>
             </a:extLst>
           </p:cNvPr>
@@ -3971,8 +3971,8 @@
         </p:blipFill>
         <p:spPr>
           <a:xfrm>
-            <a:off x="410609" y="3709235"/>
-            <a:ext cx="3157043" cy="1941942"/>
+            <a:off x="364207" y="3555297"/>
+            <a:ext cx="3377098" cy="2108453"/>
           </a:xfrm>
           <a:prstGeom prst="rect">
             <a:avLst/>

--- a/src/img/meros-graphical-abstract.pptx
+++ b/src/img/meros-graphical-abstract.pptx
@@ -243,7 +243,7 @@
           <a:p>
             <a:fld id="{758523DB-1EDD-4A73-9803-D008E5CAF974}" type="datetimeFigureOut">
               <a:rPr lang="pl-PL" smtClean="0"/>
-              <a:t>12.07.2025</a:t>
+              <a:t>20.07.2025</a:t>
             </a:fld>
             <a:endParaRPr lang="pl-PL"/>
           </a:p>
@@ -413,7 +413,7 @@
           <a:p>
             <a:fld id="{758523DB-1EDD-4A73-9803-D008E5CAF974}" type="datetimeFigureOut">
               <a:rPr lang="pl-PL" smtClean="0"/>
-              <a:t>12.07.2025</a:t>
+              <a:t>20.07.2025</a:t>
             </a:fld>
             <a:endParaRPr lang="pl-PL"/>
           </a:p>
@@ -593,7 +593,7 @@
           <a:p>
             <a:fld id="{758523DB-1EDD-4A73-9803-D008E5CAF974}" type="datetimeFigureOut">
               <a:rPr lang="pl-PL" smtClean="0"/>
-              <a:t>12.07.2025</a:t>
+              <a:t>20.07.2025</a:t>
             </a:fld>
             <a:endParaRPr lang="pl-PL"/>
           </a:p>
@@ -763,7 +763,7 @@
           <a:p>
             <a:fld id="{758523DB-1EDD-4A73-9803-D008E5CAF974}" type="datetimeFigureOut">
               <a:rPr lang="pl-PL" smtClean="0"/>
-              <a:t>12.07.2025</a:t>
+              <a:t>20.07.2025</a:t>
             </a:fld>
             <a:endParaRPr lang="pl-PL"/>
           </a:p>
@@ -1007,7 +1007,7 @@
           <a:p>
             <a:fld id="{758523DB-1EDD-4A73-9803-D008E5CAF974}" type="datetimeFigureOut">
               <a:rPr lang="pl-PL" smtClean="0"/>
-              <a:t>12.07.2025</a:t>
+              <a:t>20.07.2025</a:t>
             </a:fld>
             <a:endParaRPr lang="pl-PL"/>
           </a:p>
@@ -1239,7 +1239,7 @@
           <a:p>
             <a:fld id="{758523DB-1EDD-4A73-9803-D008E5CAF974}" type="datetimeFigureOut">
               <a:rPr lang="pl-PL" smtClean="0"/>
-              <a:t>12.07.2025</a:t>
+              <a:t>20.07.2025</a:t>
             </a:fld>
             <a:endParaRPr lang="pl-PL"/>
           </a:p>
@@ -1606,7 +1606,7 @@
           <a:p>
             <a:fld id="{758523DB-1EDD-4A73-9803-D008E5CAF974}" type="datetimeFigureOut">
               <a:rPr lang="pl-PL" smtClean="0"/>
-              <a:t>12.07.2025</a:t>
+              <a:t>20.07.2025</a:t>
             </a:fld>
             <a:endParaRPr lang="pl-PL"/>
           </a:p>
@@ -1724,7 +1724,7 @@
           <a:p>
             <a:fld id="{758523DB-1EDD-4A73-9803-D008E5CAF974}" type="datetimeFigureOut">
               <a:rPr lang="pl-PL" smtClean="0"/>
-              <a:t>12.07.2025</a:t>
+              <a:t>20.07.2025</a:t>
             </a:fld>
             <a:endParaRPr lang="pl-PL"/>
           </a:p>
@@ -1819,7 +1819,7 @@
           <a:p>
             <a:fld id="{758523DB-1EDD-4A73-9803-D008E5CAF974}" type="datetimeFigureOut">
               <a:rPr lang="pl-PL" smtClean="0"/>
-              <a:t>12.07.2025</a:t>
+              <a:t>20.07.2025</a:t>
             </a:fld>
             <a:endParaRPr lang="pl-PL"/>
           </a:p>
@@ -2096,7 +2096,7 @@
           <a:p>
             <a:fld id="{758523DB-1EDD-4A73-9803-D008E5CAF974}" type="datetimeFigureOut">
               <a:rPr lang="pl-PL" smtClean="0"/>
-              <a:t>12.07.2025</a:t>
+              <a:t>20.07.2025</a:t>
             </a:fld>
             <a:endParaRPr lang="pl-PL"/>
           </a:p>
@@ -2353,7 +2353,7 @@
           <a:p>
             <a:fld id="{758523DB-1EDD-4A73-9803-D008E5CAF974}" type="datetimeFigureOut">
               <a:rPr lang="pl-PL" smtClean="0"/>
-              <a:t>12.07.2025</a:t>
+              <a:t>20.07.2025</a:t>
             </a:fld>
             <a:endParaRPr lang="pl-PL"/>
           </a:p>
@@ -2566,7 +2566,7 @@
           <a:p>
             <a:fld id="{758523DB-1EDD-4A73-9803-D008E5CAF974}" type="datetimeFigureOut">
               <a:rPr lang="pl-PL" smtClean="0"/>
-              <a:t>12.07.2025</a:t>
+              <a:t>20.07.2025</a:t>
             </a:fld>
             <a:endParaRPr lang="pl-PL"/>
           </a:p>
@@ -3945,10 +3945,10 @@
       </p:pic>
       <p:pic>
         <p:nvPicPr>
-          <p:cNvPr id="15" name="Obraz 14" descr="Obraz zawierający tekst, zrzut ekranu, diagram, Czcionka&#10;&#10;Zawartość wygenerowana przez AI może być niepoprawna.">
+          <p:cNvPr id="17" name="Obraz 16" descr="Obraz zawierający tekst, zrzut ekranu, diagram, Czcionka&#10;&#10;Zawartość wygenerowana przez AI może być niepoprawna.">
             <a:extLst>
               <a:ext uri="{FF2B5EF4-FFF2-40B4-BE49-F238E27FC236}">
-                <a16:creationId xmlns:a16="http://schemas.microsoft.com/office/drawing/2014/main" id="{66E7E31A-AB5E-DFBD-1D15-FA4B8071DC40}"/>
+                <a16:creationId xmlns:a16="http://schemas.microsoft.com/office/drawing/2014/main" id="{9BAD4501-B028-C347-7629-FAF3D7E4B980}"/>
               </a:ext>
             </a:extLst>
           </p:cNvPr>
@@ -3971,8 +3971,8 @@
         </p:blipFill>
         <p:spPr>
           <a:xfrm>
-            <a:off x="364207" y="3555297"/>
-            <a:ext cx="3377098" cy="2108453"/>
+            <a:off x="573223" y="3555297"/>
+            <a:ext cx="3200825" cy="1998399"/>
           </a:xfrm>
           <a:prstGeom prst="rect">
             <a:avLst/>

--- a/src/img/meros-graphical-abstract.pptx
+++ b/src/img/meros-graphical-abstract.pptx
@@ -243,7 +243,7 @@
           <a:p>
             <a:fld id="{758523DB-1EDD-4A73-9803-D008E5CAF974}" type="datetimeFigureOut">
               <a:rPr lang="pl-PL" smtClean="0"/>
-              <a:t>20.07.2025</a:t>
+              <a:t>21.07.2025</a:t>
             </a:fld>
             <a:endParaRPr lang="pl-PL"/>
           </a:p>
@@ -413,7 +413,7 @@
           <a:p>
             <a:fld id="{758523DB-1EDD-4A73-9803-D008E5CAF974}" type="datetimeFigureOut">
               <a:rPr lang="pl-PL" smtClean="0"/>
-              <a:t>20.07.2025</a:t>
+              <a:t>21.07.2025</a:t>
             </a:fld>
             <a:endParaRPr lang="pl-PL"/>
           </a:p>
@@ -593,7 +593,7 @@
           <a:p>
             <a:fld id="{758523DB-1EDD-4A73-9803-D008E5CAF974}" type="datetimeFigureOut">
               <a:rPr lang="pl-PL" smtClean="0"/>
-              <a:t>20.07.2025</a:t>
+              <a:t>21.07.2025</a:t>
             </a:fld>
             <a:endParaRPr lang="pl-PL"/>
           </a:p>
@@ -763,7 +763,7 @@
           <a:p>
             <a:fld id="{758523DB-1EDD-4A73-9803-D008E5CAF974}" type="datetimeFigureOut">
               <a:rPr lang="pl-PL" smtClean="0"/>
-              <a:t>20.07.2025</a:t>
+              <a:t>21.07.2025</a:t>
             </a:fld>
             <a:endParaRPr lang="pl-PL"/>
           </a:p>
@@ -1007,7 +1007,7 @@
           <a:p>
             <a:fld id="{758523DB-1EDD-4A73-9803-D008E5CAF974}" type="datetimeFigureOut">
               <a:rPr lang="pl-PL" smtClean="0"/>
-              <a:t>20.07.2025</a:t>
+              <a:t>21.07.2025</a:t>
             </a:fld>
             <a:endParaRPr lang="pl-PL"/>
           </a:p>
@@ -1239,7 +1239,7 @@
           <a:p>
             <a:fld id="{758523DB-1EDD-4A73-9803-D008E5CAF974}" type="datetimeFigureOut">
               <a:rPr lang="pl-PL" smtClean="0"/>
-              <a:t>20.07.2025</a:t>
+              <a:t>21.07.2025</a:t>
             </a:fld>
             <a:endParaRPr lang="pl-PL"/>
           </a:p>
@@ -1606,7 +1606,7 @@
           <a:p>
             <a:fld id="{758523DB-1EDD-4A73-9803-D008E5CAF974}" type="datetimeFigureOut">
               <a:rPr lang="pl-PL" smtClean="0"/>
-              <a:t>20.07.2025</a:t>
+              <a:t>21.07.2025</a:t>
             </a:fld>
             <a:endParaRPr lang="pl-PL"/>
           </a:p>
@@ -1724,7 +1724,7 @@
           <a:p>
             <a:fld id="{758523DB-1EDD-4A73-9803-D008E5CAF974}" type="datetimeFigureOut">
               <a:rPr lang="pl-PL" smtClean="0"/>
-              <a:t>20.07.2025</a:t>
+              <a:t>21.07.2025</a:t>
             </a:fld>
             <a:endParaRPr lang="pl-PL"/>
           </a:p>
@@ -1819,7 +1819,7 @@
           <a:p>
             <a:fld id="{758523DB-1EDD-4A73-9803-D008E5CAF974}" type="datetimeFigureOut">
               <a:rPr lang="pl-PL" smtClean="0"/>
-              <a:t>20.07.2025</a:t>
+              <a:t>21.07.2025</a:t>
             </a:fld>
             <a:endParaRPr lang="pl-PL"/>
           </a:p>
@@ -2096,7 +2096,7 @@
           <a:p>
             <a:fld id="{758523DB-1EDD-4A73-9803-D008E5CAF974}" type="datetimeFigureOut">
               <a:rPr lang="pl-PL" smtClean="0"/>
-              <a:t>20.07.2025</a:t>
+              <a:t>21.07.2025</a:t>
             </a:fld>
             <a:endParaRPr lang="pl-PL"/>
           </a:p>
@@ -2353,7 +2353,7 @@
           <a:p>
             <a:fld id="{758523DB-1EDD-4A73-9803-D008E5CAF974}" type="datetimeFigureOut">
               <a:rPr lang="pl-PL" smtClean="0"/>
-              <a:t>20.07.2025</a:t>
+              <a:t>21.07.2025</a:t>
             </a:fld>
             <a:endParaRPr lang="pl-PL"/>
           </a:p>
@@ -2566,7 +2566,7 @@
           <a:p>
             <a:fld id="{758523DB-1EDD-4A73-9803-D008E5CAF974}" type="datetimeFigureOut">
               <a:rPr lang="pl-PL" smtClean="0"/>
-              <a:t>20.07.2025</a:t>
+              <a:t>21.07.2025</a:t>
             </a:fld>
             <a:endParaRPr lang="pl-PL"/>
           </a:p>
@@ -2973,10 +2973,10 @@
       </p:grpSpPr>
       <p:pic>
         <p:nvPicPr>
-          <p:cNvPr id="18" name="Obraz 17" descr="Obraz zawierający tekst, zrzut ekranu, Czcionka, linia&#10;&#10;Zawartość wygenerowana przez AI może być niepoprawna.">
+          <p:cNvPr id="29" name="Obraz 28" descr="Obraz zawierający tekst, zrzut ekranu, Czcionka, linia&#10;&#10;Zawartość wygenerowana przez AI może być niepoprawna.">
             <a:extLst>
               <a:ext uri="{FF2B5EF4-FFF2-40B4-BE49-F238E27FC236}">
-                <a16:creationId xmlns:a16="http://schemas.microsoft.com/office/drawing/2014/main" id="{F607F429-8B25-4379-03E5-0EBFF2266107}"/>
+                <a16:creationId xmlns:a16="http://schemas.microsoft.com/office/drawing/2014/main" id="{5D1E34E4-7EB7-A1CF-A2B3-FFDF867BCD68}"/>
               </a:ext>
             </a:extLst>
           </p:cNvPr>
@@ -2999,8 +2999,8 @@
         </p:blipFill>
         <p:spPr>
           <a:xfrm>
-            <a:off x="828820" y="4920162"/>
-            <a:ext cx="3604443" cy="1248466"/>
+            <a:off x="6520953" y="5028722"/>
+            <a:ext cx="2263082" cy="1036992"/>
           </a:xfrm>
           <a:prstGeom prst="rect">
             <a:avLst/>
@@ -3009,10 +3009,10 @@
       </p:pic>
       <p:pic>
         <p:nvPicPr>
-          <p:cNvPr id="29" name="Obraz 28" descr="Obraz zawierający tekst, zrzut ekranu, Czcionka, linia&#10;&#10;Zawartość wygenerowana przez AI może być niepoprawna.">
+          <p:cNvPr id="26" name="Obraz 25" descr="Obraz zawierający tekst, zrzut ekranu, linia, Czcionka&#10;&#10;Zawartość wygenerowana przez AI może być niepoprawna.">
             <a:extLst>
               <a:ext uri="{FF2B5EF4-FFF2-40B4-BE49-F238E27FC236}">
-                <a16:creationId xmlns:a16="http://schemas.microsoft.com/office/drawing/2014/main" id="{5D1E34E4-7EB7-A1CF-A2B3-FFDF867BCD68}"/>
+                <a16:creationId xmlns:a16="http://schemas.microsoft.com/office/drawing/2014/main" id="{097A6E6A-2247-C0D5-123A-10A1A29C1D99}"/>
               </a:ext>
             </a:extLst>
           </p:cNvPr>
@@ -3035,8 +3035,8 @@
         </p:blipFill>
         <p:spPr>
           <a:xfrm>
-            <a:off x="6520953" y="5028722"/>
-            <a:ext cx="2263082" cy="1036992"/>
+            <a:off x="7067540" y="4385167"/>
+            <a:ext cx="2720406" cy="1780108"/>
           </a:xfrm>
           <a:prstGeom prst="rect">
             <a:avLst/>
@@ -3045,10 +3045,10 @@
       </p:pic>
       <p:pic>
         <p:nvPicPr>
-          <p:cNvPr id="26" name="Obraz 25" descr="Obraz zawierający tekst, zrzut ekranu, linia, Czcionka&#10;&#10;Zawartość wygenerowana przez AI może być niepoprawna.">
+          <p:cNvPr id="15" name="Obraz 14" descr="Obraz zawierający tekst, zrzut ekranu, Czcionka, numer&#10;&#10;Zawartość wygenerowana przez AI może być niepoprawna.">
             <a:extLst>
               <a:ext uri="{FF2B5EF4-FFF2-40B4-BE49-F238E27FC236}">
-                <a16:creationId xmlns:a16="http://schemas.microsoft.com/office/drawing/2014/main" id="{097A6E6A-2247-C0D5-123A-10A1A29C1D99}"/>
+                <a16:creationId xmlns:a16="http://schemas.microsoft.com/office/drawing/2014/main" id="{0CDE79FB-E3A0-DDD4-9E3C-442E5A2C7073}"/>
               </a:ext>
             </a:extLst>
           </p:cNvPr>
@@ -3071,8 +3071,8 @@
         </p:blipFill>
         <p:spPr>
           <a:xfrm>
-            <a:off x="7067540" y="4385167"/>
-            <a:ext cx="2720406" cy="1780108"/>
+            <a:off x="6459310" y="3506496"/>
+            <a:ext cx="3256275" cy="1654165"/>
           </a:xfrm>
           <a:prstGeom prst="rect">
             <a:avLst/>
@@ -3081,10 +3081,10 @@
       </p:pic>
       <p:pic>
         <p:nvPicPr>
-          <p:cNvPr id="20" name="Obraz 19" descr="Obraz zawierający tekst, zrzut ekranu, wyświetlacz, Czcionka&#10;&#10;Zawartość wygenerowana przez AI może być niepoprawna.">
+          <p:cNvPr id="18" name="Obraz 17" descr="Obraz zawierający tekst, zrzut ekranu, Czcionka, linia&#10;&#10;Zawartość wygenerowana przez AI może być niepoprawna.">
             <a:extLst>
               <a:ext uri="{FF2B5EF4-FFF2-40B4-BE49-F238E27FC236}">
-                <a16:creationId xmlns:a16="http://schemas.microsoft.com/office/drawing/2014/main" id="{E2A23F68-5236-8E5E-262C-F9540D74737F}"/>
+                <a16:creationId xmlns:a16="http://schemas.microsoft.com/office/drawing/2014/main" id="{F607F429-8B25-4379-03E5-0EBFF2266107}"/>
               </a:ext>
             </a:extLst>
           </p:cNvPr>
@@ -3107,148 +3107,20 @@
         </p:blipFill>
         <p:spPr>
           <a:xfrm>
-            <a:off x="7313161" y="621367"/>
-            <a:ext cx="2425002" cy="1268120"/>
+            <a:off x="828820" y="4920162"/>
+            <a:ext cx="3604443" cy="1248466"/>
           </a:xfrm>
           <a:prstGeom prst="rect">
             <a:avLst/>
           </a:prstGeom>
         </p:spPr>
       </p:pic>
-      <p:sp>
-        <p:nvSpPr>
-          <p:cNvPr id="4" name="pole tekstowe 3">
+      <p:pic>
+        <p:nvPicPr>
+          <p:cNvPr id="20" name="Obraz 19" descr="Obraz zawierający tekst, zrzut ekranu, wyświetlacz, Czcionka&#10;&#10;Zawartość wygenerowana przez AI może być niepoprawna.">
             <a:extLst>
               <a:ext uri="{FF2B5EF4-FFF2-40B4-BE49-F238E27FC236}">
-                <a16:creationId xmlns:a16="http://schemas.microsoft.com/office/drawing/2014/main" id="{1423C420-AE15-B051-DC03-E263B661F89D}"/>
-              </a:ext>
-            </a:extLst>
-          </p:cNvPr>
-          <p:cNvSpPr txBox="1"/>
-          <p:nvPr/>
-        </p:nvSpPr>
-        <p:spPr>
-          <a:xfrm>
-            <a:off x="7412675" y="121965"/>
-            <a:ext cx="1554272" cy="332720"/>
-          </a:xfrm>
-          <a:prstGeom prst="rect">
-            <a:avLst/>
-          </a:prstGeom>
-          <a:noFill/>
-        </p:spPr>
-        <p:txBody>
-          <a:bodyPr wrap="square" rtlCol="0">
-            <a:spAutoFit/>
-          </a:bodyPr>
-          <a:lstStyle/>
-          <a:p>
-            <a:r>
-              <a:rPr lang="pl-PL" dirty="0" err="1"/>
-              <a:t>Requirements</a:t>
-            </a:r>
-            <a:endParaRPr lang="pl-PL" dirty="0"/>
-          </a:p>
-        </p:txBody>
-      </p:sp>
-      <p:sp>
-        <p:nvSpPr>
-          <p:cNvPr id="5" name="Strzałka: w lewo i w prawo 4">
-            <a:extLst>
-              <a:ext uri="{FF2B5EF4-FFF2-40B4-BE49-F238E27FC236}">
-                <a16:creationId xmlns:a16="http://schemas.microsoft.com/office/drawing/2014/main" id="{401F9E47-F2D8-1E61-7D86-5877995E0CDD}"/>
-              </a:ext>
-            </a:extLst>
-          </p:cNvPr>
-          <p:cNvSpPr/>
-          <p:nvPr/>
-        </p:nvSpPr>
-        <p:spPr>
-          <a:xfrm>
-            <a:off x="5378276" y="4718651"/>
-            <a:ext cx="795989" cy="421019"/>
-          </a:xfrm>
-          <a:prstGeom prst="leftRightArrow">
-            <a:avLst/>
-          </a:prstGeom>
-        </p:spPr>
-        <p:style>
-          <a:lnRef idx="2">
-            <a:schemeClr val="accent1">
-              <a:shade val="50000"/>
-            </a:schemeClr>
-          </a:lnRef>
-          <a:fillRef idx="1">
-            <a:schemeClr val="accent1"/>
-          </a:fillRef>
-          <a:effectRef idx="0">
-            <a:schemeClr val="accent1"/>
-          </a:effectRef>
-          <a:fontRef idx="minor">
-            <a:schemeClr val="lt1"/>
-          </a:fontRef>
-        </p:style>
-        <p:txBody>
-          <a:bodyPr rtlCol="0" anchor="ctr"/>
-          <a:lstStyle/>
-          <a:p>
-            <a:pPr algn="ctr"/>
-            <a:endParaRPr lang="pl-PL"/>
-          </a:p>
-        </p:txBody>
-      </p:sp>
-      <p:sp>
-        <p:nvSpPr>
-          <p:cNvPr id="6" name="Strzałka: w prawo 5">
-            <a:extLst>
-              <a:ext uri="{FF2B5EF4-FFF2-40B4-BE49-F238E27FC236}">
-                <a16:creationId xmlns:a16="http://schemas.microsoft.com/office/drawing/2014/main" id="{25CE99C2-5CC4-F7E1-DED4-D909A37EE522}"/>
-              </a:ext>
-            </a:extLst>
-          </p:cNvPr>
-          <p:cNvSpPr/>
-          <p:nvPr/>
-        </p:nvSpPr>
-        <p:spPr>
-          <a:xfrm>
-            <a:off x="5582573" y="1255427"/>
-            <a:ext cx="537899" cy="512025"/>
-          </a:xfrm>
-          <a:prstGeom prst="rightArrow">
-            <a:avLst/>
-          </a:prstGeom>
-        </p:spPr>
-        <p:style>
-          <a:lnRef idx="2">
-            <a:schemeClr val="accent1">
-              <a:shade val="50000"/>
-            </a:schemeClr>
-          </a:lnRef>
-          <a:fillRef idx="1">
-            <a:schemeClr val="accent1"/>
-          </a:fillRef>
-          <a:effectRef idx="0">
-            <a:schemeClr val="accent1"/>
-          </a:effectRef>
-          <a:fontRef idx="minor">
-            <a:schemeClr val="lt1"/>
-          </a:fontRef>
-        </p:style>
-        <p:txBody>
-          <a:bodyPr rtlCol="0" anchor="ctr"/>
-          <a:lstStyle/>
-          <a:p>
-            <a:pPr algn="ctr"/>
-            <a:endParaRPr lang="pl-PL"/>
-          </a:p>
-        </p:txBody>
-      </p:sp>
-      <p:pic>
-        <p:nvPicPr>
-          <p:cNvPr id="10" name="Obraz 9">
-            <a:extLst>
-              <a:ext uri="{FF2B5EF4-FFF2-40B4-BE49-F238E27FC236}">
-                <a16:creationId xmlns:a16="http://schemas.microsoft.com/office/drawing/2014/main" id="{FFA5803F-746E-E5B4-9560-86A77F41A02C}"/>
+                <a16:creationId xmlns:a16="http://schemas.microsoft.com/office/drawing/2014/main" id="{E2A23F68-5236-8E5E-262C-F9540D74737F}"/>
               </a:ext>
             </a:extLst>
           </p:cNvPr>
@@ -3271,8 +3143,8 @@
         </p:blipFill>
         <p:spPr>
           <a:xfrm>
-            <a:off x="309235" y="1612663"/>
-            <a:ext cx="2381644" cy="1329679"/>
+            <a:off x="7313161" y="621367"/>
+            <a:ext cx="2425002" cy="1268120"/>
           </a:xfrm>
           <a:prstGeom prst="rect">
             <a:avLst/>
@@ -3281,10 +3153,10 @@
       </p:pic>
       <p:sp>
         <p:nvSpPr>
-          <p:cNvPr id="11" name="pole tekstowe 10">
+          <p:cNvPr id="4" name="pole tekstowe 3">
             <a:extLst>
               <a:ext uri="{FF2B5EF4-FFF2-40B4-BE49-F238E27FC236}">
-                <a16:creationId xmlns:a16="http://schemas.microsoft.com/office/drawing/2014/main" id="{A30E853E-3AFF-2023-E771-1402788AD3B9}"/>
+                <a16:creationId xmlns:a16="http://schemas.microsoft.com/office/drawing/2014/main" id="{1423C420-AE15-B051-DC03-E263B661F89D}"/>
               </a:ext>
             </a:extLst>
           </p:cNvPr>
@@ -3293,8 +3165,8 @@
         </p:nvSpPr>
         <p:spPr>
           <a:xfrm>
-            <a:off x="7412675" y="3173776"/>
-            <a:ext cx="1349547" cy="332720"/>
+            <a:off x="7412675" y="121965"/>
+            <a:ext cx="1554272" cy="332720"/>
           </a:xfrm>
           <a:prstGeom prst="rect">
             <a:avLst/>
@@ -3308,18 +3180,19 @@
           <a:lstStyle/>
           <a:p>
             <a:r>
-              <a:rPr lang="pl-PL" dirty="0"/>
-              <a:t>Metamodel</a:t>
-            </a:r>
-          </a:p>
-        </p:txBody>
-      </p:sp>
-      <p:sp>
-        <p:nvSpPr>
-          <p:cNvPr id="12" name="Strzałka: w lewo i w prawo 11">
+              <a:rPr lang="pl-PL" dirty="0" err="1"/>
+              <a:t>Requirements</a:t>
+            </a:r>
+            <a:endParaRPr lang="pl-PL" dirty="0"/>
+          </a:p>
+        </p:txBody>
+      </p:sp>
+      <p:sp>
+        <p:nvSpPr>
+          <p:cNvPr id="5" name="Strzałka: w lewo i w prawo 4">
             <a:extLst>
               <a:ext uri="{FF2B5EF4-FFF2-40B4-BE49-F238E27FC236}">
-                <a16:creationId xmlns:a16="http://schemas.microsoft.com/office/drawing/2014/main" id="{4D064296-B148-8BD6-61BF-84B2B5E075BA}"/>
+                <a16:creationId xmlns:a16="http://schemas.microsoft.com/office/drawing/2014/main" id="{401F9E47-F2D8-1E61-7D86-5877995E0CDD}"/>
               </a:ext>
             </a:extLst>
           </p:cNvPr>
@@ -3327,9 +3200,9 @@
           <p:nvPr/>
         </p:nvSpPr>
         <p:spPr>
-          <a:xfrm rot="5400000">
-            <a:off x="8633780" y="2924190"/>
-            <a:ext cx="714297" cy="413787"/>
+          <a:xfrm>
+            <a:off x="5378276" y="4718651"/>
+            <a:ext cx="795989" cy="421019"/>
           </a:xfrm>
           <a:prstGeom prst="leftRightArrow">
             <a:avLst/>
@@ -3362,6 +3235,169 @@
       </p:sp>
       <p:sp>
         <p:nvSpPr>
+          <p:cNvPr id="6" name="Strzałka: w prawo 5">
+            <a:extLst>
+              <a:ext uri="{FF2B5EF4-FFF2-40B4-BE49-F238E27FC236}">
+                <a16:creationId xmlns:a16="http://schemas.microsoft.com/office/drawing/2014/main" id="{25CE99C2-5CC4-F7E1-DED4-D909A37EE522}"/>
+              </a:ext>
+            </a:extLst>
+          </p:cNvPr>
+          <p:cNvSpPr/>
+          <p:nvPr/>
+        </p:nvSpPr>
+        <p:spPr>
+          <a:xfrm>
+            <a:off x="5582573" y="1255427"/>
+            <a:ext cx="537899" cy="512025"/>
+          </a:xfrm>
+          <a:prstGeom prst="rightArrow">
+            <a:avLst/>
+          </a:prstGeom>
+        </p:spPr>
+        <p:style>
+          <a:lnRef idx="2">
+            <a:schemeClr val="accent1">
+              <a:shade val="50000"/>
+            </a:schemeClr>
+          </a:lnRef>
+          <a:fillRef idx="1">
+            <a:schemeClr val="accent1"/>
+          </a:fillRef>
+          <a:effectRef idx="0">
+            <a:schemeClr val="accent1"/>
+          </a:effectRef>
+          <a:fontRef idx="minor">
+            <a:schemeClr val="lt1"/>
+          </a:fontRef>
+        </p:style>
+        <p:txBody>
+          <a:bodyPr rtlCol="0" anchor="ctr"/>
+          <a:lstStyle/>
+          <a:p>
+            <a:pPr algn="ctr"/>
+            <a:endParaRPr lang="pl-PL"/>
+          </a:p>
+        </p:txBody>
+      </p:sp>
+      <p:pic>
+        <p:nvPicPr>
+          <p:cNvPr id="10" name="Obraz 9">
+            <a:extLst>
+              <a:ext uri="{FF2B5EF4-FFF2-40B4-BE49-F238E27FC236}">
+                <a16:creationId xmlns:a16="http://schemas.microsoft.com/office/drawing/2014/main" id="{FFA5803F-746E-E5B4-9560-86A77F41A02C}"/>
+              </a:ext>
+            </a:extLst>
+          </p:cNvPr>
+          <p:cNvPicPr>
+            <a:picLocks noChangeAspect="1"/>
+          </p:cNvPicPr>
+          <p:nvPr/>
+        </p:nvPicPr>
+        <p:blipFill>
+          <a:blip r:embed="rId7">
+            <a:extLst>
+              <a:ext uri="{28A0092B-C50C-407E-A947-70E740481C1C}">
+                <a14:useLocalDpi xmlns:a14="http://schemas.microsoft.com/office/drawing/2010/main" val="0"/>
+              </a:ext>
+            </a:extLst>
+          </a:blip>
+          <a:stretch>
+            <a:fillRect/>
+          </a:stretch>
+        </p:blipFill>
+        <p:spPr>
+          <a:xfrm>
+            <a:off x="309235" y="1612663"/>
+            <a:ext cx="2381644" cy="1329679"/>
+          </a:xfrm>
+          <a:prstGeom prst="rect">
+            <a:avLst/>
+          </a:prstGeom>
+        </p:spPr>
+      </p:pic>
+      <p:sp>
+        <p:nvSpPr>
+          <p:cNvPr id="11" name="pole tekstowe 10">
+            <a:extLst>
+              <a:ext uri="{FF2B5EF4-FFF2-40B4-BE49-F238E27FC236}">
+                <a16:creationId xmlns:a16="http://schemas.microsoft.com/office/drawing/2014/main" id="{A30E853E-3AFF-2023-E771-1402788AD3B9}"/>
+              </a:ext>
+            </a:extLst>
+          </p:cNvPr>
+          <p:cNvSpPr txBox="1"/>
+          <p:nvPr/>
+        </p:nvSpPr>
+        <p:spPr>
+          <a:xfrm>
+            <a:off x="7412675" y="3173776"/>
+            <a:ext cx="1349547" cy="332720"/>
+          </a:xfrm>
+          <a:prstGeom prst="rect">
+            <a:avLst/>
+          </a:prstGeom>
+          <a:noFill/>
+        </p:spPr>
+        <p:txBody>
+          <a:bodyPr wrap="square" rtlCol="0">
+            <a:spAutoFit/>
+          </a:bodyPr>
+          <a:lstStyle/>
+          <a:p>
+            <a:r>
+              <a:rPr lang="pl-PL" dirty="0"/>
+              <a:t>Metamodel</a:t>
+            </a:r>
+          </a:p>
+        </p:txBody>
+      </p:sp>
+      <p:sp>
+        <p:nvSpPr>
+          <p:cNvPr id="12" name="Strzałka: w lewo i w prawo 11">
+            <a:extLst>
+              <a:ext uri="{FF2B5EF4-FFF2-40B4-BE49-F238E27FC236}">
+                <a16:creationId xmlns:a16="http://schemas.microsoft.com/office/drawing/2014/main" id="{4D064296-B148-8BD6-61BF-84B2B5E075BA}"/>
+              </a:ext>
+            </a:extLst>
+          </p:cNvPr>
+          <p:cNvSpPr/>
+          <p:nvPr/>
+        </p:nvSpPr>
+        <p:spPr>
+          <a:xfrm rot="5400000">
+            <a:off x="8633780" y="2924190"/>
+            <a:ext cx="714297" cy="413787"/>
+          </a:xfrm>
+          <a:prstGeom prst="leftRightArrow">
+            <a:avLst/>
+          </a:prstGeom>
+        </p:spPr>
+        <p:style>
+          <a:lnRef idx="2">
+            <a:schemeClr val="accent1">
+              <a:shade val="50000"/>
+            </a:schemeClr>
+          </a:lnRef>
+          <a:fillRef idx="1">
+            <a:schemeClr val="accent1"/>
+          </a:fillRef>
+          <a:effectRef idx="0">
+            <a:schemeClr val="accent1"/>
+          </a:effectRef>
+          <a:fontRef idx="minor">
+            <a:schemeClr val="lt1"/>
+          </a:fontRef>
+        </p:style>
+        <p:txBody>
+          <a:bodyPr rtlCol="0" anchor="ctr"/>
+          <a:lstStyle/>
+          <a:p>
+            <a:pPr algn="ctr"/>
+            <a:endParaRPr lang="pl-PL"/>
+          </a:p>
+        </p:txBody>
+      </p:sp>
+      <p:sp>
+        <p:nvSpPr>
           <p:cNvPr id="13" name="pole tekstowe 12">
             <a:extLst>
               <a:ext uri="{FF2B5EF4-FFF2-40B4-BE49-F238E27FC236}">
@@ -3410,7 +3446,7 @@
           <p:nvPr/>
         </p:nvPicPr>
         <p:blipFill>
-          <a:blip r:embed="rId7">
+          <a:blip r:embed="rId8">
             <a:extLst>
               <a:ext uri="{28A0092B-C50C-407E-A947-70E740481C1C}">
                 <a14:useLocalDpi xmlns:a14="http://schemas.microsoft.com/office/drawing/2010/main" val="0"/>
@@ -3683,42 +3719,6 @@
           <p:nvPr/>
         </p:nvPicPr>
         <p:blipFill>
-          <a:blip r:embed="rId8">
-            <a:extLst>
-              <a:ext uri="{28A0092B-C50C-407E-A947-70E740481C1C}">
-                <a14:useLocalDpi xmlns:a14="http://schemas.microsoft.com/office/drawing/2010/main" val="0"/>
-              </a:ext>
-            </a:extLst>
-          </a:blip>
-          <a:stretch>
-            <a:fillRect/>
-          </a:stretch>
-        </p:blipFill>
-        <p:spPr>
-          <a:xfrm>
-            <a:off x="2988291" y="2309792"/>
-            <a:ext cx="878222" cy="878222"/>
-          </a:xfrm>
-          <a:prstGeom prst="rect">
-            <a:avLst/>
-          </a:prstGeom>
-        </p:spPr>
-      </p:pic>
-      <p:pic>
-        <p:nvPicPr>
-          <p:cNvPr id="16" name="Obraz 15" descr="Obraz zawierający tekst, zrzut ekranu, Czcionka, numer&#10;&#10;Zawartość wygenerowana przez AI może być niepoprawna.">
-            <a:extLst>
-              <a:ext uri="{FF2B5EF4-FFF2-40B4-BE49-F238E27FC236}">
-                <a16:creationId xmlns:a16="http://schemas.microsoft.com/office/drawing/2014/main" id="{A34FD1DC-EC46-1D44-15C5-80945E2436CE}"/>
-              </a:ext>
-            </a:extLst>
-          </p:cNvPr>
-          <p:cNvPicPr>
-            <a:picLocks noChangeAspect="1"/>
-          </p:cNvPicPr>
-          <p:nvPr/>
-        </p:nvPicPr>
-        <p:blipFill>
           <a:blip r:embed="rId9">
             <a:extLst>
               <a:ext uri="{28A0092B-C50C-407E-A947-70E740481C1C}">
@@ -3732,8 +3732,8 @@
         </p:blipFill>
         <p:spPr>
           <a:xfrm>
-            <a:off x="7220157" y="1536949"/>
-            <a:ext cx="2560103" cy="958251"/>
+            <a:off x="2988291" y="2309792"/>
+            <a:ext cx="878222" cy="878222"/>
           </a:xfrm>
           <a:prstGeom prst="rect">
             <a:avLst/>
@@ -3742,10 +3742,10 @@
       </p:pic>
       <p:pic>
         <p:nvPicPr>
-          <p:cNvPr id="9" name="Obraz 8" descr="Obraz zawierający tekst, zrzut ekranu, Czcionka, Równolegle&#10;&#10;Zawartość wygenerowana przez AI może być niepoprawna.">
+          <p:cNvPr id="16" name="Obraz 15" descr="Obraz zawierający tekst, zrzut ekranu, Czcionka, numer&#10;&#10;Zawartość wygenerowana przez AI może być niepoprawna.">
             <a:extLst>
               <a:ext uri="{FF2B5EF4-FFF2-40B4-BE49-F238E27FC236}">
-                <a16:creationId xmlns:a16="http://schemas.microsoft.com/office/drawing/2014/main" id="{9D09CB3A-6908-54E1-C231-3251496B7EDF}"/>
+                <a16:creationId xmlns:a16="http://schemas.microsoft.com/office/drawing/2014/main" id="{A34FD1DC-EC46-1D44-15C5-80945E2436CE}"/>
               </a:ext>
             </a:extLst>
           </p:cNvPr>
@@ -3768,8 +3768,8 @@
         </p:blipFill>
         <p:spPr>
           <a:xfrm>
-            <a:off x="6423467" y="661290"/>
-            <a:ext cx="2338755" cy="1429016"/>
+            <a:off x="7220157" y="1536949"/>
+            <a:ext cx="2560103" cy="958251"/>
           </a:xfrm>
           <a:prstGeom prst="rect">
             <a:avLst/>
@@ -3778,10 +3778,10 @@
       </p:pic>
       <p:pic>
         <p:nvPicPr>
-          <p:cNvPr id="22" name="Obraz 21" descr="Obraz zawierający tekst, zrzut ekranu, Czcionka, linia&#10;&#10;Zawartość wygenerowana przez AI może być niepoprawna.">
+          <p:cNvPr id="9" name="Obraz 8" descr="Obraz zawierający tekst, zrzut ekranu, Czcionka, Równolegle&#10;&#10;Zawartość wygenerowana przez AI może być niepoprawna.">
             <a:extLst>
               <a:ext uri="{FF2B5EF4-FFF2-40B4-BE49-F238E27FC236}">
-                <a16:creationId xmlns:a16="http://schemas.microsoft.com/office/drawing/2014/main" id="{2DC698F0-3A11-6970-CD60-729FEC7032EA}"/>
+                <a16:creationId xmlns:a16="http://schemas.microsoft.com/office/drawing/2014/main" id="{9D09CB3A-6908-54E1-C231-3251496B7EDF}"/>
               </a:ext>
             </a:extLst>
           </p:cNvPr>
@@ -3804,8 +3804,8 @@
         </p:blipFill>
         <p:spPr>
           <a:xfrm>
-            <a:off x="6520953" y="3608099"/>
-            <a:ext cx="2722349" cy="1321062"/>
+            <a:off x="6423467" y="661290"/>
+            <a:ext cx="2338755" cy="1429016"/>
           </a:xfrm>
           <a:prstGeom prst="rect">
             <a:avLst/>

--- a/src/img/meros-graphical-abstract.pptx
+++ b/src/img/meros-graphical-abstract.pptx
@@ -243,7 +243,7 @@
           <a:p>
             <a:fld id="{758523DB-1EDD-4A73-9803-D008E5CAF974}" type="datetimeFigureOut">
               <a:rPr lang="pl-PL" smtClean="0"/>
-              <a:t>21.07.2025</a:t>
+              <a:t>22.07.2025</a:t>
             </a:fld>
             <a:endParaRPr lang="pl-PL"/>
           </a:p>
@@ -413,7 +413,7 @@
           <a:p>
             <a:fld id="{758523DB-1EDD-4A73-9803-D008E5CAF974}" type="datetimeFigureOut">
               <a:rPr lang="pl-PL" smtClean="0"/>
-              <a:t>21.07.2025</a:t>
+              <a:t>22.07.2025</a:t>
             </a:fld>
             <a:endParaRPr lang="pl-PL"/>
           </a:p>
@@ -593,7 +593,7 @@
           <a:p>
             <a:fld id="{758523DB-1EDD-4A73-9803-D008E5CAF974}" type="datetimeFigureOut">
               <a:rPr lang="pl-PL" smtClean="0"/>
-              <a:t>21.07.2025</a:t>
+              <a:t>22.07.2025</a:t>
             </a:fld>
             <a:endParaRPr lang="pl-PL"/>
           </a:p>
@@ -763,7 +763,7 @@
           <a:p>
             <a:fld id="{758523DB-1EDD-4A73-9803-D008E5CAF974}" type="datetimeFigureOut">
               <a:rPr lang="pl-PL" smtClean="0"/>
-              <a:t>21.07.2025</a:t>
+              <a:t>22.07.2025</a:t>
             </a:fld>
             <a:endParaRPr lang="pl-PL"/>
           </a:p>
@@ -1007,7 +1007,7 @@
           <a:p>
             <a:fld id="{758523DB-1EDD-4A73-9803-D008E5CAF974}" type="datetimeFigureOut">
               <a:rPr lang="pl-PL" smtClean="0"/>
-              <a:t>21.07.2025</a:t>
+              <a:t>22.07.2025</a:t>
             </a:fld>
             <a:endParaRPr lang="pl-PL"/>
           </a:p>
@@ -1239,7 +1239,7 @@
           <a:p>
             <a:fld id="{758523DB-1EDD-4A73-9803-D008E5CAF974}" type="datetimeFigureOut">
               <a:rPr lang="pl-PL" smtClean="0"/>
-              <a:t>21.07.2025</a:t>
+              <a:t>22.07.2025</a:t>
             </a:fld>
             <a:endParaRPr lang="pl-PL"/>
           </a:p>
@@ -1606,7 +1606,7 @@
           <a:p>
             <a:fld id="{758523DB-1EDD-4A73-9803-D008E5CAF974}" type="datetimeFigureOut">
               <a:rPr lang="pl-PL" smtClean="0"/>
-              <a:t>21.07.2025</a:t>
+              <a:t>22.07.2025</a:t>
             </a:fld>
             <a:endParaRPr lang="pl-PL"/>
           </a:p>
@@ -1724,7 +1724,7 @@
           <a:p>
             <a:fld id="{758523DB-1EDD-4A73-9803-D008E5CAF974}" type="datetimeFigureOut">
               <a:rPr lang="pl-PL" smtClean="0"/>
-              <a:t>21.07.2025</a:t>
+              <a:t>22.07.2025</a:t>
             </a:fld>
             <a:endParaRPr lang="pl-PL"/>
           </a:p>
@@ -1819,7 +1819,7 @@
           <a:p>
             <a:fld id="{758523DB-1EDD-4A73-9803-D008E5CAF974}" type="datetimeFigureOut">
               <a:rPr lang="pl-PL" smtClean="0"/>
-              <a:t>21.07.2025</a:t>
+              <a:t>22.07.2025</a:t>
             </a:fld>
             <a:endParaRPr lang="pl-PL"/>
           </a:p>
@@ -2096,7 +2096,7 @@
           <a:p>
             <a:fld id="{758523DB-1EDD-4A73-9803-D008E5CAF974}" type="datetimeFigureOut">
               <a:rPr lang="pl-PL" smtClean="0"/>
-              <a:t>21.07.2025</a:t>
+              <a:t>22.07.2025</a:t>
             </a:fld>
             <a:endParaRPr lang="pl-PL"/>
           </a:p>
@@ -2353,7 +2353,7 @@
           <a:p>
             <a:fld id="{758523DB-1EDD-4A73-9803-D008E5CAF974}" type="datetimeFigureOut">
               <a:rPr lang="pl-PL" smtClean="0"/>
-              <a:t>21.07.2025</a:t>
+              <a:t>22.07.2025</a:t>
             </a:fld>
             <a:endParaRPr lang="pl-PL"/>
           </a:p>
@@ -2566,7 +2566,7 @@
           <a:p>
             <a:fld id="{758523DB-1EDD-4A73-9803-D008E5CAF974}" type="datetimeFigureOut">
               <a:rPr lang="pl-PL" smtClean="0"/>
-              <a:t>21.07.2025</a:t>
+              <a:t>22.07.2025</a:t>
             </a:fld>
             <a:endParaRPr lang="pl-PL"/>
           </a:p>
@@ -2999,7 +2999,7 @@
         </p:blipFill>
         <p:spPr>
           <a:xfrm>
-            <a:off x="6520953" y="5028722"/>
+            <a:off x="6086140" y="5236470"/>
             <a:ext cx="2263082" cy="1036992"/>
           </a:xfrm>
           <a:prstGeom prst="rect">
@@ -3035,7 +3035,7 @@
         </p:blipFill>
         <p:spPr>
           <a:xfrm>
-            <a:off x="7067540" y="4385167"/>
+            <a:off x="7137897" y="4595565"/>
             <a:ext cx="2720406" cy="1780108"/>
           </a:xfrm>
           <a:prstGeom prst="rect">
@@ -3045,10 +3045,10 @@
       </p:pic>
       <p:pic>
         <p:nvPicPr>
-          <p:cNvPr id="15" name="Obraz 14" descr="Obraz zawierający tekst, zrzut ekranu, Czcionka, numer&#10;&#10;Zawartość wygenerowana przez AI może być niepoprawna.">
+          <p:cNvPr id="18" name="Obraz 17" descr="Obraz zawierający tekst, zrzut ekranu, Czcionka, linia&#10;&#10;Zawartość wygenerowana przez AI może być niepoprawna.">
             <a:extLst>
               <a:ext uri="{FF2B5EF4-FFF2-40B4-BE49-F238E27FC236}">
-                <a16:creationId xmlns:a16="http://schemas.microsoft.com/office/drawing/2014/main" id="{0CDE79FB-E3A0-DDD4-9E3C-442E5A2C7073}"/>
+                <a16:creationId xmlns:a16="http://schemas.microsoft.com/office/drawing/2014/main" id="{F607F429-8B25-4379-03E5-0EBFF2266107}"/>
               </a:ext>
             </a:extLst>
           </p:cNvPr>
@@ -3071,8 +3071,8 @@
         </p:blipFill>
         <p:spPr>
           <a:xfrm>
-            <a:off x="6459310" y="3506496"/>
-            <a:ext cx="3256275" cy="1654165"/>
+            <a:off x="828820" y="4920162"/>
+            <a:ext cx="3604443" cy="1248466"/>
           </a:xfrm>
           <a:prstGeom prst="rect">
             <a:avLst/>
@@ -3081,10 +3081,10 @@
       </p:pic>
       <p:pic>
         <p:nvPicPr>
-          <p:cNvPr id="18" name="Obraz 17" descr="Obraz zawierający tekst, zrzut ekranu, Czcionka, linia&#10;&#10;Zawartość wygenerowana przez AI może być niepoprawna.">
+          <p:cNvPr id="20" name="Obraz 19" descr="Obraz zawierający tekst, zrzut ekranu, wyświetlacz, Czcionka&#10;&#10;Zawartość wygenerowana przez AI może być niepoprawna.">
             <a:extLst>
               <a:ext uri="{FF2B5EF4-FFF2-40B4-BE49-F238E27FC236}">
-                <a16:creationId xmlns:a16="http://schemas.microsoft.com/office/drawing/2014/main" id="{F607F429-8B25-4379-03E5-0EBFF2266107}"/>
+                <a16:creationId xmlns:a16="http://schemas.microsoft.com/office/drawing/2014/main" id="{E2A23F68-5236-8E5E-262C-F9540D74737F}"/>
               </a:ext>
             </a:extLst>
           </p:cNvPr>
@@ -3107,20 +3107,148 @@
         </p:blipFill>
         <p:spPr>
           <a:xfrm>
-            <a:off x="828820" y="4920162"/>
-            <a:ext cx="3604443" cy="1248466"/>
+            <a:off x="7313161" y="621367"/>
+            <a:ext cx="2425002" cy="1268120"/>
           </a:xfrm>
           <a:prstGeom prst="rect">
             <a:avLst/>
           </a:prstGeom>
         </p:spPr>
       </p:pic>
+      <p:sp>
+        <p:nvSpPr>
+          <p:cNvPr id="4" name="pole tekstowe 3">
+            <a:extLst>
+              <a:ext uri="{FF2B5EF4-FFF2-40B4-BE49-F238E27FC236}">
+                <a16:creationId xmlns:a16="http://schemas.microsoft.com/office/drawing/2014/main" id="{1423C420-AE15-B051-DC03-E263B661F89D}"/>
+              </a:ext>
+            </a:extLst>
+          </p:cNvPr>
+          <p:cNvSpPr txBox="1"/>
+          <p:nvPr/>
+        </p:nvSpPr>
+        <p:spPr>
+          <a:xfrm>
+            <a:off x="7412675" y="121965"/>
+            <a:ext cx="1554272" cy="332720"/>
+          </a:xfrm>
+          <a:prstGeom prst="rect">
+            <a:avLst/>
+          </a:prstGeom>
+          <a:noFill/>
+        </p:spPr>
+        <p:txBody>
+          <a:bodyPr wrap="square" rtlCol="0">
+            <a:spAutoFit/>
+          </a:bodyPr>
+          <a:lstStyle/>
+          <a:p>
+            <a:r>
+              <a:rPr lang="pl-PL" dirty="0" err="1"/>
+              <a:t>Requirements</a:t>
+            </a:r>
+            <a:endParaRPr lang="pl-PL" dirty="0"/>
+          </a:p>
+        </p:txBody>
+      </p:sp>
+      <p:sp>
+        <p:nvSpPr>
+          <p:cNvPr id="5" name="Strzałka: w lewo i w prawo 4">
+            <a:extLst>
+              <a:ext uri="{FF2B5EF4-FFF2-40B4-BE49-F238E27FC236}">
+                <a16:creationId xmlns:a16="http://schemas.microsoft.com/office/drawing/2014/main" id="{401F9E47-F2D8-1E61-7D86-5877995E0CDD}"/>
+              </a:ext>
+            </a:extLst>
+          </p:cNvPr>
+          <p:cNvSpPr/>
+          <p:nvPr/>
+        </p:nvSpPr>
+        <p:spPr>
+          <a:xfrm>
+            <a:off x="5216377" y="4693997"/>
+            <a:ext cx="795989" cy="421019"/>
+          </a:xfrm>
+          <a:prstGeom prst="leftRightArrow">
+            <a:avLst/>
+          </a:prstGeom>
+        </p:spPr>
+        <p:style>
+          <a:lnRef idx="2">
+            <a:schemeClr val="accent1">
+              <a:shade val="50000"/>
+            </a:schemeClr>
+          </a:lnRef>
+          <a:fillRef idx="1">
+            <a:schemeClr val="accent1"/>
+          </a:fillRef>
+          <a:effectRef idx="0">
+            <a:schemeClr val="accent1"/>
+          </a:effectRef>
+          <a:fontRef idx="minor">
+            <a:schemeClr val="lt1"/>
+          </a:fontRef>
+        </p:style>
+        <p:txBody>
+          <a:bodyPr rtlCol="0" anchor="ctr"/>
+          <a:lstStyle/>
+          <a:p>
+            <a:pPr algn="ctr"/>
+            <a:endParaRPr lang="pl-PL"/>
+          </a:p>
+        </p:txBody>
+      </p:sp>
+      <p:sp>
+        <p:nvSpPr>
+          <p:cNvPr id="6" name="Strzałka: w prawo 5">
+            <a:extLst>
+              <a:ext uri="{FF2B5EF4-FFF2-40B4-BE49-F238E27FC236}">
+                <a16:creationId xmlns:a16="http://schemas.microsoft.com/office/drawing/2014/main" id="{25CE99C2-5CC4-F7E1-DED4-D909A37EE522}"/>
+              </a:ext>
+            </a:extLst>
+          </p:cNvPr>
+          <p:cNvSpPr/>
+          <p:nvPr/>
+        </p:nvSpPr>
+        <p:spPr>
+          <a:xfrm>
+            <a:off x="5582573" y="1255427"/>
+            <a:ext cx="537899" cy="512025"/>
+          </a:xfrm>
+          <a:prstGeom prst="rightArrow">
+            <a:avLst/>
+          </a:prstGeom>
+        </p:spPr>
+        <p:style>
+          <a:lnRef idx="2">
+            <a:schemeClr val="accent1">
+              <a:shade val="50000"/>
+            </a:schemeClr>
+          </a:lnRef>
+          <a:fillRef idx="1">
+            <a:schemeClr val="accent1"/>
+          </a:fillRef>
+          <a:effectRef idx="0">
+            <a:schemeClr val="accent1"/>
+          </a:effectRef>
+          <a:fontRef idx="minor">
+            <a:schemeClr val="lt1"/>
+          </a:fontRef>
+        </p:style>
+        <p:txBody>
+          <a:bodyPr rtlCol="0" anchor="ctr"/>
+          <a:lstStyle/>
+          <a:p>
+            <a:pPr algn="ctr"/>
+            <a:endParaRPr lang="pl-PL"/>
+          </a:p>
+        </p:txBody>
+      </p:sp>
       <p:pic>
         <p:nvPicPr>
-          <p:cNvPr id="20" name="Obraz 19" descr="Obraz zawierający tekst, zrzut ekranu, wyświetlacz, Czcionka&#10;&#10;Zawartość wygenerowana przez AI może być niepoprawna.">
+          <p:cNvPr id="10" name="Obraz 9">
             <a:extLst>
               <a:ext uri="{FF2B5EF4-FFF2-40B4-BE49-F238E27FC236}">
-                <a16:creationId xmlns:a16="http://schemas.microsoft.com/office/drawing/2014/main" id="{E2A23F68-5236-8E5E-262C-F9540D74737F}"/>
+                <a16:creationId xmlns:a16="http://schemas.microsoft.com/office/drawing/2014/main" id="{FFA5803F-746E-E5B4-9560-86A77F41A02C}"/>
               </a:ext>
             </a:extLst>
           </p:cNvPr>
@@ -3143,8 +3271,8 @@
         </p:blipFill>
         <p:spPr>
           <a:xfrm>
-            <a:off x="7313161" y="621367"/>
-            <a:ext cx="2425002" cy="1268120"/>
+            <a:off x="309235" y="1612663"/>
+            <a:ext cx="2381644" cy="1329679"/>
           </a:xfrm>
           <a:prstGeom prst="rect">
             <a:avLst/>
@@ -3153,10 +3281,10 @@
       </p:pic>
       <p:sp>
         <p:nvSpPr>
-          <p:cNvPr id="4" name="pole tekstowe 3">
+          <p:cNvPr id="11" name="pole tekstowe 10">
             <a:extLst>
               <a:ext uri="{FF2B5EF4-FFF2-40B4-BE49-F238E27FC236}">
-                <a16:creationId xmlns:a16="http://schemas.microsoft.com/office/drawing/2014/main" id="{1423C420-AE15-B051-DC03-E263B661F89D}"/>
+                <a16:creationId xmlns:a16="http://schemas.microsoft.com/office/drawing/2014/main" id="{A30E853E-3AFF-2023-E771-1402788AD3B9}"/>
               </a:ext>
             </a:extLst>
           </p:cNvPr>
@@ -3165,8 +3293,8 @@
         </p:nvSpPr>
         <p:spPr>
           <a:xfrm>
-            <a:off x="7412675" y="121965"/>
-            <a:ext cx="1554272" cy="332720"/>
+            <a:off x="7412675" y="3173776"/>
+            <a:ext cx="1349547" cy="332720"/>
           </a:xfrm>
           <a:prstGeom prst="rect">
             <a:avLst/>
@@ -3180,19 +3308,18 @@
           <a:lstStyle/>
           <a:p>
             <a:r>
-              <a:rPr lang="pl-PL" dirty="0" err="1"/>
-              <a:t>Requirements</a:t>
-            </a:r>
-            <a:endParaRPr lang="pl-PL" dirty="0"/>
-          </a:p>
-        </p:txBody>
-      </p:sp>
-      <p:sp>
-        <p:nvSpPr>
-          <p:cNvPr id="5" name="Strzałka: w lewo i w prawo 4">
+              <a:rPr lang="pl-PL" dirty="0"/>
+              <a:t>Metamodel</a:t>
+            </a:r>
+          </a:p>
+        </p:txBody>
+      </p:sp>
+      <p:sp>
+        <p:nvSpPr>
+          <p:cNvPr id="12" name="Strzałka: w lewo i w prawo 11">
             <a:extLst>
               <a:ext uri="{FF2B5EF4-FFF2-40B4-BE49-F238E27FC236}">
-                <a16:creationId xmlns:a16="http://schemas.microsoft.com/office/drawing/2014/main" id="{401F9E47-F2D8-1E61-7D86-5877995E0CDD}"/>
+                <a16:creationId xmlns:a16="http://schemas.microsoft.com/office/drawing/2014/main" id="{4D064296-B148-8BD6-61BF-84B2B5E075BA}"/>
               </a:ext>
             </a:extLst>
           </p:cNvPr>
@@ -3200,9 +3327,9 @@
           <p:nvPr/>
         </p:nvSpPr>
         <p:spPr>
-          <a:xfrm>
-            <a:off x="5378276" y="4718651"/>
-            <a:ext cx="795989" cy="421019"/>
+          <a:xfrm rot="5400000">
+            <a:off x="8633780" y="2924190"/>
+            <a:ext cx="714297" cy="413787"/>
           </a:xfrm>
           <a:prstGeom prst="leftRightArrow">
             <a:avLst/>
@@ -3235,169 +3362,6 @@
       </p:sp>
       <p:sp>
         <p:nvSpPr>
-          <p:cNvPr id="6" name="Strzałka: w prawo 5">
-            <a:extLst>
-              <a:ext uri="{FF2B5EF4-FFF2-40B4-BE49-F238E27FC236}">
-                <a16:creationId xmlns:a16="http://schemas.microsoft.com/office/drawing/2014/main" id="{25CE99C2-5CC4-F7E1-DED4-D909A37EE522}"/>
-              </a:ext>
-            </a:extLst>
-          </p:cNvPr>
-          <p:cNvSpPr/>
-          <p:nvPr/>
-        </p:nvSpPr>
-        <p:spPr>
-          <a:xfrm>
-            <a:off x="5582573" y="1255427"/>
-            <a:ext cx="537899" cy="512025"/>
-          </a:xfrm>
-          <a:prstGeom prst="rightArrow">
-            <a:avLst/>
-          </a:prstGeom>
-        </p:spPr>
-        <p:style>
-          <a:lnRef idx="2">
-            <a:schemeClr val="accent1">
-              <a:shade val="50000"/>
-            </a:schemeClr>
-          </a:lnRef>
-          <a:fillRef idx="1">
-            <a:schemeClr val="accent1"/>
-          </a:fillRef>
-          <a:effectRef idx="0">
-            <a:schemeClr val="accent1"/>
-          </a:effectRef>
-          <a:fontRef idx="minor">
-            <a:schemeClr val="lt1"/>
-          </a:fontRef>
-        </p:style>
-        <p:txBody>
-          <a:bodyPr rtlCol="0" anchor="ctr"/>
-          <a:lstStyle/>
-          <a:p>
-            <a:pPr algn="ctr"/>
-            <a:endParaRPr lang="pl-PL"/>
-          </a:p>
-        </p:txBody>
-      </p:sp>
-      <p:pic>
-        <p:nvPicPr>
-          <p:cNvPr id="10" name="Obraz 9">
-            <a:extLst>
-              <a:ext uri="{FF2B5EF4-FFF2-40B4-BE49-F238E27FC236}">
-                <a16:creationId xmlns:a16="http://schemas.microsoft.com/office/drawing/2014/main" id="{FFA5803F-746E-E5B4-9560-86A77F41A02C}"/>
-              </a:ext>
-            </a:extLst>
-          </p:cNvPr>
-          <p:cNvPicPr>
-            <a:picLocks noChangeAspect="1"/>
-          </p:cNvPicPr>
-          <p:nvPr/>
-        </p:nvPicPr>
-        <p:blipFill>
-          <a:blip r:embed="rId7">
-            <a:extLst>
-              <a:ext uri="{28A0092B-C50C-407E-A947-70E740481C1C}">
-                <a14:useLocalDpi xmlns:a14="http://schemas.microsoft.com/office/drawing/2010/main" val="0"/>
-              </a:ext>
-            </a:extLst>
-          </a:blip>
-          <a:stretch>
-            <a:fillRect/>
-          </a:stretch>
-        </p:blipFill>
-        <p:spPr>
-          <a:xfrm>
-            <a:off x="309235" y="1612663"/>
-            <a:ext cx="2381644" cy="1329679"/>
-          </a:xfrm>
-          <a:prstGeom prst="rect">
-            <a:avLst/>
-          </a:prstGeom>
-        </p:spPr>
-      </p:pic>
-      <p:sp>
-        <p:nvSpPr>
-          <p:cNvPr id="11" name="pole tekstowe 10">
-            <a:extLst>
-              <a:ext uri="{FF2B5EF4-FFF2-40B4-BE49-F238E27FC236}">
-                <a16:creationId xmlns:a16="http://schemas.microsoft.com/office/drawing/2014/main" id="{A30E853E-3AFF-2023-E771-1402788AD3B9}"/>
-              </a:ext>
-            </a:extLst>
-          </p:cNvPr>
-          <p:cNvSpPr txBox="1"/>
-          <p:nvPr/>
-        </p:nvSpPr>
-        <p:spPr>
-          <a:xfrm>
-            <a:off x="7412675" y="3173776"/>
-            <a:ext cx="1349547" cy="332720"/>
-          </a:xfrm>
-          <a:prstGeom prst="rect">
-            <a:avLst/>
-          </a:prstGeom>
-          <a:noFill/>
-        </p:spPr>
-        <p:txBody>
-          <a:bodyPr wrap="square" rtlCol="0">
-            <a:spAutoFit/>
-          </a:bodyPr>
-          <a:lstStyle/>
-          <a:p>
-            <a:r>
-              <a:rPr lang="pl-PL" dirty="0"/>
-              <a:t>Metamodel</a:t>
-            </a:r>
-          </a:p>
-        </p:txBody>
-      </p:sp>
-      <p:sp>
-        <p:nvSpPr>
-          <p:cNvPr id="12" name="Strzałka: w lewo i w prawo 11">
-            <a:extLst>
-              <a:ext uri="{FF2B5EF4-FFF2-40B4-BE49-F238E27FC236}">
-                <a16:creationId xmlns:a16="http://schemas.microsoft.com/office/drawing/2014/main" id="{4D064296-B148-8BD6-61BF-84B2B5E075BA}"/>
-              </a:ext>
-            </a:extLst>
-          </p:cNvPr>
-          <p:cNvSpPr/>
-          <p:nvPr/>
-        </p:nvSpPr>
-        <p:spPr>
-          <a:xfrm rot="5400000">
-            <a:off x="8633780" y="2924190"/>
-            <a:ext cx="714297" cy="413787"/>
-          </a:xfrm>
-          <a:prstGeom prst="leftRightArrow">
-            <a:avLst/>
-          </a:prstGeom>
-        </p:spPr>
-        <p:style>
-          <a:lnRef idx="2">
-            <a:schemeClr val="accent1">
-              <a:shade val="50000"/>
-            </a:schemeClr>
-          </a:lnRef>
-          <a:fillRef idx="1">
-            <a:schemeClr val="accent1"/>
-          </a:fillRef>
-          <a:effectRef idx="0">
-            <a:schemeClr val="accent1"/>
-          </a:effectRef>
-          <a:fontRef idx="minor">
-            <a:schemeClr val="lt1"/>
-          </a:fontRef>
-        </p:style>
-        <p:txBody>
-          <a:bodyPr rtlCol="0" anchor="ctr"/>
-          <a:lstStyle/>
-          <a:p>
-            <a:pPr algn="ctr"/>
-            <a:endParaRPr lang="pl-PL"/>
-          </a:p>
-        </p:txBody>
-      </p:sp>
-      <p:sp>
-        <p:nvSpPr>
           <p:cNvPr id="13" name="pole tekstowe 12">
             <a:extLst>
               <a:ext uri="{FF2B5EF4-FFF2-40B4-BE49-F238E27FC236}">
@@ -3446,7 +3410,7 @@
           <p:nvPr/>
         </p:nvPicPr>
         <p:blipFill>
-          <a:blip r:embed="rId8">
+          <a:blip r:embed="rId7">
             <a:extLst>
               <a:ext uri="{28A0092B-C50C-407E-A947-70E740481C1C}">
                 <a14:useLocalDpi xmlns:a14="http://schemas.microsoft.com/office/drawing/2010/main" val="0"/>
@@ -3719,6 +3683,42 @@
           <p:nvPr/>
         </p:nvPicPr>
         <p:blipFill>
+          <a:blip r:embed="rId8">
+            <a:extLst>
+              <a:ext uri="{28A0092B-C50C-407E-A947-70E740481C1C}">
+                <a14:useLocalDpi xmlns:a14="http://schemas.microsoft.com/office/drawing/2010/main" val="0"/>
+              </a:ext>
+            </a:extLst>
+          </a:blip>
+          <a:stretch>
+            <a:fillRect/>
+          </a:stretch>
+        </p:blipFill>
+        <p:spPr>
+          <a:xfrm>
+            <a:off x="2988291" y="2309792"/>
+            <a:ext cx="878222" cy="878222"/>
+          </a:xfrm>
+          <a:prstGeom prst="rect">
+            <a:avLst/>
+          </a:prstGeom>
+        </p:spPr>
+      </p:pic>
+      <p:pic>
+        <p:nvPicPr>
+          <p:cNvPr id="16" name="Obraz 15" descr="Obraz zawierający tekst, zrzut ekranu, Czcionka, numer&#10;&#10;Zawartość wygenerowana przez AI może być niepoprawna.">
+            <a:extLst>
+              <a:ext uri="{FF2B5EF4-FFF2-40B4-BE49-F238E27FC236}">
+                <a16:creationId xmlns:a16="http://schemas.microsoft.com/office/drawing/2014/main" id="{A34FD1DC-EC46-1D44-15C5-80945E2436CE}"/>
+              </a:ext>
+            </a:extLst>
+          </p:cNvPr>
+          <p:cNvPicPr>
+            <a:picLocks noChangeAspect="1"/>
+          </p:cNvPicPr>
+          <p:nvPr/>
+        </p:nvPicPr>
+        <p:blipFill>
           <a:blip r:embed="rId9">
             <a:extLst>
               <a:ext uri="{28A0092B-C50C-407E-A947-70E740481C1C}">
@@ -3732,8 +3732,8 @@
         </p:blipFill>
         <p:spPr>
           <a:xfrm>
-            <a:off x="2988291" y="2309792"/>
-            <a:ext cx="878222" cy="878222"/>
+            <a:off x="7220157" y="1536949"/>
+            <a:ext cx="2560103" cy="958251"/>
           </a:xfrm>
           <a:prstGeom prst="rect">
             <a:avLst/>
@@ -3742,10 +3742,10 @@
       </p:pic>
       <p:pic>
         <p:nvPicPr>
-          <p:cNvPr id="16" name="Obraz 15" descr="Obraz zawierający tekst, zrzut ekranu, Czcionka, numer&#10;&#10;Zawartość wygenerowana przez AI może być niepoprawna.">
+          <p:cNvPr id="9" name="Obraz 8" descr="Obraz zawierający tekst, zrzut ekranu, Czcionka, Równolegle&#10;&#10;Zawartość wygenerowana przez AI może być niepoprawna.">
             <a:extLst>
               <a:ext uri="{FF2B5EF4-FFF2-40B4-BE49-F238E27FC236}">
-                <a16:creationId xmlns:a16="http://schemas.microsoft.com/office/drawing/2014/main" id="{A34FD1DC-EC46-1D44-15C5-80945E2436CE}"/>
+                <a16:creationId xmlns:a16="http://schemas.microsoft.com/office/drawing/2014/main" id="{9D09CB3A-6908-54E1-C231-3251496B7EDF}"/>
               </a:ext>
             </a:extLst>
           </p:cNvPr>
@@ -3768,20 +3768,115 @@
         </p:blipFill>
         <p:spPr>
           <a:xfrm>
-            <a:off x="7220157" y="1536949"/>
-            <a:ext cx="2560103" cy="958251"/>
+            <a:off x="6423467" y="661290"/>
+            <a:ext cx="2338755" cy="1429016"/>
           </a:xfrm>
           <a:prstGeom prst="rect">
             <a:avLst/>
           </a:prstGeom>
         </p:spPr>
       </p:pic>
+      <p:sp>
+        <p:nvSpPr>
+          <p:cNvPr id="14" name="pole tekstowe 13">
+            <a:extLst>
+              <a:ext uri="{FF2B5EF4-FFF2-40B4-BE49-F238E27FC236}">
+                <a16:creationId xmlns:a16="http://schemas.microsoft.com/office/drawing/2014/main" id="{60CCD33A-B796-DE81-D471-9B381C465410}"/>
+              </a:ext>
+            </a:extLst>
+          </p:cNvPr>
+          <p:cNvSpPr txBox="1"/>
+          <p:nvPr/>
+        </p:nvSpPr>
+        <p:spPr>
+          <a:xfrm>
+            <a:off x="3774048" y="2060379"/>
+            <a:ext cx="3536941" cy="1815753"/>
+          </a:xfrm>
+          <a:prstGeom prst="rect">
+            <a:avLst/>
+          </a:prstGeom>
+          <a:noFill/>
+        </p:spPr>
+        <p:txBody>
+          <a:bodyPr wrap="square" rtlCol="0">
+            <a:spAutoFit/>
+          </a:bodyPr>
+          <a:lstStyle/>
+          <a:p>
+            <a:pPr algn="ctr"/>
+            <a:r>
+              <a:rPr lang="pl-PL" sz="7999" dirty="0" err="1">
+                <a:solidFill>
+                  <a:srgbClr val="0070C0"/>
+                </a:solidFill>
+              </a:rPr>
+              <a:t>Me</a:t>
+            </a:r>
+            <a:r>
+              <a:rPr lang="pl-PL" sz="7999" dirty="0" err="1">
+                <a:solidFill>
+                  <a:srgbClr val="00B050"/>
+                </a:solidFill>
+              </a:rPr>
+              <a:t>ROS</a:t>
+            </a:r>
+            <a:br>
+              <a:rPr lang="pl-PL" sz="7999" dirty="0">
+                <a:solidFill>
+                  <a:srgbClr val="00B050"/>
+                </a:solidFill>
+              </a:rPr>
+            </a:br>
+            <a:r>
+              <a:rPr lang="en-US" sz="1600" b="1" i="1" dirty="0">
+                <a:solidFill>
+                  <a:srgbClr val="0070C0"/>
+                </a:solidFill>
+              </a:rPr>
+              <a:t>Me</a:t>
+            </a:r>
+            <a:r>
+              <a:rPr lang="en-US" sz="1600" b="1" i="1" dirty="0"/>
+              <a:t>tamodel for </a:t>
+            </a:r>
+            <a:r>
+              <a:rPr lang="en-US" sz="1600" b="1" i="1" dirty="0">
+                <a:solidFill>
+                  <a:srgbClr val="00B050"/>
+                </a:solidFill>
+              </a:rPr>
+              <a:t>ROS</a:t>
+            </a:r>
+            <a:r>
+              <a:rPr lang="pl-PL" sz="1600" b="1" i="1" dirty="0"/>
+              <a:t>-</a:t>
+            </a:r>
+            <a:r>
+              <a:rPr lang="pl-PL" sz="1600" b="1" i="1" dirty="0" err="1"/>
+              <a:t>related</a:t>
+            </a:r>
+            <a:r>
+              <a:rPr lang="en-US" sz="1600" b="1" i="1" dirty="0"/>
+              <a:t> Systems</a:t>
+            </a:r>
+            <a:endParaRPr lang="pl-PL" sz="1600" b="1" i="1" dirty="0"/>
+          </a:p>
+          <a:p>
+            <a:pPr algn="ctr"/>
+            <a:r>
+              <a:rPr lang="pl-PL" sz="1600" b="1" dirty="0"/>
+              <a:t>https://github.com/twiniars/MeROS</a:t>
+            </a:r>
+          </a:p>
+        </p:txBody>
+      </p:sp>
       <p:pic>
         <p:nvPicPr>
-          <p:cNvPr id="9" name="Obraz 8" descr="Obraz zawierający tekst, zrzut ekranu, Czcionka, Równolegle&#10;&#10;Zawartość wygenerowana przez AI może być niepoprawna.">
+          <p:cNvPr id="34" name="Obraz 33" descr="Obraz zawierający tekst, zrzut ekranu, Czcionka, linia&#10;&#10;Zawartość wygenerowana przez AI może być niepoprawna.">
             <a:extLst>
               <a:ext uri="{FF2B5EF4-FFF2-40B4-BE49-F238E27FC236}">
-                <a16:creationId xmlns:a16="http://schemas.microsoft.com/office/drawing/2014/main" id="{9D09CB3A-6908-54E1-C231-3251496B7EDF}"/>
+                <a16:creationId xmlns:a16="http://schemas.microsoft.com/office/drawing/2014/main" id="{0ED64B37-775D-7D50-9377-E0712A687009}"/>
               </a:ext>
             </a:extLst>
           </p:cNvPr>
@@ -3804,115 +3899,20 @@
         </p:blipFill>
         <p:spPr>
           <a:xfrm>
-            <a:off x="6423467" y="661290"/>
-            <a:ext cx="2338755" cy="1429016"/>
+            <a:off x="2226100" y="3965319"/>
+            <a:ext cx="2734509" cy="1429773"/>
           </a:xfrm>
           <a:prstGeom prst="rect">
             <a:avLst/>
           </a:prstGeom>
         </p:spPr>
       </p:pic>
-      <p:sp>
-        <p:nvSpPr>
-          <p:cNvPr id="14" name="pole tekstowe 13">
+      <p:pic>
+        <p:nvPicPr>
+          <p:cNvPr id="17" name="Obraz 16" descr="Obraz zawierający tekst, zrzut ekranu, diagram, Czcionka&#10;&#10;Zawartość wygenerowana przez AI może być niepoprawna.">
             <a:extLst>
               <a:ext uri="{FF2B5EF4-FFF2-40B4-BE49-F238E27FC236}">
-                <a16:creationId xmlns:a16="http://schemas.microsoft.com/office/drawing/2014/main" id="{60CCD33A-B796-DE81-D471-9B381C465410}"/>
-              </a:ext>
-            </a:extLst>
-          </p:cNvPr>
-          <p:cNvSpPr txBox="1"/>
-          <p:nvPr/>
-        </p:nvSpPr>
-        <p:spPr>
-          <a:xfrm>
-            <a:off x="3774048" y="2060379"/>
-            <a:ext cx="3536941" cy="1815753"/>
-          </a:xfrm>
-          <a:prstGeom prst="rect">
-            <a:avLst/>
-          </a:prstGeom>
-          <a:noFill/>
-        </p:spPr>
-        <p:txBody>
-          <a:bodyPr wrap="square" rtlCol="0">
-            <a:spAutoFit/>
-          </a:bodyPr>
-          <a:lstStyle/>
-          <a:p>
-            <a:pPr algn="ctr"/>
-            <a:r>
-              <a:rPr lang="pl-PL" sz="7999" dirty="0" err="1">
-                <a:solidFill>
-                  <a:srgbClr val="0070C0"/>
-                </a:solidFill>
-              </a:rPr>
-              <a:t>Me</a:t>
-            </a:r>
-            <a:r>
-              <a:rPr lang="pl-PL" sz="7999" dirty="0" err="1">
-                <a:solidFill>
-                  <a:srgbClr val="00B050"/>
-                </a:solidFill>
-              </a:rPr>
-              <a:t>ROS</a:t>
-            </a:r>
-            <a:br>
-              <a:rPr lang="pl-PL" sz="7999" dirty="0">
-                <a:solidFill>
-                  <a:srgbClr val="00B050"/>
-                </a:solidFill>
-              </a:rPr>
-            </a:br>
-            <a:r>
-              <a:rPr lang="en-US" sz="1600" b="1" i="1" dirty="0">
-                <a:solidFill>
-                  <a:srgbClr val="0070C0"/>
-                </a:solidFill>
-              </a:rPr>
-              <a:t>Me</a:t>
-            </a:r>
-            <a:r>
-              <a:rPr lang="en-US" sz="1600" b="1" i="1" dirty="0"/>
-              <a:t>tamodel for </a:t>
-            </a:r>
-            <a:r>
-              <a:rPr lang="en-US" sz="1600" b="1" i="1" dirty="0">
-                <a:solidFill>
-                  <a:srgbClr val="00B050"/>
-                </a:solidFill>
-              </a:rPr>
-              <a:t>ROS</a:t>
-            </a:r>
-            <a:r>
-              <a:rPr lang="pl-PL" sz="1600" b="1" i="1" dirty="0"/>
-              <a:t>-</a:t>
-            </a:r>
-            <a:r>
-              <a:rPr lang="pl-PL" sz="1600" b="1" i="1" dirty="0" err="1"/>
-              <a:t>related</a:t>
-            </a:r>
-            <a:r>
-              <a:rPr lang="en-US" sz="1600" b="1" i="1" dirty="0"/>
-              <a:t> Systems</a:t>
-            </a:r>
-            <a:endParaRPr lang="pl-PL" sz="1600" b="1" i="1" dirty="0"/>
-          </a:p>
-          <a:p>
-            <a:pPr algn="ctr"/>
-            <a:r>
-              <a:rPr lang="pl-PL" sz="1600" b="1" dirty="0"/>
-              <a:t>https://github.com/twiniars/MeROS</a:t>
-            </a:r>
-          </a:p>
-        </p:txBody>
-      </p:sp>
-      <p:pic>
-        <p:nvPicPr>
-          <p:cNvPr id="34" name="Obraz 33" descr="Obraz zawierający tekst, zrzut ekranu, Czcionka, linia&#10;&#10;Zawartość wygenerowana przez AI może być niepoprawna.">
-            <a:extLst>
-              <a:ext uri="{FF2B5EF4-FFF2-40B4-BE49-F238E27FC236}">
-                <a16:creationId xmlns:a16="http://schemas.microsoft.com/office/drawing/2014/main" id="{0ED64B37-775D-7D50-9377-E0712A687009}"/>
+                <a16:creationId xmlns:a16="http://schemas.microsoft.com/office/drawing/2014/main" id="{9BAD4501-B028-C347-7629-FAF3D7E4B980}"/>
               </a:ext>
             </a:extLst>
           </p:cNvPr>
@@ -3935,8 +3935,8 @@
         </p:blipFill>
         <p:spPr>
           <a:xfrm>
-            <a:off x="2226100" y="3965319"/>
-            <a:ext cx="2734509" cy="1429773"/>
+            <a:off x="573223" y="3555297"/>
+            <a:ext cx="3200825" cy="1998399"/>
           </a:xfrm>
           <a:prstGeom prst="rect">
             <a:avLst/>
@@ -3945,10 +3945,10 @@
       </p:pic>
       <p:pic>
         <p:nvPicPr>
-          <p:cNvPr id="17" name="Obraz 16" descr="Obraz zawierający tekst, zrzut ekranu, diagram, Czcionka&#10;&#10;Zawartość wygenerowana przez AI może być niepoprawna.">
+          <p:cNvPr id="19" name="Obraz 18" descr="Obraz zawierający tekst, zrzut ekranu, Czcionka, numer&#10;&#10;Zawartość wygenerowana przez AI może być niepoprawna.">
             <a:extLst>
               <a:ext uri="{FF2B5EF4-FFF2-40B4-BE49-F238E27FC236}">
-                <a16:creationId xmlns:a16="http://schemas.microsoft.com/office/drawing/2014/main" id="{9BAD4501-B028-C347-7629-FAF3D7E4B980}"/>
+                <a16:creationId xmlns:a16="http://schemas.microsoft.com/office/drawing/2014/main" id="{5CA3FE20-D880-EDDE-B020-FB5DF10338F7}"/>
               </a:ext>
             </a:extLst>
           </p:cNvPr>
@@ -3971,8 +3971,8 @@
         </p:blipFill>
         <p:spPr>
           <a:xfrm>
-            <a:off x="573223" y="3555297"/>
-            <a:ext cx="3200825" cy="1998399"/>
+            <a:off x="6243319" y="3855538"/>
+            <a:ext cx="3536941" cy="1796741"/>
           </a:xfrm>
           <a:prstGeom prst="rect">
             <a:avLst/>

--- a/src/img/meros-graphical-abstract.pptx
+++ b/src/img/meros-graphical-abstract.pptx
@@ -243,7 +243,7 @@
           <a:p>
             <a:fld id="{758523DB-1EDD-4A73-9803-D008E5CAF974}" type="datetimeFigureOut">
               <a:rPr lang="pl-PL" smtClean="0"/>
-              <a:t>22.07.2025</a:t>
+              <a:t>24.07.2025</a:t>
             </a:fld>
             <a:endParaRPr lang="pl-PL"/>
           </a:p>
@@ -413,7 +413,7 @@
           <a:p>
             <a:fld id="{758523DB-1EDD-4A73-9803-D008E5CAF974}" type="datetimeFigureOut">
               <a:rPr lang="pl-PL" smtClean="0"/>
-              <a:t>22.07.2025</a:t>
+              <a:t>24.07.2025</a:t>
             </a:fld>
             <a:endParaRPr lang="pl-PL"/>
           </a:p>
@@ -593,7 +593,7 @@
           <a:p>
             <a:fld id="{758523DB-1EDD-4A73-9803-D008E5CAF974}" type="datetimeFigureOut">
               <a:rPr lang="pl-PL" smtClean="0"/>
-              <a:t>22.07.2025</a:t>
+              <a:t>24.07.2025</a:t>
             </a:fld>
             <a:endParaRPr lang="pl-PL"/>
           </a:p>
@@ -763,7 +763,7 @@
           <a:p>
             <a:fld id="{758523DB-1EDD-4A73-9803-D008E5CAF974}" type="datetimeFigureOut">
               <a:rPr lang="pl-PL" smtClean="0"/>
-              <a:t>22.07.2025</a:t>
+              <a:t>24.07.2025</a:t>
             </a:fld>
             <a:endParaRPr lang="pl-PL"/>
           </a:p>
@@ -1007,7 +1007,7 @@
           <a:p>
             <a:fld id="{758523DB-1EDD-4A73-9803-D008E5CAF974}" type="datetimeFigureOut">
               <a:rPr lang="pl-PL" smtClean="0"/>
-              <a:t>22.07.2025</a:t>
+              <a:t>24.07.2025</a:t>
             </a:fld>
             <a:endParaRPr lang="pl-PL"/>
           </a:p>
@@ -1239,7 +1239,7 @@
           <a:p>
             <a:fld id="{758523DB-1EDD-4A73-9803-D008E5CAF974}" type="datetimeFigureOut">
               <a:rPr lang="pl-PL" smtClean="0"/>
-              <a:t>22.07.2025</a:t>
+              <a:t>24.07.2025</a:t>
             </a:fld>
             <a:endParaRPr lang="pl-PL"/>
           </a:p>
@@ -1606,7 +1606,7 @@
           <a:p>
             <a:fld id="{758523DB-1EDD-4A73-9803-D008E5CAF974}" type="datetimeFigureOut">
               <a:rPr lang="pl-PL" smtClean="0"/>
-              <a:t>22.07.2025</a:t>
+              <a:t>24.07.2025</a:t>
             </a:fld>
             <a:endParaRPr lang="pl-PL"/>
           </a:p>
@@ -1724,7 +1724,7 @@
           <a:p>
             <a:fld id="{758523DB-1EDD-4A73-9803-D008E5CAF974}" type="datetimeFigureOut">
               <a:rPr lang="pl-PL" smtClean="0"/>
-              <a:t>22.07.2025</a:t>
+              <a:t>24.07.2025</a:t>
             </a:fld>
             <a:endParaRPr lang="pl-PL"/>
           </a:p>
@@ -1819,7 +1819,7 @@
           <a:p>
             <a:fld id="{758523DB-1EDD-4A73-9803-D008E5CAF974}" type="datetimeFigureOut">
               <a:rPr lang="pl-PL" smtClean="0"/>
-              <a:t>22.07.2025</a:t>
+              <a:t>24.07.2025</a:t>
             </a:fld>
             <a:endParaRPr lang="pl-PL"/>
           </a:p>
@@ -2096,7 +2096,7 @@
           <a:p>
             <a:fld id="{758523DB-1EDD-4A73-9803-D008E5CAF974}" type="datetimeFigureOut">
               <a:rPr lang="pl-PL" smtClean="0"/>
-              <a:t>22.07.2025</a:t>
+              <a:t>24.07.2025</a:t>
             </a:fld>
             <a:endParaRPr lang="pl-PL"/>
           </a:p>
@@ -2353,7 +2353,7 @@
           <a:p>
             <a:fld id="{758523DB-1EDD-4A73-9803-D008E5CAF974}" type="datetimeFigureOut">
               <a:rPr lang="pl-PL" smtClean="0"/>
-              <a:t>22.07.2025</a:t>
+              <a:t>24.07.2025</a:t>
             </a:fld>
             <a:endParaRPr lang="pl-PL"/>
           </a:p>
@@ -2566,7 +2566,7 @@
           <a:p>
             <a:fld id="{758523DB-1EDD-4A73-9803-D008E5CAF974}" type="datetimeFigureOut">
               <a:rPr lang="pl-PL" smtClean="0"/>
-              <a:t>22.07.2025</a:t>
+              <a:t>24.07.2025</a:t>
             </a:fld>
             <a:endParaRPr lang="pl-PL"/>
           </a:p>
@@ -2973,10 +2973,10 @@
       </p:grpSpPr>
       <p:pic>
         <p:nvPicPr>
-          <p:cNvPr id="29" name="Obraz 28" descr="Obraz zawierający tekst, zrzut ekranu, Czcionka, linia&#10;&#10;Zawartość wygenerowana przez AI może być niepoprawna.">
+          <p:cNvPr id="18" name="Obraz 17" descr="Obraz zawierający tekst, zrzut ekranu, Czcionka, linia&#10;&#10;Zawartość wygenerowana przez AI może być niepoprawna.">
             <a:extLst>
               <a:ext uri="{FF2B5EF4-FFF2-40B4-BE49-F238E27FC236}">
-                <a16:creationId xmlns:a16="http://schemas.microsoft.com/office/drawing/2014/main" id="{5D1E34E4-7EB7-A1CF-A2B3-FFDF867BCD68}"/>
+                <a16:creationId xmlns:a16="http://schemas.microsoft.com/office/drawing/2014/main" id="{F607F429-8B25-4379-03E5-0EBFF2266107}"/>
               </a:ext>
             </a:extLst>
           </p:cNvPr>
@@ -2999,8 +2999,8 @@
         </p:blipFill>
         <p:spPr>
           <a:xfrm>
-            <a:off x="6086140" y="5236470"/>
-            <a:ext cx="2263082" cy="1036992"/>
+            <a:off x="828820" y="4920162"/>
+            <a:ext cx="3604443" cy="1248466"/>
           </a:xfrm>
           <a:prstGeom prst="rect">
             <a:avLst/>
@@ -3009,10 +3009,10 @@
       </p:pic>
       <p:pic>
         <p:nvPicPr>
-          <p:cNvPr id="26" name="Obraz 25" descr="Obraz zawierający tekst, zrzut ekranu, linia, Czcionka&#10;&#10;Zawartość wygenerowana przez AI może być niepoprawna.">
+          <p:cNvPr id="15" name="Obraz 14" descr="Obraz zawierający tekst, zrzut ekranu, Czcionka, linia&#10;&#10;Zawartość wygenerowana przez AI może być niepoprawna.">
             <a:extLst>
               <a:ext uri="{FF2B5EF4-FFF2-40B4-BE49-F238E27FC236}">
-                <a16:creationId xmlns:a16="http://schemas.microsoft.com/office/drawing/2014/main" id="{097A6E6A-2247-C0D5-123A-10A1A29C1D99}"/>
+                <a16:creationId xmlns:a16="http://schemas.microsoft.com/office/drawing/2014/main" id="{D34D6932-01F7-9825-71B1-02FC5D9FEC8A}"/>
               </a:ext>
             </a:extLst>
           </p:cNvPr>
@@ -3035,8 +3035,8 @@
         </p:blipFill>
         <p:spPr>
           <a:xfrm>
-            <a:off x="7137897" y="4595565"/>
-            <a:ext cx="2720406" cy="1780108"/>
+            <a:off x="2675702" y="3926037"/>
+            <a:ext cx="2301427" cy="1535920"/>
           </a:xfrm>
           <a:prstGeom prst="rect">
             <a:avLst/>
@@ -3045,10 +3045,10 @@
       </p:pic>
       <p:pic>
         <p:nvPicPr>
-          <p:cNvPr id="18" name="Obraz 17" descr="Obraz zawierający tekst, zrzut ekranu, Czcionka, linia&#10;&#10;Zawartość wygenerowana przez AI może być niepoprawna.">
+          <p:cNvPr id="29" name="Obraz 28" descr="Obraz zawierający tekst, zrzut ekranu, Czcionka, linia&#10;&#10;Zawartość wygenerowana przez AI może być niepoprawna.">
             <a:extLst>
               <a:ext uri="{FF2B5EF4-FFF2-40B4-BE49-F238E27FC236}">
-                <a16:creationId xmlns:a16="http://schemas.microsoft.com/office/drawing/2014/main" id="{F607F429-8B25-4379-03E5-0EBFF2266107}"/>
+                <a16:creationId xmlns:a16="http://schemas.microsoft.com/office/drawing/2014/main" id="{5D1E34E4-7EB7-A1CF-A2B3-FFDF867BCD68}"/>
               </a:ext>
             </a:extLst>
           </p:cNvPr>
@@ -3071,8 +3071,8 @@
         </p:blipFill>
         <p:spPr>
           <a:xfrm>
-            <a:off x="828820" y="4920162"/>
-            <a:ext cx="3604443" cy="1248466"/>
+            <a:off x="6086140" y="5236470"/>
+            <a:ext cx="2263082" cy="1036992"/>
           </a:xfrm>
           <a:prstGeom prst="rect">
             <a:avLst/>
@@ -3081,10 +3081,10 @@
       </p:pic>
       <p:pic>
         <p:nvPicPr>
-          <p:cNvPr id="20" name="Obraz 19" descr="Obraz zawierający tekst, zrzut ekranu, wyświetlacz, Czcionka&#10;&#10;Zawartość wygenerowana przez AI może być niepoprawna.">
+          <p:cNvPr id="26" name="Obraz 25" descr="Obraz zawierający tekst, zrzut ekranu, linia, Czcionka&#10;&#10;Zawartość wygenerowana przez AI może być niepoprawna.">
             <a:extLst>
               <a:ext uri="{FF2B5EF4-FFF2-40B4-BE49-F238E27FC236}">
-                <a16:creationId xmlns:a16="http://schemas.microsoft.com/office/drawing/2014/main" id="{E2A23F68-5236-8E5E-262C-F9540D74737F}"/>
+                <a16:creationId xmlns:a16="http://schemas.microsoft.com/office/drawing/2014/main" id="{097A6E6A-2247-C0D5-123A-10A1A29C1D99}"/>
               </a:ext>
             </a:extLst>
           </p:cNvPr>
@@ -3107,148 +3107,20 @@
         </p:blipFill>
         <p:spPr>
           <a:xfrm>
-            <a:off x="7313161" y="621367"/>
-            <a:ext cx="2425002" cy="1268120"/>
+            <a:off x="7137897" y="4595565"/>
+            <a:ext cx="2720406" cy="1780108"/>
           </a:xfrm>
           <a:prstGeom prst="rect">
             <a:avLst/>
           </a:prstGeom>
         </p:spPr>
       </p:pic>
-      <p:sp>
-        <p:nvSpPr>
-          <p:cNvPr id="4" name="pole tekstowe 3">
+      <p:pic>
+        <p:nvPicPr>
+          <p:cNvPr id="20" name="Obraz 19" descr="Obraz zawierający tekst, zrzut ekranu, wyświetlacz, Czcionka&#10;&#10;Zawartość wygenerowana przez AI może być niepoprawna.">
             <a:extLst>
               <a:ext uri="{FF2B5EF4-FFF2-40B4-BE49-F238E27FC236}">
-                <a16:creationId xmlns:a16="http://schemas.microsoft.com/office/drawing/2014/main" id="{1423C420-AE15-B051-DC03-E263B661F89D}"/>
-              </a:ext>
-            </a:extLst>
-          </p:cNvPr>
-          <p:cNvSpPr txBox="1"/>
-          <p:nvPr/>
-        </p:nvSpPr>
-        <p:spPr>
-          <a:xfrm>
-            <a:off x="7412675" y="121965"/>
-            <a:ext cx="1554272" cy="332720"/>
-          </a:xfrm>
-          <a:prstGeom prst="rect">
-            <a:avLst/>
-          </a:prstGeom>
-          <a:noFill/>
-        </p:spPr>
-        <p:txBody>
-          <a:bodyPr wrap="square" rtlCol="0">
-            <a:spAutoFit/>
-          </a:bodyPr>
-          <a:lstStyle/>
-          <a:p>
-            <a:r>
-              <a:rPr lang="pl-PL" dirty="0" err="1"/>
-              <a:t>Requirements</a:t>
-            </a:r>
-            <a:endParaRPr lang="pl-PL" dirty="0"/>
-          </a:p>
-        </p:txBody>
-      </p:sp>
-      <p:sp>
-        <p:nvSpPr>
-          <p:cNvPr id="5" name="Strzałka: w lewo i w prawo 4">
-            <a:extLst>
-              <a:ext uri="{FF2B5EF4-FFF2-40B4-BE49-F238E27FC236}">
-                <a16:creationId xmlns:a16="http://schemas.microsoft.com/office/drawing/2014/main" id="{401F9E47-F2D8-1E61-7D86-5877995E0CDD}"/>
-              </a:ext>
-            </a:extLst>
-          </p:cNvPr>
-          <p:cNvSpPr/>
-          <p:nvPr/>
-        </p:nvSpPr>
-        <p:spPr>
-          <a:xfrm>
-            <a:off x="5216377" y="4693997"/>
-            <a:ext cx="795989" cy="421019"/>
-          </a:xfrm>
-          <a:prstGeom prst="leftRightArrow">
-            <a:avLst/>
-          </a:prstGeom>
-        </p:spPr>
-        <p:style>
-          <a:lnRef idx="2">
-            <a:schemeClr val="accent1">
-              <a:shade val="50000"/>
-            </a:schemeClr>
-          </a:lnRef>
-          <a:fillRef idx="1">
-            <a:schemeClr val="accent1"/>
-          </a:fillRef>
-          <a:effectRef idx="0">
-            <a:schemeClr val="accent1"/>
-          </a:effectRef>
-          <a:fontRef idx="minor">
-            <a:schemeClr val="lt1"/>
-          </a:fontRef>
-        </p:style>
-        <p:txBody>
-          <a:bodyPr rtlCol="0" anchor="ctr"/>
-          <a:lstStyle/>
-          <a:p>
-            <a:pPr algn="ctr"/>
-            <a:endParaRPr lang="pl-PL"/>
-          </a:p>
-        </p:txBody>
-      </p:sp>
-      <p:sp>
-        <p:nvSpPr>
-          <p:cNvPr id="6" name="Strzałka: w prawo 5">
-            <a:extLst>
-              <a:ext uri="{FF2B5EF4-FFF2-40B4-BE49-F238E27FC236}">
-                <a16:creationId xmlns:a16="http://schemas.microsoft.com/office/drawing/2014/main" id="{25CE99C2-5CC4-F7E1-DED4-D909A37EE522}"/>
-              </a:ext>
-            </a:extLst>
-          </p:cNvPr>
-          <p:cNvSpPr/>
-          <p:nvPr/>
-        </p:nvSpPr>
-        <p:spPr>
-          <a:xfrm>
-            <a:off x="5582573" y="1255427"/>
-            <a:ext cx="537899" cy="512025"/>
-          </a:xfrm>
-          <a:prstGeom prst="rightArrow">
-            <a:avLst/>
-          </a:prstGeom>
-        </p:spPr>
-        <p:style>
-          <a:lnRef idx="2">
-            <a:schemeClr val="accent1">
-              <a:shade val="50000"/>
-            </a:schemeClr>
-          </a:lnRef>
-          <a:fillRef idx="1">
-            <a:schemeClr val="accent1"/>
-          </a:fillRef>
-          <a:effectRef idx="0">
-            <a:schemeClr val="accent1"/>
-          </a:effectRef>
-          <a:fontRef idx="minor">
-            <a:schemeClr val="lt1"/>
-          </a:fontRef>
-        </p:style>
-        <p:txBody>
-          <a:bodyPr rtlCol="0" anchor="ctr"/>
-          <a:lstStyle/>
-          <a:p>
-            <a:pPr algn="ctr"/>
-            <a:endParaRPr lang="pl-PL"/>
-          </a:p>
-        </p:txBody>
-      </p:sp>
-      <p:pic>
-        <p:nvPicPr>
-          <p:cNvPr id="10" name="Obraz 9">
-            <a:extLst>
-              <a:ext uri="{FF2B5EF4-FFF2-40B4-BE49-F238E27FC236}">
-                <a16:creationId xmlns:a16="http://schemas.microsoft.com/office/drawing/2014/main" id="{FFA5803F-746E-E5B4-9560-86A77F41A02C}"/>
+                <a16:creationId xmlns:a16="http://schemas.microsoft.com/office/drawing/2014/main" id="{E2A23F68-5236-8E5E-262C-F9540D74737F}"/>
               </a:ext>
             </a:extLst>
           </p:cNvPr>
@@ -3271,8 +3143,8 @@
         </p:blipFill>
         <p:spPr>
           <a:xfrm>
-            <a:off x="309235" y="1612663"/>
-            <a:ext cx="2381644" cy="1329679"/>
+            <a:off x="7313161" y="621367"/>
+            <a:ext cx="2425002" cy="1268120"/>
           </a:xfrm>
           <a:prstGeom prst="rect">
             <a:avLst/>
@@ -3281,10 +3153,10 @@
       </p:pic>
       <p:sp>
         <p:nvSpPr>
-          <p:cNvPr id="11" name="pole tekstowe 10">
+          <p:cNvPr id="4" name="pole tekstowe 3">
             <a:extLst>
               <a:ext uri="{FF2B5EF4-FFF2-40B4-BE49-F238E27FC236}">
-                <a16:creationId xmlns:a16="http://schemas.microsoft.com/office/drawing/2014/main" id="{A30E853E-3AFF-2023-E771-1402788AD3B9}"/>
+                <a16:creationId xmlns:a16="http://schemas.microsoft.com/office/drawing/2014/main" id="{1423C420-AE15-B051-DC03-E263B661F89D}"/>
               </a:ext>
             </a:extLst>
           </p:cNvPr>
@@ -3293,8 +3165,8 @@
         </p:nvSpPr>
         <p:spPr>
           <a:xfrm>
-            <a:off x="7412675" y="3173776"/>
-            <a:ext cx="1349547" cy="332720"/>
+            <a:off x="7412675" y="121965"/>
+            <a:ext cx="1554272" cy="332720"/>
           </a:xfrm>
           <a:prstGeom prst="rect">
             <a:avLst/>
@@ -3308,18 +3180,19 @@
           <a:lstStyle/>
           <a:p>
             <a:r>
-              <a:rPr lang="pl-PL" dirty="0"/>
-              <a:t>Metamodel</a:t>
-            </a:r>
-          </a:p>
-        </p:txBody>
-      </p:sp>
-      <p:sp>
-        <p:nvSpPr>
-          <p:cNvPr id="12" name="Strzałka: w lewo i w prawo 11">
+              <a:rPr lang="pl-PL" dirty="0" err="1"/>
+              <a:t>Requirements</a:t>
+            </a:r>
+            <a:endParaRPr lang="pl-PL" dirty="0"/>
+          </a:p>
+        </p:txBody>
+      </p:sp>
+      <p:sp>
+        <p:nvSpPr>
+          <p:cNvPr id="5" name="Strzałka: w lewo i w prawo 4">
             <a:extLst>
               <a:ext uri="{FF2B5EF4-FFF2-40B4-BE49-F238E27FC236}">
-                <a16:creationId xmlns:a16="http://schemas.microsoft.com/office/drawing/2014/main" id="{4D064296-B148-8BD6-61BF-84B2B5E075BA}"/>
+                <a16:creationId xmlns:a16="http://schemas.microsoft.com/office/drawing/2014/main" id="{401F9E47-F2D8-1E61-7D86-5877995E0CDD}"/>
               </a:ext>
             </a:extLst>
           </p:cNvPr>
@@ -3327,9 +3200,9 @@
           <p:nvPr/>
         </p:nvSpPr>
         <p:spPr>
-          <a:xfrm rot="5400000">
-            <a:off x="8633780" y="2924190"/>
-            <a:ext cx="714297" cy="413787"/>
+          <a:xfrm>
+            <a:off x="5216377" y="4693997"/>
+            <a:ext cx="795989" cy="421019"/>
           </a:xfrm>
           <a:prstGeom prst="leftRightArrow">
             <a:avLst/>
@@ -3362,6 +3235,169 @@
       </p:sp>
       <p:sp>
         <p:nvSpPr>
+          <p:cNvPr id="6" name="Strzałka: w prawo 5">
+            <a:extLst>
+              <a:ext uri="{FF2B5EF4-FFF2-40B4-BE49-F238E27FC236}">
+                <a16:creationId xmlns:a16="http://schemas.microsoft.com/office/drawing/2014/main" id="{25CE99C2-5CC4-F7E1-DED4-D909A37EE522}"/>
+              </a:ext>
+            </a:extLst>
+          </p:cNvPr>
+          <p:cNvSpPr/>
+          <p:nvPr/>
+        </p:nvSpPr>
+        <p:spPr>
+          <a:xfrm>
+            <a:off x="5582573" y="1255427"/>
+            <a:ext cx="537899" cy="512025"/>
+          </a:xfrm>
+          <a:prstGeom prst="rightArrow">
+            <a:avLst/>
+          </a:prstGeom>
+        </p:spPr>
+        <p:style>
+          <a:lnRef idx="2">
+            <a:schemeClr val="accent1">
+              <a:shade val="50000"/>
+            </a:schemeClr>
+          </a:lnRef>
+          <a:fillRef idx="1">
+            <a:schemeClr val="accent1"/>
+          </a:fillRef>
+          <a:effectRef idx="0">
+            <a:schemeClr val="accent1"/>
+          </a:effectRef>
+          <a:fontRef idx="minor">
+            <a:schemeClr val="lt1"/>
+          </a:fontRef>
+        </p:style>
+        <p:txBody>
+          <a:bodyPr rtlCol="0" anchor="ctr"/>
+          <a:lstStyle/>
+          <a:p>
+            <a:pPr algn="ctr"/>
+            <a:endParaRPr lang="pl-PL"/>
+          </a:p>
+        </p:txBody>
+      </p:sp>
+      <p:pic>
+        <p:nvPicPr>
+          <p:cNvPr id="10" name="Obraz 9">
+            <a:extLst>
+              <a:ext uri="{FF2B5EF4-FFF2-40B4-BE49-F238E27FC236}">
+                <a16:creationId xmlns:a16="http://schemas.microsoft.com/office/drawing/2014/main" id="{FFA5803F-746E-E5B4-9560-86A77F41A02C}"/>
+              </a:ext>
+            </a:extLst>
+          </p:cNvPr>
+          <p:cNvPicPr>
+            <a:picLocks noChangeAspect="1"/>
+          </p:cNvPicPr>
+          <p:nvPr/>
+        </p:nvPicPr>
+        <p:blipFill>
+          <a:blip r:embed="rId7">
+            <a:extLst>
+              <a:ext uri="{28A0092B-C50C-407E-A947-70E740481C1C}">
+                <a14:useLocalDpi xmlns:a14="http://schemas.microsoft.com/office/drawing/2010/main" val="0"/>
+              </a:ext>
+            </a:extLst>
+          </a:blip>
+          <a:stretch>
+            <a:fillRect/>
+          </a:stretch>
+        </p:blipFill>
+        <p:spPr>
+          <a:xfrm>
+            <a:off x="309235" y="1612663"/>
+            <a:ext cx="2381644" cy="1329679"/>
+          </a:xfrm>
+          <a:prstGeom prst="rect">
+            <a:avLst/>
+          </a:prstGeom>
+        </p:spPr>
+      </p:pic>
+      <p:sp>
+        <p:nvSpPr>
+          <p:cNvPr id="11" name="pole tekstowe 10">
+            <a:extLst>
+              <a:ext uri="{FF2B5EF4-FFF2-40B4-BE49-F238E27FC236}">
+                <a16:creationId xmlns:a16="http://schemas.microsoft.com/office/drawing/2014/main" id="{A30E853E-3AFF-2023-E771-1402788AD3B9}"/>
+              </a:ext>
+            </a:extLst>
+          </p:cNvPr>
+          <p:cNvSpPr txBox="1"/>
+          <p:nvPr/>
+        </p:nvSpPr>
+        <p:spPr>
+          <a:xfrm>
+            <a:off x="7412675" y="3173776"/>
+            <a:ext cx="1349547" cy="332720"/>
+          </a:xfrm>
+          <a:prstGeom prst="rect">
+            <a:avLst/>
+          </a:prstGeom>
+          <a:noFill/>
+        </p:spPr>
+        <p:txBody>
+          <a:bodyPr wrap="square" rtlCol="0">
+            <a:spAutoFit/>
+          </a:bodyPr>
+          <a:lstStyle/>
+          <a:p>
+            <a:r>
+              <a:rPr lang="pl-PL" dirty="0"/>
+              <a:t>Metamodel</a:t>
+            </a:r>
+          </a:p>
+        </p:txBody>
+      </p:sp>
+      <p:sp>
+        <p:nvSpPr>
+          <p:cNvPr id="12" name="Strzałka: w lewo i w prawo 11">
+            <a:extLst>
+              <a:ext uri="{FF2B5EF4-FFF2-40B4-BE49-F238E27FC236}">
+                <a16:creationId xmlns:a16="http://schemas.microsoft.com/office/drawing/2014/main" id="{4D064296-B148-8BD6-61BF-84B2B5E075BA}"/>
+              </a:ext>
+            </a:extLst>
+          </p:cNvPr>
+          <p:cNvSpPr/>
+          <p:nvPr/>
+        </p:nvSpPr>
+        <p:spPr>
+          <a:xfrm rot="5400000">
+            <a:off x="8633780" y="2924190"/>
+            <a:ext cx="714297" cy="413787"/>
+          </a:xfrm>
+          <a:prstGeom prst="leftRightArrow">
+            <a:avLst/>
+          </a:prstGeom>
+        </p:spPr>
+        <p:style>
+          <a:lnRef idx="2">
+            <a:schemeClr val="accent1">
+              <a:shade val="50000"/>
+            </a:schemeClr>
+          </a:lnRef>
+          <a:fillRef idx="1">
+            <a:schemeClr val="accent1"/>
+          </a:fillRef>
+          <a:effectRef idx="0">
+            <a:schemeClr val="accent1"/>
+          </a:effectRef>
+          <a:fontRef idx="minor">
+            <a:schemeClr val="lt1"/>
+          </a:fontRef>
+        </p:style>
+        <p:txBody>
+          <a:bodyPr rtlCol="0" anchor="ctr"/>
+          <a:lstStyle/>
+          <a:p>
+            <a:pPr algn="ctr"/>
+            <a:endParaRPr lang="pl-PL"/>
+          </a:p>
+        </p:txBody>
+      </p:sp>
+      <p:sp>
+        <p:nvSpPr>
           <p:cNvPr id="13" name="pole tekstowe 12">
             <a:extLst>
               <a:ext uri="{FF2B5EF4-FFF2-40B4-BE49-F238E27FC236}">
@@ -3410,7 +3446,7 @@
           <p:nvPr/>
         </p:nvPicPr>
         <p:blipFill>
-          <a:blip r:embed="rId7">
+          <a:blip r:embed="rId8">
             <a:extLst>
               <a:ext uri="{28A0092B-C50C-407E-A947-70E740481C1C}">
                 <a14:useLocalDpi xmlns:a14="http://schemas.microsoft.com/office/drawing/2010/main" val="0"/>
@@ -3683,42 +3719,6 @@
           <p:nvPr/>
         </p:nvPicPr>
         <p:blipFill>
-          <a:blip r:embed="rId8">
-            <a:extLst>
-              <a:ext uri="{28A0092B-C50C-407E-A947-70E740481C1C}">
-                <a14:useLocalDpi xmlns:a14="http://schemas.microsoft.com/office/drawing/2010/main" val="0"/>
-              </a:ext>
-            </a:extLst>
-          </a:blip>
-          <a:stretch>
-            <a:fillRect/>
-          </a:stretch>
-        </p:blipFill>
-        <p:spPr>
-          <a:xfrm>
-            <a:off x="2988291" y="2309792"/>
-            <a:ext cx="878222" cy="878222"/>
-          </a:xfrm>
-          <a:prstGeom prst="rect">
-            <a:avLst/>
-          </a:prstGeom>
-        </p:spPr>
-      </p:pic>
-      <p:pic>
-        <p:nvPicPr>
-          <p:cNvPr id="16" name="Obraz 15" descr="Obraz zawierający tekst, zrzut ekranu, Czcionka, numer&#10;&#10;Zawartość wygenerowana przez AI może być niepoprawna.">
-            <a:extLst>
-              <a:ext uri="{FF2B5EF4-FFF2-40B4-BE49-F238E27FC236}">
-                <a16:creationId xmlns:a16="http://schemas.microsoft.com/office/drawing/2014/main" id="{A34FD1DC-EC46-1D44-15C5-80945E2436CE}"/>
-              </a:ext>
-            </a:extLst>
-          </p:cNvPr>
-          <p:cNvPicPr>
-            <a:picLocks noChangeAspect="1"/>
-          </p:cNvPicPr>
-          <p:nvPr/>
-        </p:nvPicPr>
-        <p:blipFill>
           <a:blip r:embed="rId9">
             <a:extLst>
               <a:ext uri="{28A0092B-C50C-407E-A947-70E740481C1C}">
@@ -3732,8 +3732,8 @@
         </p:blipFill>
         <p:spPr>
           <a:xfrm>
-            <a:off x="7220157" y="1536949"/>
-            <a:ext cx="2560103" cy="958251"/>
+            <a:off x="2988291" y="2309792"/>
+            <a:ext cx="878222" cy="878222"/>
           </a:xfrm>
           <a:prstGeom prst="rect">
             <a:avLst/>
@@ -3742,10 +3742,10 @@
       </p:pic>
       <p:pic>
         <p:nvPicPr>
-          <p:cNvPr id="9" name="Obraz 8" descr="Obraz zawierający tekst, zrzut ekranu, Czcionka, Równolegle&#10;&#10;Zawartość wygenerowana przez AI może być niepoprawna.">
+          <p:cNvPr id="16" name="Obraz 15" descr="Obraz zawierający tekst, zrzut ekranu, Czcionka, numer&#10;&#10;Zawartość wygenerowana przez AI może być niepoprawna.">
             <a:extLst>
               <a:ext uri="{FF2B5EF4-FFF2-40B4-BE49-F238E27FC236}">
-                <a16:creationId xmlns:a16="http://schemas.microsoft.com/office/drawing/2014/main" id="{9D09CB3A-6908-54E1-C231-3251496B7EDF}"/>
+                <a16:creationId xmlns:a16="http://schemas.microsoft.com/office/drawing/2014/main" id="{A34FD1DC-EC46-1D44-15C5-80945E2436CE}"/>
               </a:ext>
             </a:extLst>
           </p:cNvPr>
@@ -3768,115 +3768,20 @@
         </p:blipFill>
         <p:spPr>
           <a:xfrm>
-            <a:off x="6423467" y="661290"/>
-            <a:ext cx="2338755" cy="1429016"/>
+            <a:off x="7220157" y="1536949"/>
+            <a:ext cx="2560103" cy="958251"/>
           </a:xfrm>
           <a:prstGeom prst="rect">
             <a:avLst/>
           </a:prstGeom>
         </p:spPr>
       </p:pic>
-      <p:sp>
-        <p:nvSpPr>
-          <p:cNvPr id="14" name="pole tekstowe 13">
+      <p:pic>
+        <p:nvPicPr>
+          <p:cNvPr id="9" name="Obraz 8" descr="Obraz zawierający tekst, zrzut ekranu, Czcionka, Równolegle&#10;&#10;Zawartość wygenerowana przez AI może być niepoprawna.">
             <a:extLst>
               <a:ext uri="{FF2B5EF4-FFF2-40B4-BE49-F238E27FC236}">
-                <a16:creationId xmlns:a16="http://schemas.microsoft.com/office/drawing/2014/main" id="{60CCD33A-B796-DE81-D471-9B381C465410}"/>
-              </a:ext>
-            </a:extLst>
-          </p:cNvPr>
-          <p:cNvSpPr txBox="1"/>
-          <p:nvPr/>
-        </p:nvSpPr>
-        <p:spPr>
-          <a:xfrm>
-            <a:off x="3774048" y="2060379"/>
-            <a:ext cx="3536941" cy="1815753"/>
-          </a:xfrm>
-          <a:prstGeom prst="rect">
-            <a:avLst/>
-          </a:prstGeom>
-          <a:noFill/>
-        </p:spPr>
-        <p:txBody>
-          <a:bodyPr wrap="square" rtlCol="0">
-            <a:spAutoFit/>
-          </a:bodyPr>
-          <a:lstStyle/>
-          <a:p>
-            <a:pPr algn="ctr"/>
-            <a:r>
-              <a:rPr lang="pl-PL" sz="7999" dirty="0" err="1">
-                <a:solidFill>
-                  <a:srgbClr val="0070C0"/>
-                </a:solidFill>
-              </a:rPr>
-              <a:t>Me</a:t>
-            </a:r>
-            <a:r>
-              <a:rPr lang="pl-PL" sz="7999" dirty="0" err="1">
-                <a:solidFill>
-                  <a:srgbClr val="00B050"/>
-                </a:solidFill>
-              </a:rPr>
-              <a:t>ROS</a:t>
-            </a:r>
-            <a:br>
-              <a:rPr lang="pl-PL" sz="7999" dirty="0">
-                <a:solidFill>
-                  <a:srgbClr val="00B050"/>
-                </a:solidFill>
-              </a:rPr>
-            </a:br>
-            <a:r>
-              <a:rPr lang="en-US" sz="1600" b="1" i="1" dirty="0">
-                <a:solidFill>
-                  <a:srgbClr val="0070C0"/>
-                </a:solidFill>
-              </a:rPr>
-              <a:t>Me</a:t>
-            </a:r>
-            <a:r>
-              <a:rPr lang="en-US" sz="1600" b="1" i="1" dirty="0"/>
-              <a:t>tamodel for </a:t>
-            </a:r>
-            <a:r>
-              <a:rPr lang="en-US" sz="1600" b="1" i="1" dirty="0">
-                <a:solidFill>
-                  <a:srgbClr val="00B050"/>
-                </a:solidFill>
-              </a:rPr>
-              <a:t>ROS</a:t>
-            </a:r>
-            <a:r>
-              <a:rPr lang="pl-PL" sz="1600" b="1" i="1" dirty="0"/>
-              <a:t>-</a:t>
-            </a:r>
-            <a:r>
-              <a:rPr lang="pl-PL" sz="1600" b="1" i="1" dirty="0" err="1"/>
-              <a:t>related</a:t>
-            </a:r>
-            <a:r>
-              <a:rPr lang="en-US" sz="1600" b="1" i="1" dirty="0"/>
-              <a:t> Systems</a:t>
-            </a:r>
-            <a:endParaRPr lang="pl-PL" sz="1600" b="1" i="1" dirty="0"/>
-          </a:p>
-          <a:p>
-            <a:pPr algn="ctr"/>
-            <a:r>
-              <a:rPr lang="pl-PL" sz="1600" b="1" dirty="0"/>
-              <a:t>https://github.com/twiniars/MeROS</a:t>
-            </a:r>
-          </a:p>
-        </p:txBody>
-      </p:sp>
-      <p:pic>
-        <p:nvPicPr>
-          <p:cNvPr id="34" name="Obraz 33" descr="Obraz zawierający tekst, zrzut ekranu, Czcionka, linia&#10;&#10;Zawartość wygenerowana przez AI może być niepoprawna.">
-            <a:extLst>
-              <a:ext uri="{FF2B5EF4-FFF2-40B4-BE49-F238E27FC236}">
-                <a16:creationId xmlns:a16="http://schemas.microsoft.com/office/drawing/2014/main" id="{0ED64B37-775D-7D50-9377-E0712A687009}"/>
+                <a16:creationId xmlns:a16="http://schemas.microsoft.com/office/drawing/2014/main" id="{9D09CB3A-6908-54E1-C231-3251496B7EDF}"/>
               </a:ext>
             </a:extLst>
           </p:cNvPr>
@@ -3899,14 +3804,109 @@
         </p:blipFill>
         <p:spPr>
           <a:xfrm>
-            <a:off x="2226100" y="3965319"/>
-            <a:ext cx="2734509" cy="1429773"/>
+            <a:off x="6423467" y="661290"/>
+            <a:ext cx="2338755" cy="1429016"/>
           </a:xfrm>
           <a:prstGeom prst="rect">
             <a:avLst/>
           </a:prstGeom>
         </p:spPr>
       </p:pic>
+      <p:sp>
+        <p:nvSpPr>
+          <p:cNvPr id="14" name="pole tekstowe 13">
+            <a:extLst>
+              <a:ext uri="{FF2B5EF4-FFF2-40B4-BE49-F238E27FC236}">
+                <a16:creationId xmlns:a16="http://schemas.microsoft.com/office/drawing/2014/main" id="{60CCD33A-B796-DE81-D471-9B381C465410}"/>
+              </a:ext>
+            </a:extLst>
+          </p:cNvPr>
+          <p:cNvSpPr txBox="1"/>
+          <p:nvPr/>
+        </p:nvSpPr>
+        <p:spPr>
+          <a:xfrm>
+            <a:off x="3774048" y="2060379"/>
+            <a:ext cx="3536941" cy="1815753"/>
+          </a:xfrm>
+          <a:prstGeom prst="rect">
+            <a:avLst/>
+          </a:prstGeom>
+          <a:noFill/>
+        </p:spPr>
+        <p:txBody>
+          <a:bodyPr wrap="square" rtlCol="0">
+            <a:spAutoFit/>
+          </a:bodyPr>
+          <a:lstStyle/>
+          <a:p>
+            <a:pPr algn="ctr"/>
+            <a:r>
+              <a:rPr lang="pl-PL" sz="7999" dirty="0" err="1">
+                <a:solidFill>
+                  <a:srgbClr val="0070C0"/>
+                </a:solidFill>
+              </a:rPr>
+              <a:t>Me</a:t>
+            </a:r>
+            <a:r>
+              <a:rPr lang="pl-PL" sz="7999" dirty="0" err="1">
+                <a:solidFill>
+                  <a:srgbClr val="00B050"/>
+                </a:solidFill>
+              </a:rPr>
+              <a:t>ROS</a:t>
+            </a:r>
+            <a:br>
+              <a:rPr lang="pl-PL" sz="7999" dirty="0">
+                <a:solidFill>
+                  <a:srgbClr val="00B050"/>
+                </a:solidFill>
+              </a:rPr>
+            </a:br>
+            <a:r>
+              <a:rPr lang="en-US" sz="1600" b="1" i="1" dirty="0">
+                <a:solidFill>
+                  <a:srgbClr val="0070C0"/>
+                </a:solidFill>
+              </a:rPr>
+              <a:t>Me</a:t>
+            </a:r>
+            <a:r>
+              <a:rPr lang="en-US" sz="1600" b="1" i="1" dirty="0"/>
+              <a:t>tamodel for </a:t>
+            </a:r>
+            <a:r>
+              <a:rPr lang="en-US" sz="1600" b="1" i="1" dirty="0">
+                <a:solidFill>
+                  <a:srgbClr val="00B050"/>
+                </a:solidFill>
+              </a:rPr>
+              <a:t>ROS</a:t>
+            </a:r>
+            <a:r>
+              <a:rPr lang="pl-PL" sz="1600" b="1" i="1" dirty="0"/>
+              <a:t>-</a:t>
+            </a:r>
+            <a:r>
+              <a:rPr lang="pl-PL" sz="1600" b="1" i="1" dirty="0" err="1"/>
+              <a:t>related</a:t>
+            </a:r>
+            <a:r>
+              <a:rPr lang="en-US" sz="1600" b="1" i="1" dirty="0"/>
+              <a:t> Systems</a:t>
+            </a:r>
+            <a:endParaRPr lang="pl-PL" sz="1600" b="1" i="1" dirty="0"/>
+          </a:p>
+          <a:p>
+            <a:pPr algn="ctr"/>
+            <a:r>
+              <a:rPr lang="pl-PL" sz="1600" b="1" dirty="0"/>
+              <a:t>https://github.com/twiniars/MeROS</a:t>
+            </a:r>
+          </a:p>
+        </p:txBody>
+      </p:sp>
       <p:pic>
         <p:nvPicPr>
           <p:cNvPr id="17" name="Obraz 16" descr="Obraz zawierający tekst, zrzut ekranu, diagram, Czcionka&#10;&#10;Zawartość wygenerowana przez AI może być niepoprawna.">

--- a/src/img/meros-graphical-abstract.pptx
+++ b/src/img/meros-graphical-abstract.pptx
@@ -243,7 +243,7 @@
           <a:p>
             <a:fld id="{758523DB-1EDD-4A73-9803-D008E5CAF974}" type="datetimeFigureOut">
               <a:rPr lang="pl-PL" smtClean="0"/>
-              <a:t>24.07.2025</a:t>
+              <a:t>27.07.2025</a:t>
             </a:fld>
             <a:endParaRPr lang="pl-PL"/>
           </a:p>
@@ -413,7 +413,7 @@
           <a:p>
             <a:fld id="{758523DB-1EDD-4A73-9803-D008E5CAF974}" type="datetimeFigureOut">
               <a:rPr lang="pl-PL" smtClean="0"/>
-              <a:t>24.07.2025</a:t>
+              <a:t>27.07.2025</a:t>
             </a:fld>
             <a:endParaRPr lang="pl-PL"/>
           </a:p>
@@ -593,7 +593,7 @@
           <a:p>
             <a:fld id="{758523DB-1EDD-4A73-9803-D008E5CAF974}" type="datetimeFigureOut">
               <a:rPr lang="pl-PL" smtClean="0"/>
-              <a:t>24.07.2025</a:t>
+              <a:t>27.07.2025</a:t>
             </a:fld>
             <a:endParaRPr lang="pl-PL"/>
           </a:p>
@@ -763,7 +763,7 @@
           <a:p>
             <a:fld id="{758523DB-1EDD-4A73-9803-D008E5CAF974}" type="datetimeFigureOut">
               <a:rPr lang="pl-PL" smtClean="0"/>
-              <a:t>24.07.2025</a:t>
+              <a:t>27.07.2025</a:t>
             </a:fld>
             <a:endParaRPr lang="pl-PL"/>
           </a:p>
@@ -1007,7 +1007,7 @@
           <a:p>
             <a:fld id="{758523DB-1EDD-4A73-9803-D008E5CAF974}" type="datetimeFigureOut">
               <a:rPr lang="pl-PL" smtClean="0"/>
-              <a:t>24.07.2025</a:t>
+              <a:t>27.07.2025</a:t>
             </a:fld>
             <a:endParaRPr lang="pl-PL"/>
           </a:p>
@@ -1239,7 +1239,7 @@
           <a:p>
             <a:fld id="{758523DB-1EDD-4A73-9803-D008E5CAF974}" type="datetimeFigureOut">
               <a:rPr lang="pl-PL" smtClean="0"/>
-              <a:t>24.07.2025</a:t>
+              <a:t>27.07.2025</a:t>
             </a:fld>
             <a:endParaRPr lang="pl-PL"/>
           </a:p>
@@ -1606,7 +1606,7 @@
           <a:p>
             <a:fld id="{758523DB-1EDD-4A73-9803-D008E5CAF974}" type="datetimeFigureOut">
               <a:rPr lang="pl-PL" smtClean="0"/>
-              <a:t>24.07.2025</a:t>
+              <a:t>27.07.2025</a:t>
             </a:fld>
             <a:endParaRPr lang="pl-PL"/>
           </a:p>
@@ -1724,7 +1724,7 @@
           <a:p>
             <a:fld id="{758523DB-1EDD-4A73-9803-D008E5CAF974}" type="datetimeFigureOut">
               <a:rPr lang="pl-PL" smtClean="0"/>
-              <a:t>24.07.2025</a:t>
+              <a:t>27.07.2025</a:t>
             </a:fld>
             <a:endParaRPr lang="pl-PL"/>
           </a:p>
@@ -1819,7 +1819,7 @@
           <a:p>
             <a:fld id="{758523DB-1EDD-4A73-9803-D008E5CAF974}" type="datetimeFigureOut">
               <a:rPr lang="pl-PL" smtClean="0"/>
-              <a:t>24.07.2025</a:t>
+              <a:t>27.07.2025</a:t>
             </a:fld>
             <a:endParaRPr lang="pl-PL"/>
           </a:p>
@@ -2096,7 +2096,7 @@
           <a:p>
             <a:fld id="{758523DB-1EDD-4A73-9803-D008E5CAF974}" type="datetimeFigureOut">
               <a:rPr lang="pl-PL" smtClean="0"/>
-              <a:t>24.07.2025</a:t>
+              <a:t>27.07.2025</a:t>
             </a:fld>
             <a:endParaRPr lang="pl-PL"/>
           </a:p>
@@ -2353,7 +2353,7 @@
           <a:p>
             <a:fld id="{758523DB-1EDD-4A73-9803-D008E5CAF974}" type="datetimeFigureOut">
               <a:rPr lang="pl-PL" smtClean="0"/>
-              <a:t>24.07.2025</a:t>
+              <a:t>27.07.2025</a:t>
             </a:fld>
             <a:endParaRPr lang="pl-PL"/>
           </a:p>
@@ -2566,7 +2566,7 @@
           <a:p>
             <a:fld id="{758523DB-1EDD-4A73-9803-D008E5CAF974}" type="datetimeFigureOut">
               <a:rPr lang="pl-PL" smtClean="0"/>
-              <a:t>24.07.2025</a:t>
+              <a:t>27.07.2025</a:t>
             </a:fld>
             <a:endParaRPr lang="pl-PL"/>
           </a:p>
@@ -3009,10 +3009,10 @@
       </p:pic>
       <p:pic>
         <p:nvPicPr>
-          <p:cNvPr id="15" name="Obraz 14" descr="Obraz zawierający tekst, zrzut ekranu, Czcionka, linia&#10;&#10;Zawartość wygenerowana przez AI może być niepoprawna.">
+          <p:cNvPr id="21" name="Obraz 20" descr="Obraz zawierający tekst, zrzut ekranu, Czcionka, linia&#10;&#10;Zawartość wygenerowana przez AI może być niepoprawna.">
             <a:extLst>
               <a:ext uri="{FF2B5EF4-FFF2-40B4-BE49-F238E27FC236}">
-                <a16:creationId xmlns:a16="http://schemas.microsoft.com/office/drawing/2014/main" id="{D34D6932-01F7-9825-71B1-02FC5D9FEC8A}"/>
+                <a16:creationId xmlns:a16="http://schemas.microsoft.com/office/drawing/2014/main" id="{DBAAC982-F3CE-4646-4C6F-BBD1913CE48C}"/>
               </a:ext>
             </a:extLst>
           </p:cNvPr>
@@ -3035,8 +3035,8 @@
         </p:blipFill>
         <p:spPr>
           <a:xfrm>
-            <a:off x="2675702" y="3926037"/>
-            <a:ext cx="2301427" cy="1535920"/>
+            <a:off x="2225223" y="3934151"/>
+            <a:ext cx="2875677" cy="1557403"/>
           </a:xfrm>
           <a:prstGeom prst="rect">
             <a:avLst/>

--- a/src/img/meros-graphical-abstract.pptx
+++ b/src/img/meros-graphical-abstract.pptx
@@ -243,7 +243,7 @@
           <a:p>
             <a:fld id="{758523DB-1EDD-4A73-9803-D008E5CAF974}" type="datetimeFigureOut">
               <a:rPr lang="pl-PL" smtClean="0"/>
-              <a:t>27.07.2025</a:t>
+              <a:t>28.07.2025</a:t>
             </a:fld>
             <a:endParaRPr lang="pl-PL"/>
           </a:p>
@@ -413,7 +413,7 @@
           <a:p>
             <a:fld id="{758523DB-1EDD-4A73-9803-D008E5CAF974}" type="datetimeFigureOut">
               <a:rPr lang="pl-PL" smtClean="0"/>
-              <a:t>27.07.2025</a:t>
+              <a:t>28.07.2025</a:t>
             </a:fld>
             <a:endParaRPr lang="pl-PL"/>
           </a:p>
@@ -593,7 +593,7 @@
           <a:p>
             <a:fld id="{758523DB-1EDD-4A73-9803-D008E5CAF974}" type="datetimeFigureOut">
               <a:rPr lang="pl-PL" smtClean="0"/>
-              <a:t>27.07.2025</a:t>
+              <a:t>28.07.2025</a:t>
             </a:fld>
             <a:endParaRPr lang="pl-PL"/>
           </a:p>
@@ -763,7 +763,7 @@
           <a:p>
             <a:fld id="{758523DB-1EDD-4A73-9803-D008E5CAF974}" type="datetimeFigureOut">
               <a:rPr lang="pl-PL" smtClean="0"/>
-              <a:t>27.07.2025</a:t>
+              <a:t>28.07.2025</a:t>
             </a:fld>
             <a:endParaRPr lang="pl-PL"/>
           </a:p>
@@ -1007,7 +1007,7 @@
           <a:p>
             <a:fld id="{758523DB-1EDD-4A73-9803-D008E5CAF974}" type="datetimeFigureOut">
               <a:rPr lang="pl-PL" smtClean="0"/>
-              <a:t>27.07.2025</a:t>
+              <a:t>28.07.2025</a:t>
             </a:fld>
             <a:endParaRPr lang="pl-PL"/>
           </a:p>
@@ -1239,7 +1239,7 @@
           <a:p>
             <a:fld id="{758523DB-1EDD-4A73-9803-D008E5CAF974}" type="datetimeFigureOut">
               <a:rPr lang="pl-PL" smtClean="0"/>
-              <a:t>27.07.2025</a:t>
+              <a:t>28.07.2025</a:t>
             </a:fld>
             <a:endParaRPr lang="pl-PL"/>
           </a:p>
@@ -1606,7 +1606,7 @@
           <a:p>
             <a:fld id="{758523DB-1EDD-4A73-9803-D008E5CAF974}" type="datetimeFigureOut">
               <a:rPr lang="pl-PL" smtClean="0"/>
-              <a:t>27.07.2025</a:t>
+              <a:t>28.07.2025</a:t>
             </a:fld>
             <a:endParaRPr lang="pl-PL"/>
           </a:p>
@@ -1724,7 +1724,7 @@
           <a:p>
             <a:fld id="{758523DB-1EDD-4A73-9803-D008E5CAF974}" type="datetimeFigureOut">
               <a:rPr lang="pl-PL" smtClean="0"/>
-              <a:t>27.07.2025</a:t>
+              <a:t>28.07.2025</a:t>
             </a:fld>
             <a:endParaRPr lang="pl-PL"/>
           </a:p>
@@ -1819,7 +1819,7 @@
           <a:p>
             <a:fld id="{758523DB-1EDD-4A73-9803-D008E5CAF974}" type="datetimeFigureOut">
               <a:rPr lang="pl-PL" smtClean="0"/>
-              <a:t>27.07.2025</a:t>
+              <a:t>28.07.2025</a:t>
             </a:fld>
             <a:endParaRPr lang="pl-PL"/>
           </a:p>
@@ -2096,7 +2096,7 @@
           <a:p>
             <a:fld id="{758523DB-1EDD-4A73-9803-D008E5CAF974}" type="datetimeFigureOut">
               <a:rPr lang="pl-PL" smtClean="0"/>
-              <a:t>27.07.2025</a:t>
+              <a:t>28.07.2025</a:t>
             </a:fld>
             <a:endParaRPr lang="pl-PL"/>
           </a:p>
@@ -2353,7 +2353,7 @@
           <a:p>
             <a:fld id="{758523DB-1EDD-4A73-9803-D008E5CAF974}" type="datetimeFigureOut">
               <a:rPr lang="pl-PL" smtClean="0"/>
-              <a:t>27.07.2025</a:t>
+              <a:t>28.07.2025</a:t>
             </a:fld>
             <a:endParaRPr lang="pl-PL"/>
           </a:p>
@@ -2566,7 +2566,7 @@
           <a:p>
             <a:fld id="{758523DB-1EDD-4A73-9803-D008E5CAF974}" type="datetimeFigureOut">
               <a:rPr lang="pl-PL" smtClean="0"/>
-              <a:t>27.07.2025</a:t>
+              <a:t>28.07.2025</a:t>
             </a:fld>
             <a:endParaRPr lang="pl-PL"/>
           </a:p>
@@ -2973,10 +2973,10 @@
       </p:grpSpPr>
       <p:pic>
         <p:nvPicPr>
-          <p:cNvPr id="18" name="Obraz 17" descr="Obraz zawierający tekst, zrzut ekranu, Czcionka, linia&#10;&#10;Zawartość wygenerowana przez AI może być niepoprawna.">
+          <p:cNvPr id="15" name="Obraz 14" descr="Obraz zawierający tekst, zrzut ekranu, Czcionka, linia&#10;&#10;Zawartość wygenerowana przez AI może być niepoprawna.">
             <a:extLst>
               <a:ext uri="{FF2B5EF4-FFF2-40B4-BE49-F238E27FC236}">
-                <a16:creationId xmlns:a16="http://schemas.microsoft.com/office/drawing/2014/main" id="{F607F429-8B25-4379-03E5-0EBFF2266107}"/>
+                <a16:creationId xmlns:a16="http://schemas.microsoft.com/office/drawing/2014/main" id="{96777793-B759-D1ED-EB4D-4980A114581F}"/>
               </a:ext>
             </a:extLst>
           </p:cNvPr>
@@ -2999,8 +2999,8 @@
         </p:blipFill>
         <p:spPr>
           <a:xfrm>
-            <a:off x="828820" y="4920162"/>
-            <a:ext cx="3604443" cy="1248466"/>
+            <a:off x="2618663" y="3922311"/>
+            <a:ext cx="2530119" cy="1879663"/>
           </a:xfrm>
           <a:prstGeom prst="rect">
             <a:avLst/>
@@ -3009,10 +3009,10 @@
       </p:pic>
       <p:pic>
         <p:nvPicPr>
-          <p:cNvPr id="21" name="Obraz 20" descr="Obraz zawierający tekst, zrzut ekranu, Czcionka, linia&#10;&#10;Zawartość wygenerowana przez AI może być niepoprawna.">
+          <p:cNvPr id="18" name="Obraz 17" descr="Obraz zawierający tekst, zrzut ekranu, Czcionka, linia&#10;&#10;Zawartość wygenerowana przez AI może być niepoprawna.">
             <a:extLst>
               <a:ext uri="{FF2B5EF4-FFF2-40B4-BE49-F238E27FC236}">
-                <a16:creationId xmlns:a16="http://schemas.microsoft.com/office/drawing/2014/main" id="{DBAAC982-F3CE-4646-4C6F-BBD1913CE48C}"/>
+                <a16:creationId xmlns:a16="http://schemas.microsoft.com/office/drawing/2014/main" id="{F607F429-8B25-4379-03E5-0EBFF2266107}"/>
               </a:ext>
             </a:extLst>
           </p:cNvPr>
@@ -3035,8 +3035,8 @@
         </p:blipFill>
         <p:spPr>
           <a:xfrm>
-            <a:off x="2225223" y="3934151"/>
-            <a:ext cx="2875677" cy="1557403"/>
+            <a:off x="828820" y="4920162"/>
+            <a:ext cx="3604443" cy="1248466"/>
           </a:xfrm>
           <a:prstGeom prst="rect">
             <a:avLst/>

--- a/src/img/meros-graphical-abstract.pptx
+++ b/src/img/meros-graphical-abstract.pptx
@@ -243,7 +243,7 @@
           <a:p>
             <a:fld id="{758523DB-1EDD-4A73-9803-D008E5CAF974}" type="datetimeFigureOut">
               <a:rPr lang="pl-PL" smtClean="0"/>
-              <a:t>28.07.2025</a:t>
+              <a:t>29.07.2025</a:t>
             </a:fld>
             <a:endParaRPr lang="pl-PL"/>
           </a:p>
@@ -413,7 +413,7 @@
           <a:p>
             <a:fld id="{758523DB-1EDD-4A73-9803-D008E5CAF974}" type="datetimeFigureOut">
               <a:rPr lang="pl-PL" smtClean="0"/>
-              <a:t>28.07.2025</a:t>
+              <a:t>29.07.2025</a:t>
             </a:fld>
             <a:endParaRPr lang="pl-PL"/>
           </a:p>
@@ -593,7 +593,7 @@
           <a:p>
             <a:fld id="{758523DB-1EDD-4A73-9803-D008E5CAF974}" type="datetimeFigureOut">
               <a:rPr lang="pl-PL" smtClean="0"/>
-              <a:t>28.07.2025</a:t>
+              <a:t>29.07.2025</a:t>
             </a:fld>
             <a:endParaRPr lang="pl-PL"/>
           </a:p>
@@ -763,7 +763,7 @@
           <a:p>
             <a:fld id="{758523DB-1EDD-4A73-9803-D008E5CAF974}" type="datetimeFigureOut">
               <a:rPr lang="pl-PL" smtClean="0"/>
-              <a:t>28.07.2025</a:t>
+              <a:t>29.07.2025</a:t>
             </a:fld>
             <a:endParaRPr lang="pl-PL"/>
           </a:p>
@@ -1007,7 +1007,7 @@
           <a:p>
             <a:fld id="{758523DB-1EDD-4A73-9803-D008E5CAF974}" type="datetimeFigureOut">
               <a:rPr lang="pl-PL" smtClean="0"/>
-              <a:t>28.07.2025</a:t>
+              <a:t>29.07.2025</a:t>
             </a:fld>
             <a:endParaRPr lang="pl-PL"/>
           </a:p>
@@ -1239,7 +1239,7 @@
           <a:p>
             <a:fld id="{758523DB-1EDD-4A73-9803-D008E5CAF974}" type="datetimeFigureOut">
               <a:rPr lang="pl-PL" smtClean="0"/>
-              <a:t>28.07.2025</a:t>
+              <a:t>29.07.2025</a:t>
             </a:fld>
             <a:endParaRPr lang="pl-PL"/>
           </a:p>
@@ -1606,7 +1606,7 @@
           <a:p>
             <a:fld id="{758523DB-1EDD-4A73-9803-D008E5CAF974}" type="datetimeFigureOut">
               <a:rPr lang="pl-PL" smtClean="0"/>
-              <a:t>28.07.2025</a:t>
+              <a:t>29.07.2025</a:t>
             </a:fld>
             <a:endParaRPr lang="pl-PL"/>
           </a:p>
@@ -1724,7 +1724,7 @@
           <a:p>
             <a:fld id="{758523DB-1EDD-4A73-9803-D008E5CAF974}" type="datetimeFigureOut">
               <a:rPr lang="pl-PL" smtClean="0"/>
-              <a:t>28.07.2025</a:t>
+              <a:t>29.07.2025</a:t>
             </a:fld>
             <a:endParaRPr lang="pl-PL"/>
           </a:p>
@@ -1819,7 +1819,7 @@
           <a:p>
             <a:fld id="{758523DB-1EDD-4A73-9803-D008E5CAF974}" type="datetimeFigureOut">
               <a:rPr lang="pl-PL" smtClean="0"/>
-              <a:t>28.07.2025</a:t>
+              <a:t>29.07.2025</a:t>
             </a:fld>
             <a:endParaRPr lang="pl-PL"/>
           </a:p>
@@ -2096,7 +2096,7 @@
           <a:p>
             <a:fld id="{758523DB-1EDD-4A73-9803-D008E5CAF974}" type="datetimeFigureOut">
               <a:rPr lang="pl-PL" smtClean="0"/>
-              <a:t>28.07.2025</a:t>
+              <a:t>29.07.2025</a:t>
             </a:fld>
             <a:endParaRPr lang="pl-PL"/>
           </a:p>
@@ -2353,7 +2353,7 @@
           <a:p>
             <a:fld id="{758523DB-1EDD-4A73-9803-D008E5CAF974}" type="datetimeFigureOut">
               <a:rPr lang="pl-PL" smtClean="0"/>
-              <a:t>28.07.2025</a:t>
+              <a:t>29.07.2025</a:t>
             </a:fld>
             <a:endParaRPr lang="pl-PL"/>
           </a:p>
@@ -2566,7 +2566,7 @@
           <a:p>
             <a:fld id="{758523DB-1EDD-4A73-9803-D008E5CAF974}" type="datetimeFigureOut">
               <a:rPr lang="pl-PL" smtClean="0"/>
-              <a:t>28.07.2025</a:t>
+              <a:t>29.07.2025</a:t>
             </a:fld>
             <a:endParaRPr lang="pl-PL"/>
           </a:p>
@@ -2973,10 +2973,10 @@
       </p:grpSpPr>
       <p:pic>
         <p:nvPicPr>
-          <p:cNvPr id="15" name="Obraz 14" descr="Obraz zawierający tekst, zrzut ekranu, Czcionka, linia&#10;&#10;Zawartość wygenerowana przez AI może być niepoprawna.">
+          <p:cNvPr id="21" name="Obraz 20" descr="Obraz zawierający tekst, zrzut ekranu, linia, Czcionka&#10;&#10;Zawartość wygenerowana przez AI może być niepoprawna.">
             <a:extLst>
               <a:ext uri="{FF2B5EF4-FFF2-40B4-BE49-F238E27FC236}">
-                <a16:creationId xmlns:a16="http://schemas.microsoft.com/office/drawing/2014/main" id="{96777793-B759-D1ED-EB4D-4980A114581F}"/>
+                <a16:creationId xmlns:a16="http://schemas.microsoft.com/office/drawing/2014/main" id="{078D3E1A-0951-3215-DB10-14D0A4DB06BD}"/>
               </a:ext>
             </a:extLst>
           </p:cNvPr>
@@ -2999,8 +2999,8 @@
         </p:blipFill>
         <p:spPr>
           <a:xfrm>
-            <a:off x="2618663" y="3922311"/>
-            <a:ext cx="2530119" cy="1879663"/>
+            <a:off x="7300123" y="4693997"/>
+            <a:ext cx="2560103" cy="1625847"/>
           </a:xfrm>
           <a:prstGeom prst="rect">
             <a:avLst/>
@@ -3009,10 +3009,10 @@
       </p:pic>
       <p:pic>
         <p:nvPicPr>
-          <p:cNvPr id="18" name="Obraz 17" descr="Obraz zawierający tekst, zrzut ekranu, Czcionka, linia&#10;&#10;Zawartość wygenerowana przez AI może być niepoprawna.">
+          <p:cNvPr id="15" name="Obraz 14" descr="Obraz zawierający tekst, zrzut ekranu, Czcionka, linia&#10;&#10;Zawartość wygenerowana przez AI może być niepoprawna.">
             <a:extLst>
               <a:ext uri="{FF2B5EF4-FFF2-40B4-BE49-F238E27FC236}">
-                <a16:creationId xmlns:a16="http://schemas.microsoft.com/office/drawing/2014/main" id="{F607F429-8B25-4379-03E5-0EBFF2266107}"/>
+                <a16:creationId xmlns:a16="http://schemas.microsoft.com/office/drawing/2014/main" id="{96777793-B759-D1ED-EB4D-4980A114581F}"/>
               </a:ext>
             </a:extLst>
           </p:cNvPr>
@@ -3035,8 +3035,8 @@
         </p:blipFill>
         <p:spPr>
           <a:xfrm>
-            <a:off x="828820" y="4920162"/>
-            <a:ext cx="3604443" cy="1248466"/>
+            <a:off x="2618663" y="3922311"/>
+            <a:ext cx="2530119" cy="1879663"/>
           </a:xfrm>
           <a:prstGeom prst="rect">
             <a:avLst/>
@@ -3045,10 +3045,10 @@
       </p:pic>
       <p:pic>
         <p:nvPicPr>
-          <p:cNvPr id="29" name="Obraz 28" descr="Obraz zawierający tekst, zrzut ekranu, Czcionka, linia&#10;&#10;Zawartość wygenerowana przez AI może być niepoprawna.">
+          <p:cNvPr id="18" name="Obraz 17" descr="Obraz zawierający tekst, zrzut ekranu, Czcionka, linia&#10;&#10;Zawartość wygenerowana przez AI może być niepoprawna.">
             <a:extLst>
               <a:ext uri="{FF2B5EF4-FFF2-40B4-BE49-F238E27FC236}">
-                <a16:creationId xmlns:a16="http://schemas.microsoft.com/office/drawing/2014/main" id="{5D1E34E4-7EB7-A1CF-A2B3-FFDF867BCD68}"/>
+                <a16:creationId xmlns:a16="http://schemas.microsoft.com/office/drawing/2014/main" id="{F607F429-8B25-4379-03E5-0EBFF2266107}"/>
               </a:ext>
             </a:extLst>
           </p:cNvPr>
@@ -3071,8 +3071,8 @@
         </p:blipFill>
         <p:spPr>
           <a:xfrm>
-            <a:off x="6086140" y="5236470"/>
-            <a:ext cx="2263082" cy="1036992"/>
+            <a:off x="828820" y="4920162"/>
+            <a:ext cx="3604443" cy="1248466"/>
           </a:xfrm>
           <a:prstGeom prst="rect">
             <a:avLst/>
@@ -3081,10 +3081,10 @@
       </p:pic>
       <p:pic>
         <p:nvPicPr>
-          <p:cNvPr id="26" name="Obraz 25" descr="Obraz zawierający tekst, zrzut ekranu, linia, Czcionka&#10;&#10;Zawartość wygenerowana przez AI może być niepoprawna.">
+          <p:cNvPr id="29" name="Obraz 28" descr="Obraz zawierający tekst, zrzut ekranu, Czcionka, linia&#10;&#10;Zawartość wygenerowana przez AI może być niepoprawna.">
             <a:extLst>
               <a:ext uri="{FF2B5EF4-FFF2-40B4-BE49-F238E27FC236}">
-                <a16:creationId xmlns:a16="http://schemas.microsoft.com/office/drawing/2014/main" id="{097A6E6A-2247-C0D5-123A-10A1A29C1D99}"/>
+                <a16:creationId xmlns:a16="http://schemas.microsoft.com/office/drawing/2014/main" id="{5D1E34E4-7EB7-A1CF-A2B3-FFDF867BCD68}"/>
               </a:ext>
             </a:extLst>
           </p:cNvPr>
@@ -3107,8 +3107,8 @@
         </p:blipFill>
         <p:spPr>
           <a:xfrm>
-            <a:off x="7137897" y="4595565"/>
-            <a:ext cx="2720406" cy="1780108"/>
+            <a:off x="6086140" y="5236470"/>
+            <a:ext cx="2263082" cy="1036992"/>
           </a:xfrm>
           <a:prstGeom prst="rect">
             <a:avLst/>

--- a/src/img/meros-graphical-abstract.pptx
+++ b/src/img/meros-graphical-abstract.pptx
@@ -243,7 +243,7 @@
           <a:p>
             <a:fld id="{758523DB-1EDD-4A73-9803-D008E5CAF974}" type="datetimeFigureOut">
               <a:rPr lang="pl-PL" smtClean="0"/>
-              <a:t>29.07.2025</a:t>
+              <a:t>31.08.2025</a:t>
             </a:fld>
             <a:endParaRPr lang="pl-PL"/>
           </a:p>
@@ -413,7 +413,7 @@
           <a:p>
             <a:fld id="{758523DB-1EDD-4A73-9803-D008E5CAF974}" type="datetimeFigureOut">
               <a:rPr lang="pl-PL" smtClean="0"/>
-              <a:t>29.07.2025</a:t>
+              <a:t>31.08.2025</a:t>
             </a:fld>
             <a:endParaRPr lang="pl-PL"/>
           </a:p>
@@ -593,7 +593,7 @@
           <a:p>
             <a:fld id="{758523DB-1EDD-4A73-9803-D008E5CAF974}" type="datetimeFigureOut">
               <a:rPr lang="pl-PL" smtClean="0"/>
-              <a:t>29.07.2025</a:t>
+              <a:t>31.08.2025</a:t>
             </a:fld>
             <a:endParaRPr lang="pl-PL"/>
           </a:p>
@@ -763,7 +763,7 @@
           <a:p>
             <a:fld id="{758523DB-1EDD-4A73-9803-D008E5CAF974}" type="datetimeFigureOut">
               <a:rPr lang="pl-PL" smtClean="0"/>
-              <a:t>29.07.2025</a:t>
+              <a:t>31.08.2025</a:t>
             </a:fld>
             <a:endParaRPr lang="pl-PL"/>
           </a:p>
@@ -1007,7 +1007,7 @@
           <a:p>
             <a:fld id="{758523DB-1EDD-4A73-9803-D008E5CAF974}" type="datetimeFigureOut">
               <a:rPr lang="pl-PL" smtClean="0"/>
-              <a:t>29.07.2025</a:t>
+              <a:t>31.08.2025</a:t>
             </a:fld>
             <a:endParaRPr lang="pl-PL"/>
           </a:p>
@@ -1239,7 +1239,7 @@
           <a:p>
             <a:fld id="{758523DB-1EDD-4A73-9803-D008E5CAF974}" type="datetimeFigureOut">
               <a:rPr lang="pl-PL" smtClean="0"/>
-              <a:t>29.07.2025</a:t>
+              <a:t>31.08.2025</a:t>
             </a:fld>
             <a:endParaRPr lang="pl-PL"/>
           </a:p>
@@ -1606,7 +1606,7 @@
           <a:p>
             <a:fld id="{758523DB-1EDD-4A73-9803-D008E5CAF974}" type="datetimeFigureOut">
               <a:rPr lang="pl-PL" smtClean="0"/>
-              <a:t>29.07.2025</a:t>
+              <a:t>31.08.2025</a:t>
             </a:fld>
             <a:endParaRPr lang="pl-PL"/>
           </a:p>
@@ -1724,7 +1724,7 @@
           <a:p>
             <a:fld id="{758523DB-1EDD-4A73-9803-D008E5CAF974}" type="datetimeFigureOut">
               <a:rPr lang="pl-PL" smtClean="0"/>
-              <a:t>29.07.2025</a:t>
+              <a:t>31.08.2025</a:t>
             </a:fld>
             <a:endParaRPr lang="pl-PL"/>
           </a:p>
@@ -1819,7 +1819,7 @@
           <a:p>
             <a:fld id="{758523DB-1EDD-4A73-9803-D008E5CAF974}" type="datetimeFigureOut">
               <a:rPr lang="pl-PL" smtClean="0"/>
-              <a:t>29.07.2025</a:t>
+              <a:t>31.08.2025</a:t>
             </a:fld>
             <a:endParaRPr lang="pl-PL"/>
           </a:p>
@@ -2096,7 +2096,7 @@
           <a:p>
             <a:fld id="{758523DB-1EDD-4A73-9803-D008E5CAF974}" type="datetimeFigureOut">
               <a:rPr lang="pl-PL" smtClean="0"/>
-              <a:t>29.07.2025</a:t>
+              <a:t>31.08.2025</a:t>
             </a:fld>
             <a:endParaRPr lang="pl-PL"/>
           </a:p>
@@ -2353,7 +2353,7 @@
           <a:p>
             <a:fld id="{758523DB-1EDD-4A73-9803-D008E5CAF974}" type="datetimeFigureOut">
               <a:rPr lang="pl-PL" smtClean="0"/>
-              <a:t>29.07.2025</a:t>
+              <a:t>31.08.2025</a:t>
             </a:fld>
             <a:endParaRPr lang="pl-PL"/>
           </a:p>
@@ -2566,7 +2566,7 @@
           <a:p>
             <a:fld id="{758523DB-1EDD-4A73-9803-D008E5CAF974}" type="datetimeFigureOut">
               <a:rPr lang="pl-PL" smtClean="0"/>
-              <a:t>29.07.2025</a:t>
+              <a:t>31.08.2025</a:t>
             </a:fld>
             <a:endParaRPr lang="pl-PL"/>
           </a:p>
@@ -3909,10 +3909,10 @@
       </p:sp>
       <p:pic>
         <p:nvPicPr>
-          <p:cNvPr id="17" name="Obraz 16" descr="Obraz zawierający tekst, zrzut ekranu, diagram, Czcionka&#10;&#10;Zawartość wygenerowana przez AI może być niepoprawna.">
+          <p:cNvPr id="19" name="Obraz 18" descr="Obraz zawierający tekst, zrzut ekranu, Czcionka, numer&#10;&#10;Zawartość wygenerowana przez AI może być niepoprawna.">
             <a:extLst>
               <a:ext uri="{FF2B5EF4-FFF2-40B4-BE49-F238E27FC236}">
-                <a16:creationId xmlns:a16="http://schemas.microsoft.com/office/drawing/2014/main" id="{9BAD4501-B028-C347-7629-FAF3D7E4B980}"/>
+                <a16:creationId xmlns:a16="http://schemas.microsoft.com/office/drawing/2014/main" id="{5CA3FE20-D880-EDDE-B020-FB5DF10338F7}"/>
               </a:ext>
             </a:extLst>
           </p:cNvPr>
@@ -3935,8 +3935,8 @@
         </p:blipFill>
         <p:spPr>
           <a:xfrm>
-            <a:off x="573223" y="3555297"/>
-            <a:ext cx="3200825" cy="1998399"/>
+            <a:off x="6243319" y="3855538"/>
+            <a:ext cx="3536941" cy="1796741"/>
           </a:xfrm>
           <a:prstGeom prst="rect">
             <a:avLst/>
@@ -3945,10 +3945,10 @@
       </p:pic>
       <p:pic>
         <p:nvPicPr>
-          <p:cNvPr id="19" name="Obraz 18" descr="Obraz zawierający tekst, zrzut ekranu, Czcionka, numer&#10;&#10;Zawartość wygenerowana przez AI może być niepoprawna.">
+          <p:cNvPr id="22" name="Obraz 21" descr="Obraz zawierający tekst, zrzut ekranu, Czcionka, diagram&#10;&#10;Zawartość wygenerowana przez AI może być niepoprawna.">
             <a:extLst>
               <a:ext uri="{FF2B5EF4-FFF2-40B4-BE49-F238E27FC236}">
-                <a16:creationId xmlns:a16="http://schemas.microsoft.com/office/drawing/2014/main" id="{5CA3FE20-D880-EDDE-B020-FB5DF10338F7}"/>
+                <a16:creationId xmlns:a16="http://schemas.microsoft.com/office/drawing/2014/main" id="{647151B0-D0D8-B330-2F84-3AC7E604F57A}"/>
               </a:ext>
             </a:extLst>
           </p:cNvPr>
@@ -3971,8 +3971,8 @@
         </p:blipFill>
         <p:spPr>
           <a:xfrm>
-            <a:off x="6243319" y="3855538"/>
-            <a:ext cx="3536941" cy="1796741"/>
+            <a:off x="498388" y="3506495"/>
+            <a:ext cx="3173974" cy="2152465"/>
           </a:xfrm>
           <a:prstGeom prst="rect">
             <a:avLst/>
